--- a/Counter_Malign_Information/4-Implement-For_Instructors/Lesson_Plans/Lesson_01-Creating_Synthetic_Content/Audio_Visual-Template/Lesson_Slide-Create_AI_Content-Spanish.pptx
+++ b/Counter_Malign_Information/4-Implement-For_Instructors/Lesson_Plans/Lesson_01-Creating_Synthetic_Content/Audio_Visual-Template/Lesson_Slide-Create_AI_Content-Spanish.pptx
@@ -1,21 +1,23 @@
 
 <file path=ppt/presentation.xml><?xml version="1.0" encoding="utf-8"?>
-<p:presentation xmlns:a="http://schemas.openxmlformats.org/drawingml/2006/main" xmlns:r="http://schemas.openxmlformats.org/officeDocument/2006/relationships" xmlns:p="http://schemas.openxmlformats.org/presentationml/2006/main" xmlns:m="http://schemas.openxmlformats.org/officeDocument/2006/math" xmlns:a14="http://schemas.microsoft.com/office/drawing/2010/main">
+<p:presentation xmlns:a="http://schemas.openxmlformats.org/drawingml/2006/main" xmlns:r="http://schemas.openxmlformats.org/officeDocument/2006/relationships" xmlns:p="http://schemas.openxmlformats.org/presentationml/2006/main">
   <p:sldMasterIdLst>
-    <p:sldMasterId id="2147483648" r:id="rId5"/>
+    <p:sldMasterId id="2147483648" r:id="rId1"/>
   </p:sldMasterIdLst>
   <p:notesMasterIdLst>
-    <p:notesMasterId r:id="rId7"/>
+    <p:notesMasterId r:id="rId12"/>
   </p:notesMasterIdLst>
   <p:sldIdLst>
-    <p:sldId id="256" r:id="rId8"/>
-    <p:sldId id="257" r:id="rId9"/>
-    <p:sldId id="258" r:id="rId10"/>
-    <p:sldId id="259" r:id="rId11"/>
-    <p:sldId id="260" r:id="rId12"/>
-    <p:sldId id="261" r:id="rId13"/>
-    <p:sldId id="262" r:id="rId14"/>
-    <p:sldId id="263" r:id="rId15"/>
+    <p:sldId id="256" r:id="rId2"/>
+    <p:sldId id="257" r:id="rId3"/>
+    <p:sldId id="258" r:id="rId4"/>
+    <p:sldId id="259" r:id="rId5"/>
+    <p:sldId id="260" r:id="rId6"/>
+    <p:sldId id="274" r:id="rId7"/>
+    <p:sldId id="276" r:id="rId8"/>
+    <p:sldId id="262" r:id="rId9"/>
+    <p:sldId id="261" r:id="rId10"/>
+    <p:sldId id="263" r:id="rId11"/>
   </p:sldIdLst>
   <p:sldSz cx="12192000" cy="6858000"/>
   <p:notesSz cx="6858000" cy="9144000"/>
@@ -35,7 +37,7 @@
       <a:buFontTx/>
       <a:buNone/>
       <a:tabLst/>
-      <a:defRPr b="0" baseline="0" cap="none" i="0" spc="0" strike="noStrike" sz="1800" u="none" kumimoji="0" normalizeH="0">
+      <a:defRPr kumimoji="0" sz="1800" b="0" i="0" u="none" strike="noStrike" cap="none" spc="0" normalizeH="0" baseline="0">
         <a:ln>
           <a:noFill/>
         </a:ln>
@@ -61,7 +63,7 @@
       <a:buFontTx/>
       <a:buNone/>
       <a:tabLst/>
-      <a:defRPr b="0" baseline="0" cap="none" i="0" spc="0" strike="noStrike" sz="1800" u="none" kumimoji="0" normalizeH="0">
+      <a:defRPr kumimoji="0" sz="1800" b="0" i="0" u="none" strike="noStrike" cap="none" spc="0" normalizeH="0" baseline="0">
         <a:ln>
           <a:noFill/>
         </a:ln>
@@ -91,7 +93,7 @@
       <a:buFontTx/>
       <a:buNone/>
       <a:tabLst/>
-      <a:defRPr b="0" baseline="0" cap="none" i="0" spc="0" strike="noStrike" sz="1800" u="none" kumimoji="0" normalizeH="0">
+      <a:defRPr kumimoji="0" sz="1800" b="0" i="0" u="none" strike="noStrike" cap="none" spc="0" normalizeH="0" baseline="0">
         <a:ln>
           <a:noFill/>
         </a:ln>
@@ -121,7 +123,7 @@
       <a:buFontTx/>
       <a:buNone/>
       <a:tabLst/>
-      <a:defRPr b="0" baseline="0" cap="none" i="0" spc="0" strike="noStrike" sz="1800" u="none" kumimoji="0" normalizeH="0">
+      <a:defRPr kumimoji="0" sz="1800" b="0" i="0" u="none" strike="noStrike" cap="none" spc="0" normalizeH="0" baseline="0">
         <a:ln>
           <a:noFill/>
         </a:ln>
@@ -151,7 +153,7 @@
       <a:buFontTx/>
       <a:buNone/>
       <a:tabLst/>
-      <a:defRPr b="0" baseline="0" cap="none" i="0" spc="0" strike="noStrike" sz="1800" u="none" kumimoji="0" normalizeH="0">
+      <a:defRPr kumimoji="0" sz="1800" b="0" i="0" u="none" strike="noStrike" cap="none" spc="0" normalizeH="0" baseline="0">
         <a:ln>
           <a:noFill/>
         </a:ln>
@@ -181,7 +183,7 @@
       <a:buFontTx/>
       <a:buNone/>
       <a:tabLst/>
-      <a:defRPr b="0" baseline="0" cap="none" i="0" spc="0" strike="noStrike" sz="1800" u="none" kumimoji="0" normalizeH="0">
+      <a:defRPr kumimoji="0" sz="1800" b="0" i="0" u="none" strike="noStrike" cap="none" spc="0" normalizeH="0" baseline="0">
         <a:ln>
           <a:noFill/>
         </a:ln>
@@ -211,7 +213,7 @@
       <a:buFontTx/>
       <a:buNone/>
       <a:tabLst/>
-      <a:defRPr b="0" baseline="0" cap="none" i="0" spc="0" strike="noStrike" sz="1800" u="none" kumimoji="0" normalizeH="0">
+      <a:defRPr kumimoji="0" sz="1800" b="0" i="0" u="none" strike="noStrike" cap="none" spc="0" normalizeH="0" baseline="0">
         <a:ln>
           <a:noFill/>
         </a:ln>
@@ -241,7 +243,7 @@
       <a:buFontTx/>
       <a:buNone/>
       <a:tabLst/>
-      <a:defRPr b="0" baseline="0" cap="none" i="0" spc="0" strike="noStrike" sz="1800" u="none" kumimoji="0" normalizeH="0">
+      <a:defRPr kumimoji="0" sz="1800" b="0" i="0" u="none" strike="noStrike" cap="none" spc="0" normalizeH="0" baseline="0">
         <a:ln>
           <a:noFill/>
         </a:ln>
@@ -271,7 +273,7 @@
       <a:buFontTx/>
       <a:buNone/>
       <a:tabLst/>
-      <a:defRPr b="0" baseline="0" cap="none" i="0" spc="0" strike="noStrike" sz="1800" u="none" kumimoji="0" normalizeH="0">
+      <a:defRPr kumimoji="0" sz="1800" b="0" i="0" u="none" strike="noStrike" cap="none" spc="0" normalizeH="0" baseline="0">
         <a:ln>
           <a:noFill/>
         </a:ln>
@@ -301,7 +303,7 @@
       <a:buFontTx/>
       <a:buNone/>
       <a:tabLst/>
-      <a:defRPr b="0" baseline="0" cap="none" i="0" spc="0" strike="noStrike" sz="1800" u="none" kumimoji="0" normalizeH="0">
+      <a:defRPr kumimoji="0" sz="1800" b="0" i="0" u="none" strike="noStrike" cap="none" spc="0" normalizeH="0" baseline="0">
         <a:ln>
           <a:noFill/>
         </a:ln>
@@ -320,13 +322,14 @@
 </p:presentation>
 </file>
 
-<file path=ppt/commentAuthors.xml><?xml version="1.0" encoding="utf-8"?>
-<p:cmAuthorLst xmlns:a="http://schemas.openxmlformats.org/drawingml/2006/main" xmlns:r="http://schemas.openxmlformats.org/officeDocument/2006/relationships" xmlns:p="http://schemas.openxmlformats.org/presentationml/2006/main" xmlns:m="http://schemas.openxmlformats.org/officeDocument/2006/math" xmlns:a14="http://schemas.microsoft.com/office/drawing/2010/main"/>
-</file>
-
 <file path=ppt/notesMasters/notesMaster1.xml><?xml version="1.0" encoding="utf-8"?>
-<p:notesMaster xmlns:a="http://schemas.openxmlformats.org/drawingml/2006/main" xmlns:r="http://schemas.openxmlformats.org/officeDocument/2006/relationships" xmlns:p="http://schemas.openxmlformats.org/presentationml/2006/main" xmlns:m="http://schemas.openxmlformats.org/officeDocument/2006/math" xmlns:a14="http://schemas.microsoft.com/office/drawing/2010/main">
+<p:notesMaster xmlns:a="http://schemas.openxmlformats.org/drawingml/2006/main" xmlns:r="http://schemas.openxmlformats.org/officeDocument/2006/relationships" xmlns:p="http://schemas.openxmlformats.org/presentationml/2006/main">
   <p:cSld>
+    <p:bg>
+      <p:bgRef idx="1001">
+        <a:schemeClr val="bg1"/>
+      </p:bgRef>
+    </p:bg>
     <p:spTree>
       <p:nvGrpSpPr>
         <p:cNvPr id="1" name=""/>
@@ -344,7 +347,9 @@
       <p:sp>
         <p:nvSpPr>
           <p:cNvPr id="123" name="Shape 123"/>
-          <p:cNvSpPr/>
+          <p:cNvSpPr>
+            <a:spLocks noGrp="1" noRot="1" noChangeAspect="1"/>
+          </p:cNvSpPr>
           <p:nvPr>
             <p:ph type="sldImg"/>
           </p:nvPr>
@@ -362,14 +367,16 @@
           <a:bodyPr/>
           <a:lstStyle/>
           <a:p>
-            <a:pPr/>
+            <a:endParaRPr/>
           </a:p>
         </p:txBody>
       </p:sp>
       <p:sp>
         <p:nvSpPr>
           <p:cNvPr id="124" name="Shape 124"/>
-          <p:cNvSpPr/>
+          <p:cNvSpPr>
+            <a:spLocks noGrp="1"/>
+          </p:cNvSpPr>
           <p:nvPr>
             <p:ph type="body" sz="quarter" idx="1"/>
           </p:nvPr>
@@ -387,7 +394,7 @@
           <a:bodyPr/>
           <a:lstStyle/>
           <a:p>
-            <a:pPr/>
+            <a:endParaRPr/>
           </a:p>
         </p:txBody>
       </p:sp>
@@ -472,7 +479,7 @@
 </file>
 
 <file path=ppt/slideLayouts/slideLayout1.xml><?xml version="1.0" encoding="utf-8"?>
-<p:sldLayout xmlns:a="http://schemas.openxmlformats.org/drawingml/2006/main" xmlns:r="http://schemas.openxmlformats.org/officeDocument/2006/relationships" xmlns:p="http://schemas.openxmlformats.org/presentationml/2006/main" xmlns:m="http://schemas.openxmlformats.org/officeDocument/2006/math" xmlns:a14="http://schemas.microsoft.com/office/drawing/2010/main" type="title" showMasterSp="1" showMasterPhAnim="1">
+<p:sldLayout xmlns:a="http://schemas.openxmlformats.org/drawingml/2006/main" xmlns:r="http://schemas.openxmlformats.org/officeDocument/2006/relationships" xmlns:p="http://schemas.openxmlformats.org/presentationml/2006/main" type="title">
   <p:cSld name="Title Slide">
     <p:spTree>
       <p:nvGrpSpPr>
@@ -491,7 +498,9 @@
       <p:sp>
         <p:nvSpPr>
           <p:cNvPr id="11" name="Click To Edit Master Title Style"/>
-          <p:cNvSpPr txBox="1"/>
+          <p:cNvSpPr txBox="1">
+            <a:spLocks noGrp="1"/>
+          </p:cNvSpPr>
           <p:nvPr>
             <p:ph type="title" hasCustomPrompt="1"/>
           </p:nvPr>
@@ -513,7 +522,6 @@
             </a:lvl1pPr>
           </a:lstStyle>
           <a:p>
-            <a:pPr/>
             <a:r>
               <a:t>Click To Edit Master Title Style</a:t>
             </a:r>
@@ -523,7 +531,9 @@
       <p:sp>
         <p:nvSpPr>
           <p:cNvPr id="12" name="Body Level One…"/>
-          <p:cNvSpPr txBox="1"/>
+          <p:cNvSpPr txBox="1">
+            <a:spLocks noGrp="1"/>
+          </p:cNvSpPr>
           <p:nvPr>
             <p:ph type="body" sz="quarter" idx="1"/>
           </p:nvPr>
@@ -572,7 +582,6 @@
             </a:lvl5pPr>
           </a:lstStyle>
           <a:p>
-            <a:pPr/>
             <a:r>
               <a:t>Body Level One</a:t>
             </a:r>
@@ -606,7 +615,9 @@
       <p:sp>
         <p:nvSpPr>
           <p:cNvPr id="13" name="Slide Number"/>
-          <p:cNvSpPr txBox="1"/>
+          <p:cNvSpPr txBox="1">
+            <a:spLocks noGrp="1"/>
+          </p:cNvSpPr>
           <p:nvPr>
             <p:ph type="sldNum" sz="quarter" idx="2"/>
           </p:nvPr>
@@ -620,8 +631,10 @@
           <a:bodyPr/>
           <a:lstStyle/>
           <a:p>
-            <a:pPr/>
-            <a:fld id="{86CB4B4D-7CA3-9044-876B-883B54F8677D}" type="slidenum"/>
+            <a:fld id="{86CB4B4D-7CA3-9044-876B-883B54F8677D}" type="slidenum">
+              <a:t>‹#›</a:t>
+            </a:fld>
+            <a:endParaRPr/>
           </a:p>
         </p:txBody>
       </p:sp>
@@ -630,12 +643,12 @@
   <p:clrMapOvr>
     <a:masterClrMapping/>
   </p:clrMapOvr>
-  <p:transition xmlns:p14="http://schemas.microsoft.com/office/powerpoint/2010/main" spd="med" advClick="1"/>
+  <p:transition spd="med"/>
 </p:sldLayout>
 </file>
 
 <file path=ppt/slideLayouts/slideLayout10.xml><?xml version="1.0" encoding="utf-8"?>
-<p:sldLayout xmlns:a="http://schemas.openxmlformats.org/drawingml/2006/main" xmlns:r="http://schemas.openxmlformats.org/officeDocument/2006/relationships" xmlns:p="http://schemas.openxmlformats.org/presentationml/2006/main" xmlns:m="http://schemas.openxmlformats.org/officeDocument/2006/math" xmlns:a14="http://schemas.microsoft.com/office/drawing/2010/main" type="tx" showMasterSp="1" showMasterPhAnim="1">
+<p:sldLayout xmlns:a="http://schemas.openxmlformats.org/drawingml/2006/main" xmlns:r="http://schemas.openxmlformats.org/officeDocument/2006/relationships" xmlns:p="http://schemas.openxmlformats.org/presentationml/2006/main" type="tx">
   <p:cSld name="Custom Layout">
     <p:spTree>
       <p:nvGrpSpPr>
@@ -654,7 +667,9 @@
       <p:sp>
         <p:nvSpPr>
           <p:cNvPr id="92" name="Slide Number"/>
-          <p:cNvSpPr txBox="1"/>
+          <p:cNvSpPr txBox="1">
+            <a:spLocks noGrp="1"/>
+          </p:cNvSpPr>
           <p:nvPr>
             <p:ph type="sldNum" sz="quarter" idx="2"/>
           </p:nvPr>
@@ -668,8 +683,10 @@
           <a:bodyPr/>
           <a:lstStyle/>
           <a:p>
-            <a:pPr/>
-            <a:fld id="{86CB4B4D-7CA3-9044-876B-883B54F8677D}" type="slidenum"/>
+            <a:fld id="{86CB4B4D-7CA3-9044-876B-883B54F8677D}" type="slidenum">
+              <a:t>‹#›</a:t>
+            </a:fld>
+            <a:endParaRPr/>
           </a:p>
         </p:txBody>
       </p:sp>
@@ -678,12 +695,12 @@
   <p:clrMapOvr>
     <a:masterClrMapping/>
   </p:clrMapOvr>
-  <p:transition xmlns:p14="http://schemas.microsoft.com/office/powerpoint/2010/main" spd="med" advClick="1"/>
+  <p:transition spd="med"/>
 </p:sldLayout>
 </file>
 
 <file path=ppt/slideLayouts/slideLayout11.xml><?xml version="1.0" encoding="utf-8"?>
-<p:sldLayout xmlns:a="http://schemas.openxmlformats.org/drawingml/2006/main" xmlns:r="http://schemas.openxmlformats.org/officeDocument/2006/relationships" xmlns:p="http://schemas.openxmlformats.org/presentationml/2006/main" xmlns:m="http://schemas.openxmlformats.org/officeDocument/2006/math" xmlns:a14="http://schemas.microsoft.com/office/drawing/2010/main" type="tx" showMasterSp="1" showMasterPhAnim="1">
+<p:sldLayout xmlns:a="http://schemas.openxmlformats.org/drawingml/2006/main" xmlns:r="http://schemas.openxmlformats.org/officeDocument/2006/relationships" xmlns:p="http://schemas.openxmlformats.org/presentationml/2006/main" type="tx">
   <p:cSld name="Title, Content">
     <p:spTree>
       <p:nvGrpSpPr>
@@ -702,7 +719,9 @@
       <p:sp>
         <p:nvSpPr>
           <p:cNvPr id="99" name="Body Level One…"/>
-          <p:cNvSpPr txBox="1"/>
+          <p:cNvSpPr txBox="1">
+            <a:spLocks noGrp="1"/>
+          </p:cNvSpPr>
           <p:nvPr>
             <p:ph type="body" idx="1"/>
           </p:nvPr>
@@ -720,7 +739,6 @@
           <a:bodyPr lIns="0" tIns="0" rIns="0" bIns="0"/>
           <a:lstStyle/>
           <a:p>
-            <a:pPr/>
             <a:r>
               <a:t>Body Level One</a:t>
             </a:r>
@@ -754,7 +772,9 @@
       <p:sp>
         <p:nvSpPr>
           <p:cNvPr id="100" name="Title Text"/>
-          <p:cNvSpPr txBox="1"/>
+          <p:cNvSpPr txBox="1">
+            <a:spLocks noGrp="1"/>
+          </p:cNvSpPr>
           <p:nvPr>
             <p:ph type="title"/>
           </p:nvPr>
@@ -772,7 +792,6 @@
             </a:lvl1pPr>
           </a:lstStyle>
           <a:p>
-            <a:pPr/>
             <a:r>
               <a:t>Title Text</a:t>
             </a:r>
@@ -782,7 +801,9 @@
       <p:sp>
         <p:nvSpPr>
           <p:cNvPr id="101" name="Slide Number"/>
-          <p:cNvSpPr txBox="1"/>
+          <p:cNvSpPr txBox="1">
+            <a:spLocks noGrp="1"/>
+          </p:cNvSpPr>
           <p:nvPr>
             <p:ph type="sldNum" sz="quarter" idx="2"/>
           </p:nvPr>
@@ -796,8 +817,10 @@
           <a:bodyPr/>
           <a:lstStyle/>
           <a:p>
-            <a:pPr/>
-            <a:fld id="{86CB4B4D-7CA3-9044-876B-883B54F8677D}" type="slidenum"/>
+            <a:fld id="{86CB4B4D-7CA3-9044-876B-883B54F8677D}" type="slidenum">
+              <a:t>‹#›</a:t>
+            </a:fld>
+            <a:endParaRPr/>
           </a:p>
         </p:txBody>
       </p:sp>
@@ -806,12 +829,12 @@
   <p:clrMapOvr>
     <a:masterClrMapping/>
   </p:clrMapOvr>
-  <p:transition xmlns:p14="http://schemas.microsoft.com/office/powerpoint/2010/main" spd="med" advClick="1"/>
+  <p:transition spd="med"/>
 </p:sldLayout>
 </file>
 
 <file path=ppt/slideLayouts/slideLayout12.xml><?xml version="1.0" encoding="utf-8"?>
-<p:sldLayout xmlns:a="http://schemas.openxmlformats.org/drawingml/2006/main" xmlns:r="http://schemas.openxmlformats.org/officeDocument/2006/relationships" xmlns:p="http://schemas.openxmlformats.org/presentationml/2006/main" xmlns:m="http://schemas.openxmlformats.org/officeDocument/2006/math" xmlns:a14="http://schemas.microsoft.com/office/drawing/2010/main" type="tx" showMasterSp="1" showMasterPhAnim="1">
+<p:sldLayout xmlns:a="http://schemas.openxmlformats.org/drawingml/2006/main" xmlns:r="http://schemas.openxmlformats.org/officeDocument/2006/relationships" xmlns:p="http://schemas.openxmlformats.org/presentationml/2006/main" type="tx">
   <p:cSld name="Title Slide">
     <p:spTree>
       <p:nvGrpSpPr>
@@ -830,7 +853,9 @@
       <p:sp>
         <p:nvSpPr>
           <p:cNvPr id="108" name="Slide Number"/>
-          <p:cNvSpPr txBox="1"/>
+          <p:cNvSpPr txBox="1">
+            <a:spLocks noGrp="1"/>
+          </p:cNvSpPr>
           <p:nvPr>
             <p:ph type="sldNum" sz="quarter" idx="2"/>
           </p:nvPr>
@@ -848,8 +873,10 @@
           <a:bodyPr/>
           <a:lstStyle/>
           <a:p>
-            <a:pPr/>
-            <a:fld id="{86CB4B4D-7CA3-9044-876B-883B54F8677D}" type="slidenum"/>
+            <a:fld id="{86CB4B4D-7CA3-9044-876B-883B54F8677D}" type="slidenum">
+              <a:t>‹#›</a:t>
+            </a:fld>
+            <a:endParaRPr/>
           </a:p>
         </p:txBody>
       </p:sp>
@@ -858,12 +885,12 @@
   <p:clrMapOvr>
     <a:masterClrMapping/>
   </p:clrMapOvr>
-  <p:transition xmlns:p14="http://schemas.microsoft.com/office/powerpoint/2010/main" spd="med" advClick="1"/>
+  <p:transition spd="med"/>
 </p:sldLayout>
 </file>
 
 <file path=ppt/slideLayouts/slideLayout13.xml><?xml version="1.0" encoding="utf-8"?>
-<p:sldLayout xmlns:a="http://schemas.openxmlformats.org/drawingml/2006/main" xmlns:r="http://schemas.openxmlformats.org/officeDocument/2006/relationships" xmlns:p="http://schemas.openxmlformats.org/presentationml/2006/main" xmlns:m="http://schemas.openxmlformats.org/officeDocument/2006/math" xmlns:a14="http://schemas.microsoft.com/office/drawing/2010/main" type="tx" showMasterSp="1" showMasterPhAnim="1">
+<p:sldLayout xmlns:a="http://schemas.openxmlformats.org/drawingml/2006/main" xmlns:r="http://schemas.openxmlformats.org/officeDocument/2006/relationships" xmlns:p="http://schemas.openxmlformats.org/presentationml/2006/main" type="tx">
   <p:cSld name="1_Title Slide">
     <p:spTree>
       <p:nvGrpSpPr>
@@ -882,7 +909,9 @@
       <p:sp>
         <p:nvSpPr>
           <p:cNvPr id="115" name="Body Level One…"/>
-          <p:cNvSpPr txBox="1"/>
+          <p:cNvSpPr txBox="1">
+            <a:spLocks noGrp="1"/>
+          </p:cNvSpPr>
           <p:nvPr>
             <p:ph type="body" sz="half" idx="1"/>
           </p:nvPr>
@@ -922,7 +951,6 @@
             </a:lvl5pPr>
           </a:lstStyle>
           <a:p>
-            <a:pPr/>
             <a:r>
               <a:t>Body Level One</a:t>
             </a:r>
@@ -956,7 +984,9 @@
       <p:sp>
         <p:nvSpPr>
           <p:cNvPr id="116" name="Text Placeholder 5"/>
-          <p:cNvSpPr/>
+          <p:cNvSpPr>
+            <a:spLocks noGrp="1"/>
+          </p:cNvSpPr>
           <p:nvPr>
             <p:ph type="body" sz="quarter" idx="21"/>
           </p:nvPr>
@@ -985,13 +1015,16 @@
                 <a:sym typeface="Arial"/>
               </a:defRPr>
             </a:pPr>
+            <a:endParaRPr/>
           </a:p>
         </p:txBody>
       </p:sp>
       <p:sp>
         <p:nvSpPr>
           <p:cNvPr id="117" name="Slide Number"/>
-          <p:cNvSpPr txBox="1"/>
+          <p:cNvSpPr txBox="1">
+            <a:spLocks noGrp="1"/>
+          </p:cNvSpPr>
           <p:nvPr>
             <p:ph type="sldNum" sz="quarter" idx="2"/>
           </p:nvPr>
@@ -1009,8 +1042,10 @@
           <a:bodyPr/>
           <a:lstStyle/>
           <a:p>
-            <a:pPr/>
-            <a:fld id="{86CB4B4D-7CA3-9044-876B-883B54F8677D}" type="slidenum"/>
+            <a:fld id="{86CB4B4D-7CA3-9044-876B-883B54F8677D}" type="slidenum">
+              <a:t>‹#›</a:t>
+            </a:fld>
+            <a:endParaRPr/>
           </a:p>
         </p:txBody>
       </p:sp>
@@ -1019,12 +1054,12 @@
   <p:clrMapOvr>
     <a:masterClrMapping/>
   </p:clrMapOvr>
-  <p:transition xmlns:p14="http://schemas.microsoft.com/office/powerpoint/2010/main" spd="med" advClick="1"/>
+  <p:transition spd="med"/>
 </p:sldLayout>
 </file>
 
 <file path=ppt/slideLayouts/slideLayout2.xml><?xml version="1.0" encoding="utf-8"?>
-<p:sldLayout xmlns:a="http://schemas.openxmlformats.org/drawingml/2006/main" xmlns:r="http://schemas.openxmlformats.org/officeDocument/2006/relationships" xmlns:p="http://schemas.openxmlformats.org/presentationml/2006/main" xmlns:m="http://schemas.openxmlformats.org/officeDocument/2006/math" xmlns:a14="http://schemas.microsoft.com/office/drawing/2010/main" type="tx" showMasterSp="1" showMasterPhAnim="1">
+<p:sldLayout xmlns:a="http://schemas.openxmlformats.org/drawingml/2006/main" xmlns:r="http://schemas.openxmlformats.org/officeDocument/2006/relationships" xmlns:p="http://schemas.openxmlformats.org/presentationml/2006/main" type="tx">
   <p:cSld name="Title and Content">
     <p:spTree>
       <p:nvGrpSpPr>
@@ -1043,7 +1078,9 @@
       <p:sp>
         <p:nvSpPr>
           <p:cNvPr id="20" name="Click To Edit Master Title Style"/>
-          <p:cNvSpPr txBox="1"/>
+          <p:cNvSpPr txBox="1">
+            <a:spLocks noGrp="1"/>
+          </p:cNvSpPr>
           <p:nvPr>
             <p:ph type="title" hasCustomPrompt="1"/>
           </p:nvPr>
@@ -1057,7 +1094,6 @@
           <a:bodyPr/>
           <a:lstStyle/>
           <a:p>
-            <a:pPr/>
             <a:r>
               <a:t>Click To Edit Master Title Style</a:t>
             </a:r>
@@ -1067,7 +1103,9 @@
       <p:sp>
         <p:nvSpPr>
           <p:cNvPr id="21" name="Body Level One…"/>
-          <p:cNvSpPr txBox="1"/>
+          <p:cNvSpPr txBox="1">
+            <a:spLocks noGrp="1"/>
+          </p:cNvSpPr>
           <p:nvPr>
             <p:ph type="body" idx="1"/>
           </p:nvPr>
@@ -1081,7 +1119,6 @@
           <a:bodyPr/>
           <a:lstStyle/>
           <a:p>
-            <a:pPr/>
             <a:r>
               <a:t>Body Level One</a:t>
             </a:r>
@@ -1115,7 +1152,9 @@
       <p:sp>
         <p:nvSpPr>
           <p:cNvPr id="22" name="Slide Number"/>
-          <p:cNvSpPr txBox="1"/>
+          <p:cNvSpPr txBox="1">
+            <a:spLocks noGrp="1"/>
+          </p:cNvSpPr>
           <p:nvPr>
             <p:ph type="sldNum" sz="quarter" idx="2"/>
           </p:nvPr>
@@ -1129,8 +1168,10 @@
           <a:bodyPr/>
           <a:lstStyle/>
           <a:p>
-            <a:pPr/>
-            <a:fld id="{86CB4B4D-7CA3-9044-876B-883B54F8677D}" type="slidenum"/>
+            <a:fld id="{86CB4B4D-7CA3-9044-876B-883B54F8677D}" type="slidenum">
+              <a:t>‹#›</a:t>
+            </a:fld>
+            <a:endParaRPr/>
           </a:p>
         </p:txBody>
       </p:sp>
@@ -1139,12 +1180,12 @@
   <p:clrMapOvr>
     <a:masterClrMapping/>
   </p:clrMapOvr>
-  <p:transition xmlns:p14="http://schemas.microsoft.com/office/powerpoint/2010/main" spd="med" advClick="1"/>
+  <p:transition spd="med"/>
 </p:sldLayout>
 </file>
 
 <file path=ppt/slideLayouts/slideLayout3.xml><?xml version="1.0" encoding="utf-8"?>
-<p:sldLayout xmlns:a="http://schemas.openxmlformats.org/drawingml/2006/main" xmlns:r="http://schemas.openxmlformats.org/officeDocument/2006/relationships" xmlns:p="http://schemas.openxmlformats.org/presentationml/2006/main" xmlns:m="http://schemas.openxmlformats.org/officeDocument/2006/math" xmlns:a14="http://schemas.microsoft.com/office/drawing/2010/main" type="tx" showMasterSp="1" showMasterPhAnim="1">
+<p:sldLayout xmlns:a="http://schemas.openxmlformats.org/drawingml/2006/main" xmlns:r="http://schemas.openxmlformats.org/officeDocument/2006/relationships" xmlns:p="http://schemas.openxmlformats.org/presentationml/2006/main" type="tx">
   <p:cSld name="Section Header">
     <p:spTree>
       <p:nvGrpSpPr>
@@ -1163,7 +1204,9 @@
       <p:sp>
         <p:nvSpPr>
           <p:cNvPr id="29" name="Click To Edit Master Title Style"/>
-          <p:cNvSpPr txBox="1"/>
+          <p:cNvSpPr txBox="1">
+            <a:spLocks noGrp="1"/>
+          </p:cNvSpPr>
           <p:nvPr>
             <p:ph type="title" hasCustomPrompt="1"/>
           </p:nvPr>
@@ -1185,7 +1228,6 @@
             </a:lvl1pPr>
           </a:lstStyle>
           <a:p>
-            <a:pPr/>
             <a:r>
               <a:t>Click To Edit Master Title Style</a:t>
             </a:r>
@@ -1195,7 +1237,9 @@
       <p:sp>
         <p:nvSpPr>
           <p:cNvPr id="30" name="Body Level One…"/>
-          <p:cNvSpPr txBox="1"/>
+          <p:cNvSpPr txBox="1">
+            <a:spLocks noGrp="1"/>
+          </p:cNvSpPr>
           <p:nvPr>
             <p:ph type="body" sz="quarter" idx="1"/>
           </p:nvPr>
@@ -1264,7 +1308,6 @@
             </a:lvl5pPr>
           </a:lstStyle>
           <a:p>
-            <a:pPr/>
             <a:r>
               <a:t>Body Level One</a:t>
             </a:r>
@@ -1298,7 +1341,9 @@
       <p:sp>
         <p:nvSpPr>
           <p:cNvPr id="31" name="Slide Number"/>
-          <p:cNvSpPr txBox="1"/>
+          <p:cNvSpPr txBox="1">
+            <a:spLocks noGrp="1"/>
+          </p:cNvSpPr>
           <p:nvPr>
             <p:ph type="sldNum" sz="quarter" idx="2"/>
           </p:nvPr>
@@ -1312,8 +1357,10 @@
           <a:bodyPr/>
           <a:lstStyle/>
           <a:p>
-            <a:pPr/>
-            <a:fld id="{86CB4B4D-7CA3-9044-876B-883B54F8677D}" type="slidenum"/>
+            <a:fld id="{86CB4B4D-7CA3-9044-876B-883B54F8677D}" type="slidenum">
+              <a:t>‹#›</a:t>
+            </a:fld>
+            <a:endParaRPr/>
           </a:p>
         </p:txBody>
       </p:sp>
@@ -1322,12 +1369,12 @@
   <p:clrMapOvr>
     <a:masterClrMapping/>
   </p:clrMapOvr>
-  <p:transition xmlns:p14="http://schemas.microsoft.com/office/powerpoint/2010/main" spd="med" advClick="1"/>
+  <p:transition spd="med"/>
 </p:sldLayout>
 </file>
 
 <file path=ppt/slideLayouts/slideLayout4.xml><?xml version="1.0" encoding="utf-8"?>
-<p:sldLayout xmlns:a="http://schemas.openxmlformats.org/drawingml/2006/main" xmlns:r="http://schemas.openxmlformats.org/officeDocument/2006/relationships" xmlns:p="http://schemas.openxmlformats.org/presentationml/2006/main" xmlns:m="http://schemas.openxmlformats.org/officeDocument/2006/math" xmlns:a14="http://schemas.microsoft.com/office/drawing/2010/main" type="tx" showMasterSp="1" showMasterPhAnim="1">
+<p:sldLayout xmlns:a="http://schemas.openxmlformats.org/drawingml/2006/main" xmlns:r="http://schemas.openxmlformats.org/officeDocument/2006/relationships" xmlns:p="http://schemas.openxmlformats.org/presentationml/2006/main" type="tx">
   <p:cSld name="Two Content">
     <p:spTree>
       <p:nvGrpSpPr>
@@ -1346,7 +1393,9 @@
       <p:sp>
         <p:nvSpPr>
           <p:cNvPr id="38" name="Click To Edit Master Title Style"/>
-          <p:cNvSpPr txBox="1"/>
+          <p:cNvSpPr txBox="1">
+            <a:spLocks noGrp="1"/>
+          </p:cNvSpPr>
           <p:nvPr>
             <p:ph type="title" hasCustomPrompt="1"/>
           </p:nvPr>
@@ -1360,7 +1409,6 @@
           <a:bodyPr/>
           <a:lstStyle/>
           <a:p>
-            <a:pPr/>
             <a:r>
               <a:t>Click To Edit Master Title Style</a:t>
             </a:r>
@@ -1370,7 +1418,9 @@
       <p:sp>
         <p:nvSpPr>
           <p:cNvPr id="39" name="Body Level One…"/>
-          <p:cNvSpPr txBox="1"/>
+          <p:cNvSpPr txBox="1">
+            <a:spLocks noGrp="1"/>
+          </p:cNvSpPr>
           <p:nvPr>
             <p:ph type="body" sz="half" idx="1"/>
           </p:nvPr>
@@ -1388,7 +1438,6 @@
           <a:bodyPr/>
           <a:lstStyle/>
           <a:p>
-            <a:pPr/>
             <a:r>
               <a:t>Body Level One</a:t>
             </a:r>
@@ -1422,7 +1471,9 @@
       <p:sp>
         <p:nvSpPr>
           <p:cNvPr id="40" name="Slide Number"/>
-          <p:cNvSpPr txBox="1"/>
+          <p:cNvSpPr txBox="1">
+            <a:spLocks noGrp="1"/>
+          </p:cNvSpPr>
           <p:nvPr>
             <p:ph type="sldNum" sz="quarter" idx="2"/>
           </p:nvPr>
@@ -1436,8 +1487,10 @@
           <a:bodyPr/>
           <a:lstStyle/>
           <a:p>
-            <a:pPr/>
-            <a:fld id="{86CB4B4D-7CA3-9044-876B-883B54F8677D}" type="slidenum"/>
+            <a:fld id="{86CB4B4D-7CA3-9044-876B-883B54F8677D}" type="slidenum">
+              <a:t>‹#›</a:t>
+            </a:fld>
+            <a:endParaRPr/>
           </a:p>
         </p:txBody>
       </p:sp>
@@ -1446,12 +1499,12 @@
   <p:clrMapOvr>
     <a:masterClrMapping/>
   </p:clrMapOvr>
-  <p:transition xmlns:p14="http://schemas.microsoft.com/office/powerpoint/2010/main" spd="med" advClick="1"/>
+  <p:transition spd="med"/>
 </p:sldLayout>
 </file>
 
 <file path=ppt/slideLayouts/slideLayout5.xml><?xml version="1.0" encoding="utf-8"?>
-<p:sldLayout xmlns:a="http://schemas.openxmlformats.org/drawingml/2006/main" xmlns:r="http://schemas.openxmlformats.org/officeDocument/2006/relationships" xmlns:p="http://schemas.openxmlformats.org/presentationml/2006/main" xmlns:m="http://schemas.openxmlformats.org/officeDocument/2006/math" xmlns:a14="http://schemas.microsoft.com/office/drawing/2010/main" type="tx" showMasterSp="1" showMasterPhAnim="1">
+<p:sldLayout xmlns:a="http://schemas.openxmlformats.org/drawingml/2006/main" xmlns:r="http://schemas.openxmlformats.org/officeDocument/2006/relationships" xmlns:p="http://schemas.openxmlformats.org/presentationml/2006/main" type="tx">
   <p:cSld name="Comparison">
     <p:spTree>
       <p:nvGrpSpPr>
@@ -1470,7 +1523,9 @@
       <p:sp>
         <p:nvSpPr>
           <p:cNvPr id="47" name="Click To Edit Master Title Style"/>
-          <p:cNvSpPr txBox="1"/>
+          <p:cNvSpPr txBox="1">
+            <a:spLocks noGrp="1"/>
+          </p:cNvSpPr>
           <p:nvPr>
             <p:ph type="title" hasCustomPrompt="1"/>
           </p:nvPr>
@@ -1488,7 +1543,6 @@
           <a:bodyPr/>
           <a:lstStyle/>
           <a:p>
-            <a:pPr/>
             <a:r>
               <a:t>Click To Edit Master Title Style</a:t>
             </a:r>
@@ -1498,7 +1552,9 @@
       <p:sp>
         <p:nvSpPr>
           <p:cNvPr id="48" name="Body Level One…"/>
-          <p:cNvSpPr txBox="1"/>
+          <p:cNvSpPr txBox="1">
+            <a:spLocks noGrp="1"/>
+          </p:cNvSpPr>
           <p:nvPr>
             <p:ph type="body" sz="quarter" idx="1"/>
           </p:nvPr>
@@ -1519,35 +1575,34 @@
               <a:buSzTx/>
               <a:buFontTx/>
               <a:buNone/>
-              <a:defRPr b="1" sz="2400"/>
+              <a:defRPr sz="2400" b="1"/>
             </a:lvl1pPr>
             <a:lvl2pPr marL="0" indent="457200">
               <a:buSzTx/>
               <a:buFontTx/>
               <a:buNone/>
-              <a:defRPr b="1" sz="2400"/>
+              <a:defRPr sz="2400" b="1"/>
             </a:lvl2pPr>
             <a:lvl3pPr marL="0" indent="914400">
               <a:buSzTx/>
               <a:buFontTx/>
               <a:buNone/>
-              <a:defRPr b="1" sz="2400"/>
+              <a:defRPr sz="2400" b="1"/>
             </a:lvl3pPr>
             <a:lvl4pPr marL="0" indent="1371600">
               <a:buSzTx/>
               <a:buFontTx/>
               <a:buNone/>
-              <a:defRPr b="1" sz="2400"/>
+              <a:defRPr sz="2400" b="1"/>
             </a:lvl4pPr>
             <a:lvl5pPr marL="0" indent="1828800">
               <a:buSzTx/>
               <a:buFontTx/>
               <a:buNone/>
-              <a:defRPr b="1" sz="2400"/>
+              <a:defRPr sz="2400" b="1"/>
             </a:lvl5pPr>
           </a:lstStyle>
           <a:p>
-            <a:pPr/>
             <a:r>
               <a:t>Body Level One</a:t>
             </a:r>
@@ -1581,7 +1636,9 @@
       <p:sp>
         <p:nvSpPr>
           <p:cNvPr id="49" name="Text Placeholder 4"/>
-          <p:cNvSpPr/>
+          <p:cNvSpPr>
+            <a:spLocks noGrp="1"/>
+          </p:cNvSpPr>
           <p:nvPr>
             <p:ph type="body" sz="quarter" idx="21"/>
           </p:nvPr>
@@ -1603,15 +1660,18 @@
               <a:buSzTx/>
               <a:buFontTx/>
               <a:buNone/>
-              <a:defRPr b="1" sz="2400"/>
+              <a:defRPr sz="2400" b="1"/>
             </a:pPr>
+            <a:endParaRPr/>
           </a:p>
         </p:txBody>
       </p:sp>
       <p:sp>
         <p:nvSpPr>
           <p:cNvPr id="50" name="Slide Number"/>
-          <p:cNvSpPr txBox="1"/>
+          <p:cNvSpPr txBox="1">
+            <a:spLocks noGrp="1"/>
+          </p:cNvSpPr>
           <p:nvPr>
             <p:ph type="sldNum" sz="quarter" idx="2"/>
           </p:nvPr>
@@ -1625,8 +1685,10 @@
           <a:bodyPr/>
           <a:lstStyle/>
           <a:p>
-            <a:pPr/>
-            <a:fld id="{86CB4B4D-7CA3-9044-876B-883B54F8677D}" type="slidenum"/>
+            <a:fld id="{86CB4B4D-7CA3-9044-876B-883B54F8677D}" type="slidenum">
+              <a:t>‹#›</a:t>
+            </a:fld>
+            <a:endParaRPr/>
           </a:p>
         </p:txBody>
       </p:sp>
@@ -1635,12 +1697,12 @@
   <p:clrMapOvr>
     <a:masterClrMapping/>
   </p:clrMapOvr>
-  <p:transition xmlns:p14="http://schemas.microsoft.com/office/powerpoint/2010/main" spd="med" advClick="1"/>
+  <p:transition spd="med"/>
 </p:sldLayout>
 </file>
 
 <file path=ppt/slideLayouts/slideLayout6.xml><?xml version="1.0" encoding="utf-8"?>
-<p:sldLayout xmlns:a="http://schemas.openxmlformats.org/drawingml/2006/main" xmlns:r="http://schemas.openxmlformats.org/officeDocument/2006/relationships" xmlns:p="http://schemas.openxmlformats.org/presentationml/2006/main" xmlns:m="http://schemas.openxmlformats.org/officeDocument/2006/math" xmlns:a14="http://schemas.microsoft.com/office/drawing/2010/main" type="tx" showMasterSp="1" showMasterPhAnim="1">
+<p:sldLayout xmlns:a="http://schemas.openxmlformats.org/drawingml/2006/main" xmlns:r="http://schemas.openxmlformats.org/officeDocument/2006/relationships" xmlns:p="http://schemas.openxmlformats.org/presentationml/2006/main" type="tx">
   <p:cSld name="Title Only">
     <p:spTree>
       <p:nvGrpSpPr>
@@ -1659,7 +1721,9 @@
       <p:sp>
         <p:nvSpPr>
           <p:cNvPr id="57" name="Click To Edit Master Title Style"/>
-          <p:cNvSpPr txBox="1"/>
+          <p:cNvSpPr txBox="1">
+            <a:spLocks noGrp="1"/>
+          </p:cNvSpPr>
           <p:nvPr>
             <p:ph type="title" hasCustomPrompt="1"/>
           </p:nvPr>
@@ -1673,7 +1737,6 @@
           <a:bodyPr/>
           <a:lstStyle/>
           <a:p>
-            <a:pPr/>
             <a:r>
               <a:t>Click To Edit Master Title Style</a:t>
             </a:r>
@@ -1683,7 +1746,9 @@
       <p:sp>
         <p:nvSpPr>
           <p:cNvPr id="58" name="Slide Number"/>
-          <p:cNvSpPr txBox="1"/>
+          <p:cNvSpPr txBox="1">
+            <a:spLocks noGrp="1"/>
+          </p:cNvSpPr>
           <p:nvPr>
             <p:ph type="sldNum" sz="quarter" idx="2"/>
           </p:nvPr>
@@ -1697,8 +1762,10 @@
           <a:bodyPr/>
           <a:lstStyle/>
           <a:p>
-            <a:pPr/>
-            <a:fld id="{86CB4B4D-7CA3-9044-876B-883B54F8677D}" type="slidenum"/>
+            <a:fld id="{86CB4B4D-7CA3-9044-876B-883B54F8677D}" type="slidenum">
+              <a:t>‹#›</a:t>
+            </a:fld>
+            <a:endParaRPr/>
           </a:p>
         </p:txBody>
       </p:sp>
@@ -1707,12 +1774,12 @@
   <p:clrMapOvr>
     <a:masterClrMapping/>
   </p:clrMapOvr>
-  <p:transition xmlns:p14="http://schemas.microsoft.com/office/powerpoint/2010/main" spd="med" advClick="1"/>
+  <p:transition spd="med"/>
 </p:sldLayout>
 </file>
 
 <file path=ppt/slideLayouts/slideLayout7.xml><?xml version="1.0" encoding="utf-8"?>
-<p:sldLayout xmlns:a="http://schemas.openxmlformats.org/drawingml/2006/main" xmlns:r="http://schemas.openxmlformats.org/officeDocument/2006/relationships" xmlns:p="http://schemas.openxmlformats.org/presentationml/2006/main" xmlns:m="http://schemas.openxmlformats.org/officeDocument/2006/math" xmlns:a14="http://schemas.microsoft.com/office/drawing/2010/main" type="tx" showMasterSp="1" showMasterPhAnim="1">
+<p:sldLayout xmlns:a="http://schemas.openxmlformats.org/drawingml/2006/main" xmlns:r="http://schemas.openxmlformats.org/officeDocument/2006/relationships" xmlns:p="http://schemas.openxmlformats.org/presentationml/2006/main" type="tx">
   <p:cSld name="Blank">
     <p:spTree>
       <p:nvGrpSpPr>
@@ -1731,7 +1798,9 @@
       <p:sp>
         <p:nvSpPr>
           <p:cNvPr id="65" name="Slide Number"/>
-          <p:cNvSpPr txBox="1"/>
+          <p:cNvSpPr txBox="1">
+            <a:spLocks noGrp="1"/>
+          </p:cNvSpPr>
           <p:nvPr>
             <p:ph type="sldNum" sz="quarter" idx="2"/>
           </p:nvPr>
@@ -1745,8 +1814,10 @@
           <a:bodyPr/>
           <a:lstStyle/>
           <a:p>
-            <a:pPr/>
-            <a:fld id="{86CB4B4D-7CA3-9044-876B-883B54F8677D}" type="slidenum"/>
+            <a:fld id="{86CB4B4D-7CA3-9044-876B-883B54F8677D}" type="slidenum">
+              <a:t>‹#›</a:t>
+            </a:fld>
+            <a:endParaRPr/>
           </a:p>
         </p:txBody>
       </p:sp>
@@ -1755,12 +1826,12 @@
   <p:clrMapOvr>
     <a:masterClrMapping/>
   </p:clrMapOvr>
-  <p:transition xmlns:p14="http://schemas.microsoft.com/office/powerpoint/2010/main" spd="med" advClick="1"/>
+  <p:transition spd="med"/>
 </p:sldLayout>
 </file>
 
 <file path=ppt/slideLayouts/slideLayout8.xml><?xml version="1.0" encoding="utf-8"?>
-<p:sldLayout xmlns:a="http://schemas.openxmlformats.org/drawingml/2006/main" xmlns:r="http://schemas.openxmlformats.org/officeDocument/2006/relationships" xmlns:p="http://schemas.openxmlformats.org/presentationml/2006/main" xmlns:m="http://schemas.openxmlformats.org/officeDocument/2006/math" xmlns:a14="http://schemas.microsoft.com/office/drawing/2010/main" type="tx" showMasterSp="1" showMasterPhAnim="1">
+<p:sldLayout xmlns:a="http://schemas.openxmlformats.org/drawingml/2006/main" xmlns:r="http://schemas.openxmlformats.org/officeDocument/2006/relationships" xmlns:p="http://schemas.openxmlformats.org/presentationml/2006/main" type="tx">
   <p:cSld name="Content with Caption">
     <p:spTree>
       <p:nvGrpSpPr>
@@ -1779,7 +1850,9 @@
       <p:sp>
         <p:nvSpPr>
           <p:cNvPr id="72" name="Click To Edit Master Title Style"/>
-          <p:cNvSpPr txBox="1"/>
+          <p:cNvSpPr txBox="1">
+            <a:spLocks noGrp="1"/>
+          </p:cNvSpPr>
           <p:nvPr>
             <p:ph type="title" hasCustomPrompt="1"/>
           </p:nvPr>
@@ -1801,7 +1874,6 @@
             </a:lvl1pPr>
           </a:lstStyle>
           <a:p>
-            <a:pPr/>
             <a:r>
               <a:t>Click To Edit Master Title Style</a:t>
             </a:r>
@@ -1811,7 +1883,9 @@
       <p:sp>
         <p:nvSpPr>
           <p:cNvPr id="73" name="Body Level One…"/>
-          <p:cNvSpPr txBox="1"/>
+          <p:cNvSpPr txBox="1">
+            <a:spLocks noGrp="1"/>
+          </p:cNvSpPr>
           <p:nvPr>
             <p:ph type="body" sz="half" idx="1"/>
           </p:nvPr>
@@ -1845,7 +1919,6 @@
             </a:lvl5pPr>
           </a:lstStyle>
           <a:p>
-            <a:pPr/>
             <a:r>
               <a:t>Body Level One</a:t>
             </a:r>
@@ -1879,7 +1952,9 @@
       <p:sp>
         <p:nvSpPr>
           <p:cNvPr id="74" name="Text Placeholder 3"/>
-          <p:cNvSpPr/>
+          <p:cNvSpPr>
+            <a:spLocks noGrp="1"/>
+          </p:cNvSpPr>
           <p:nvPr>
             <p:ph type="body" sz="quarter" idx="21"/>
           </p:nvPr>
@@ -1903,13 +1978,16 @@
               <a:buNone/>
               <a:defRPr sz="1600"/>
             </a:pPr>
+            <a:endParaRPr/>
           </a:p>
         </p:txBody>
       </p:sp>
       <p:sp>
         <p:nvSpPr>
           <p:cNvPr id="75" name="Slide Number"/>
-          <p:cNvSpPr txBox="1"/>
+          <p:cNvSpPr txBox="1">
+            <a:spLocks noGrp="1"/>
+          </p:cNvSpPr>
           <p:nvPr>
             <p:ph type="sldNum" sz="quarter" idx="2"/>
           </p:nvPr>
@@ -1923,8 +2001,10 @@
           <a:bodyPr/>
           <a:lstStyle/>
           <a:p>
-            <a:pPr/>
-            <a:fld id="{86CB4B4D-7CA3-9044-876B-883B54F8677D}" type="slidenum"/>
+            <a:fld id="{86CB4B4D-7CA3-9044-876B-883B54F8677D}" type="slidenum">
+              <a:t>‹#›</a:t>
+            </a:fld>
+            <a:endParaRPr/>
           </a:p>
         </p:txBody>
       </p:sp>
@@ -1933,12 +2013,12 @@
   <p:clrMapOvr>
     <a:masterClrMapping/>
   </p:clrMapOvr>
-  <p:transition xmlns:p14="http://schemas.microsoft.com/office/powerpoint/2010/main" spd="med" advClick="1"/>
+  <p:transition spd="med"/>
 </p:sldLayout>
 </file>
 
 <file path=ppt/slideLayouts/slideLayout9.xml><?xml version="1.0" encoding="utf-8"?>
-<p:sldLayout xmlns:a="http://schemas.openxmlformats.org/drawingml/2006/main" xmlns:r="http://schemas.openxmlformats.org/officeDocument/2006/relationships" xmlns:p="http://schemas.openxmlformats.org/presentationml/2006/main" xmlns:m="http://schemas.openxmlformats.org/officeDocument/2006/math" xmlns:a14="http://schemas.microsoft.com/office/drawing/2010/main" type="tx" showMasterSp="1" showMasterPhAnim="1">
+<p:sldLayout xmlns:a="http://schemas.openxmlformats.org/drawingml/2006/main" xmlns:r="http://schemas.openxmlformats.org/officeDocument/2006/relationships" xmlns:p="http://schemas.openxmlformats.org/presentationml/2006/main" type="tx">
   <p:cSld name="Picture with Caption">
     <p:spTree>
       <p:nvGrpSpPr>
@@ -1957,7 +2037,9 @@
       <p:sp>
         <p:nvSpPr>
           <p:cNvPr id="82" name="Click To Edit Master Title Style"/>
-          <p:cNvSpPr txBox="1"/>
+          <p:cNvSpPr txBox="1">
+            <a:spLocks noGrp="1"/>
+          </p:cNvSpPr>
           <p:nvPr>
             <p:ph type="title" hasCustomPrompt="1"/>
           </p:nvPr>
@@ -1979,7 +2061,6 @@
             </a:lvl1pPr>
           </a:lstStyle>
           <a:p>
-            <a:pPr/>
             <a:r>
               <a:t>Click To Edit Master Title Style</a:t>
             </a:r>
@@ -1989,7 +2070,9 @@
       <p:sp>
         <p:nvSpPr>
           <p:cNvPr id="83" name="Picture Placeholder 2"/>
-          <p:cNvSpPr/>
+          <p:cNvSpPr>
+            <a:spLocks noGrp="1"/>
+          </p:cNvSpPr>
           <p:nvPr>
             <p:ph type="pic" sz="half" idx="21"/>
           </p:nvPr>
@@ -2009,14 +2092,16 @@
           </a:bodyPr>
           <a:lstStyle/>
           <a:p>
-            <a:pPr/>
+            <a:endParaRPr/>
           </a:p>
         </p:txBody>
       </p:sp>
       <p:sp>
         <p:nvSpPr>
           <p:cNvPr id="84" name="Body Level One…"/>
-          <p:cNvSpPr txBox="1"/>
+          <p:cNvSpPr txBox="1">
+            <a:spLocks noGrp="1"/>
+          </p:cNvSpPr>
           <p:nvPr>
             <p:ph type="body" sz="quarter" idx="1"/>
           </p:nvPr>
@@ -2065,7 +2150,6 @@
             </a:lvl5pPr>
           </a:lstStyle>
           <a:p>
-            <a:pPr/>
             <a:r>
               <a:t>Body Level One</a:t>
             </a:r>
@@ -2099,7 +2183,9 @@
       <p:sp>
         <p:nvSpPr>
           <p:cNvPr id="85" name="Slide Number"/>
-          <p:cNvSpPr txBox="1"/>
+          <p:cNvSpPr txBox="1">
+            <a:spLocks noGrp="1"/>
+          </p:cNvSpPr>
           <p:nvPr>
             <p:ph type="sldNum" sz="quarter" idx="2"/>
           </p:nvPr>
@@ -2113,8 +2199,10 @@
           <a:bodyPr/>
           <a:lstStyle/>
           <a:p>
-            <a:pPr/>
-            <a:fld id="{86CB4B4D-7CA3-9044-876B-883B54F8677D}" type="slidenum"/>
+            <a:fld id="{86CB4B4D-7CA3-9044-876B-883B54F8677D}" type="slidenum">
+              <a:t>‹#›</a:t>
+            </a:fld>
+            <a:endParaRPr/>
           </a:p>
         </p:txBody>
       </p:sp>
@@ -2123,18 +2211,19 @@
   <p:clrMapOvr>
     <a:masterClrMapping/>
   </p:clrMapOvr>
-  <p:transition xmlns:p14="http://schemas.microsoft.com/office/powerpoint/2010/main" spd="med" advClick="1"/>
+  <p:transition spd="med"/>
 </p:sldLayout>
 </file>
 
 <file path=ppt/slideMasters/slideMaster1.xml><?xml version="1.0" encoding="utf-8"?>
-<p:sldMaster xmlns:a="http://schemas.openxmlformats.org/drawingml/2006/main" xmlns:r="http://schemas.openxmlformats.org/officeDocument/2006/relationships" xmlns:p="http://schemas.openxmlformats.org/presentationml/2006/main" xmlns:m="http://schemas.openxmlformats.org/officeDocument/2006/math" xmlns:a14="http://schemas.microsoft.com/office/drawing/2010/main">
+<p:sldMaster xmlns:a="http://schemas.openxmlformats.org/drawingml/2006/main" xmlns:r="http://schemas.openxmlformats.org/officeDocument/2006/relationships" xmlns:p="http://schemas.openxmlformats.org/presentationml/2006/main">
   <p:cSld>
     <p:bg>
       <p:bgPr>
         <a:solidFill>
           <a:srgbClr val="FFFFFF"/>
         </a:solidFill>
+        <a:effectLst/>
       </p:bgPr>
     </p:bg>
     <p:spTree>
@@ -2154,7 +2243,9 @@
       <p:sp>
         <p:nvSpPr>
           <p:cNvPr id="2" name="Click To Edit Master Title Style"/>
-          <p:cNvSpPr txBox="1"/>
+          <p:cNvSpPr txBox="1">
+            <a:spLocks noGrp="1"/>
+          </p:cNvSpPr>
           <p:nvPr>
             <p:ph type="title" hasCustomPrompt="1"/>
           </p:nvPr>
@@ -2172,17 +2263,16 @@
           </a:ln>
           <a:extLst>
             <a:ext uri="{C572A759-6A51-4108-AA02-DFA0A04FC94B}">
-              <ma14:wrappingTextBoxFlag xmlns:ma14="http://schemas.microsoft.com/office/mac/drawingml/2011/main" val="1"/>
+              <ma14:wrappingTextBoxFlag xmlns:ma14="http://schemas.microsoft.com/office/mac/drawingml/2011/main" xmlns:a14="http://schemas.microsoft.com/office/drawing/2010/main" xmlns:m="http://schemas.openxmlformats.org/officeDocument/2006/math" xmlns="" val="1"/>
             </a:ext>
           </a:extLst>
         </p:spPr>
         <p:txBody>
           <a:bodyPr lIns="45719" rIns="45719" anchor="ctr">
-            <a:normAutofit fontScale="100000" lnSpcReduction="0"/>
+            <a:normAutofit/>
           </a:bodyPr>
           <a:lstStyle/>
           <a:p>
-            <a:pPr/>
             <a:r>
               <a:t>Click To Edit Master Title Style</a:t>
             </a:r>
@@ -2192,7 +2282,9 @@
       <p:sp>
         <p:nvSpPr>
           <p:cNvPr id="3" name="Body Level One…"/>
-          <p:cNvSpPr txBox="1"/>
+          <p:cNvSpPr txBox="1">
+            <a:spLocks noGrp="1"/>
+          </p:cNvSpPr>
           <p:nvPr>
             <p:ph type="body" idx="1"/>
           </p:nvPr>
@@ -2210,17 +2302,16 @@
           </a:ln>
           <a:extLst>
             <a:ext uri="{C572A759-6A51-4108-AA02-DFA0A04FC94B}">
-              <ma14:wrappingTextBoxFlag xmlns:ma14="http://schemas.microsoft.com/office/mac/drawingml/2011/main" val="1"/>
+              <ma14:wrappingTextBoxFlag xmlns:ma14="http://schemas.microsoft.com/office/mac/drawingml/2011/main" xmlns:a14="http://schemas.microsoft.com/office/drawing/2010/main" xmlns:m="http://schemas.openxmlformats.org/officeDocument/2006/math" xmlns="" val="1"/>
             </a:ext>
           </a:extLst>
         </p:spPr>
         <p:txBody>
           <a:bodyPr lIns="45719" rIns="45719">
-            <a:normAutofit fontScale="100000" lnSpcReduction="0"/>
+            <a:normAutofit/>
           </a:bodyPr>
           <a:lstStyle/>
           <a:p>
-            <a:pPr/>
             <a:r>
               <a:t>Body Level One</a:t>
             </a:r>
@@ -2254,7 +2345,9 @@
       <p:sp>
         <p:nvSpPr>
           <p:cNvPr id="4" name="Slide Number"/>
-          <p:cNvSpPr txBox="1"/>
+          <p:cNvSpPr txBox="1">
+            <a:spLocks noGrp="1"/>
+          </p:cNvSpPr>
           <p:nvPr>
             <p:ph type="sldNum" sz="quarter" idx="2"/>
           </p:nvPr>
@@ -2285,8 +2378,10 @@
             </a:lvl1pPr>
           </a:lstStyle>
           <a:p>
-            <a:pPr/>
-            <a:fld id="{86CB4B4D-7CA3-9044-876B-883B54F8677D}" type="slidenum"/>
+            <a:fld id="{86CB4B4D-7CA3-9044-876B-883B54F8677D}" type="slidenum">
+              <a:t>‹#›</a:t>
+            </a:fld>
+            <a:endParaRPr/>
           </a:p>
         </p:txBody>
       </p:sp>
@@ -2294,21 +2389,21 @@
   </p:cSld>
   <p:clrMap bg1="lt1" tx1="dk1" bg2="lt2" tx2="dk2" accent1="accent1" accent2="accent2" accent3="accent3" accent4="accent4" accent5="accent5" accent6="accent6" hlink="hlink" folHlink="folHlink"/>
   <p:sldLayoutIdLst>
-    <p:sldLayoutId id="2147483649" r:id="rId2"/>
-    <p:sldLayoutId id="2147483650" r:id="rId3"/>
-    <p:sldLayoutId id="2147483651" r:id="rId4"/>
-    <p:sldLayoutId id="2147483652" r:id="rId5"/>
-    <p:sldLayoutId id="2147483653" r:id="rId6"/>
-    <p:sldLayoutId id="2147483654" r:id="rId7"/>
-    <p:sldLayoutId id="2147483655" r:id="rId8"/>
-    <p:sldLayoutId id="2147483656" r:id="rId9"/>
-    <p:sldLayoutId id="2147483657" r:id="rId10"/>
-    <p:sldLayoutId id="2147483658" r:id="rId11"/>
-    <p:sldLayoutId id="2147483659" r:id="rId12"/>
-    <p:sldLayoutId id="2147483660" r:id="rId13"/>
-    <p:sldLayoutId id="2147483661" r:id="rId14"/>
+    <p:sldLayoutId id="2147483649" r:id="rId1"/>
+    <p:sldLayoutId id="2147483650" r:id="rId2"/>
+    <p:sldLayoutId id="2147483651" r:id="rId3"/>
+    <p:sldLayoutId id="2147483652" r:id="rId4"/>
+    <p:sldLayoutId id="2147483653" r:id="rId5"/>
+    <p:sldLayoutId id="2147483654" r:id="rId6"/>
+    <p:sldLayoutId id="2147483655" r:id="rId7"/>
+    <p:sldLayoutId id="2147483656" r:id="rId8"/>
+    <p:sldLayoutId id="2147483657" r:id="rId9"/>
+    <p:sldLayoutId id="2147483658" r:id="rId10"/>
+    <p:sldLayoutId id="2147483659" r:id="rId11"/>
+    <p:sldLayoutId id="2147483660" r:id="rId12"/>
+    <p:sldLayoutId id="2147483661" r:id="rId13"/>
   </p:sldLayoutIdLst>
-  <p:transition xmlns:p14="http://schemas.microsoft.com/office/powerpoint/2010/main" spd="med" advClick="1"/>
+  <p:transition spd="med"/>
   <p:txStyles>
     <p:titleStyle>
       <a:lvl1pPr marL="0" marR="0" indent="0" algn="ctr" defTabSz="914400" rtl="0" latinLnBrk="0">
@@ -2326,7 +2421,7 @@
         <a:buFontTx/>
         <a:buNone/>
         <a:tabLst/>
-        <a:defRPr b="1" baseline="0" cap="none" i="0" spc="0" strike="noStrike" sz="4400" u="none">
+        <a:defRPr sz="4400" b="1" i="0" u="none" strike="noStrike" cap="none" spc="0" baseline="0">
           <a:solidFill>
             <a:srgbClr val="000000"/>
           </a:solidFill>
@@ -2352,7 +2447,7 @@
         <a:buFontTx/>
         <a:buNone/>
         <a:tabLst/>
-        <a:defRPr b="1" baseline="0" cap="none" i="0" spc="0" strike="noStrike" sz="4400" u="none">
+        <a:defRPr sz="4400" b="1" i="0" u="none" strike="noStrike" cap="none" spc="0" baseline="0">
           <a:solidFill>
             <a:srgbClr val="000000"/>
           </a:solidFill>
@@ -2378,7 +2473,7 @@
         <a:buFontTx/>
         <a:buNone/>
         <a:tabLst/>
-        <a:defRPr b="1" baseline="0" cap="none" i="0" spc="0" strike="noStrike" sz="4400" u="none">
+        <a:defRPr sz="4400" b="1" i="0" u="none" strike="noStrike" cap="none" spc="0" baseline="0">
           <a:solidFill>
             <a:srgbClr val="000000"/>
           </a:solidFill>
@@ -2404,7 +2499,7 @@
         <a:buFontTx/>
         <a:buNone/>
         <a:tabLst/>
-        <a:defRPr b="1" baseline="0" cap="none" i="0" spc="0" strike="noStrike" sz="4400" u="none">
+        <a:defRPr sz="4400" b="1" i="0" u="none" strike="noStrike" cap="none" spc="0" baseline="0">
           <a:solidFill>
             <a:srgbClr val="000000"/>
           </a:solidFill>
@@ -2430,7 +2525,7 @@
         <a:buFontTx/>
         <a:buNone/>
         <a:tabLst/>
-        <a:defRPr b="1" baseline="0" cap="none" i="0" spc="0" strike="noStrike" sz="4400" u="none">
+        <a:defRPr sz="4400" b="1" i="0" u="none" strike="noStrike" cap="none" spc="0" baseline="0">
           <a:solidFill>
             <a:srgbClr val="000000"/>
           </a:solidFill>
@@ -2456,7 +2551,7 @@
         <a:buFontTx/>
         <a:buNone/>
         <a:tabLst/>
-        <a:defRPr b="1" baseline="0" cap="none" i="0" spc="0" strike="noStrike" sz="4400" u="none">
+        <a:defRPr sz="4400" b="1" i="0" u="none" strike="noStrike" cap="none" spc="0" baseline="0">
           <a:solidFill>
             <a:srgbClr val="000000"/>
           </a:solidFill>
@@ -2482,7 +2577,7 @@
         <a:buFontTx/>
         <a:buNone/>
         <a:tabLst/>
-        <a:defRPr b="1" baseline="0" cap="none" i="0" spc="0" strike="noStrike" sz="4400" u="none">
+        <a:defRPr sz="4400" b="1" i="0" u="none" strike="noStrike" cap="none" spc="0" baseline="0">
           <a:solidFill>
             <a:srgbClr val="000000"/>
           </a:solidFill>
@@ -2508,7 +2603,7 @@
         <a:buFontTx/>
         <a:buNone/>
         <a:tabLst/>
-        <a:defRPr b="1" baseline="0" cap="none" i="0" spc="0" strike="noStrike" sz="4400" u="none">
+        <a:defRPr sz="4400" b="1" i="0" u="none" strike="noStrike" cap="none" spc="0" baseline="0">
           <a:solidFill>
             <a:srgbClr val="000000"/>
           </a:solidFill>
@@ -2534,7 +2629,7 @@
         <a:buFontTx/>
         <a:buNone/>
         <a:tabLst/>
-        <a:defRPr b="1" baseline="0" cap="none" i="0" spc="0" strike="noStrike" sz="4400" u="none">
+        <a:defRPr sz="4400" b="1" i="0" u="none" strike="noStrike" cap="none" spc="0" baseline="0">
           <a:solidFill>
             <a:srgbClr val="000000"/>
           </a:solidFill>
@@ -2562,7 +2657,7 @@
         <a:buFont typeface="Arial"/>
         <a:buChar char="•"/>
         <a:tabLst/>
-        <a:defRPr b="0" baseline="0" cap="none" i="0" spc="0" strike="noStrike" sz="2800" u="none">
+        <a:defRPr sz="2800" b="0" i="0" u="none" strike="noStrike" cap="none" spc="0" baseline="0">
           <a:solidFill>
             <a:srgbClr val="000000"/>
           </a:solidFill>
@@ -2588,7 +2683,7 @@
         <a:buFont typeface="Arial"/>
         <a:buChar char="•"/>
         <a:tabLst/>
-        <a:defRPr b="0" baseline="0" cap="none" i="0" spc="0" strike="noStrike" sz="2800" u="none">
+        <a:defRPr sz="2800" b="0" i="0" u="none" strike="noStrike" cap="none" spc="0" baseline="0">
           <a:solidFill>
             <a:srgbClr val="000000"/>
           </a:solidFill>
@@ -2614,7 +2709,7 @@
         <a:buFont typeface="Arial"/>
         <a:buChar char="•"/>
         <a:tabLst/>
-        <a:defRPr b="0" baseline="0" cap="none" i="0" spc="0" strike="noStrike" sz="2800" u="none">
+        <a:defRPr sz="2800" b="0" i="0" u="none" strike="noStrike" cap="none" spc="0" baseline="0">
           <a:solidFill>
             <a:srgbClr val="000000"/>
           </a:solidFill>
@@ -2640,7 +2735,7 @@
         <a:buFont typeface="Arial"/>
         <a:buChar char="•"/>
         <a:tabLst/>
-        <a:defRPr b="0" baseline="0" cap="none" i="0" spc="0" strike="noStrike" sz="2800" u="none">
+        <a:defRPr sz="2800" b="0" i="0" u="none" strike="noStrike" cap="none" spc="0" baseline="0">
           <a:solidFill>
             <a:srgbClr val="000000"/>
           </a:solidFill>
@@ -2666,7 +2761,7 @@
         <a:buFont typeface="Arial"/>
         <a:buChar char="•"/>
         <a:tabLst/>
-        <a:defRPr b="0" baseline="0" cap="none" i="0" spc="0" strike="noStrike" sz="2800" u="none">
+        <a:defRPr sz="2800" b="0" i="0" u="none" strike="noStrike" cap="none" spc="0" baseline="0">
           <a:solidFill>
             <a:srgbClr val="000000"/>
           </a:solidFill>
@@ -2692,7 +2787,7 @@
         <a:buFont typeface="Arial"/>
         <a:buChar char="•"/>
         <a:tabLst/>
-        <a:defRPr b="0" baseline="0" cap="none" i="0" spc="0" strike="noStrike" sz="2800" u="none">
+        <a:defRPr sz="2800" b="0" i="0" u="none" strike="noStrike" cap="none" spc="0" baseline="0">
           <a:solidFill>
             <a:srgbClr val="000000"/>
           </a:solidFill>
@@ -2718,7 +2813,7 @@
         <a:buFont typeface="Arial"/>
         <a:buChar char="•"/>
         <a:tabLst/>
-        <a:defRPr b="0" baseline="0" cap="none" i="0" spc="0" strike="noStrike" sz="2800" u="none">
+        <a:defRPr sz="2800" b="0" i="0" u="none" strike="noStrike" cap="none" spc="0" baseline="0">
           <a:solidFill>
             <a:srgbClr val="000000"/>
           </a:solidFill>
@@ -2744,7 +2839,7 @@
         <a:buFont typeface="Arial"/>
         <a:buChar char="•"/>
         <a:tabLst/>
-        <a:defRPr b="0" baseline="0" cap="none" i="0" spc="0" strike="noStrike" sz="2800" u="none">
+        <a:defRPr sz="2800" b="0" i="0" u="none" strike="noStrike" cap="none" spc="0" baseline="0">
           <a:solidFill>
             <a:srgbClr val="000000"/>
           </a:solidFill>
@@ -2770,7 +2865,7 @@
         <a:buFont typeface="Arial"/>
         <a:buChar char="•"/>
         <a:tabLst/>
-        <a:defRPr b="0" baseline="0" cap="none" i="0" spc="0" strike="noStrike" sz="2800" u="none">
+        <a:defRPr sz="2800" b="0" i="0" u="none" strike="noStrike" cap="none" spc="0" baseline="0">
           <a:solidFill>
             <a:srgbClr val="000000"/>
           </a:solidFill>
@@ -2798,7 +2893,7 @@
         <a:buFontTx/>
         <a:buNone/>
         <a:tabLst/>
-        <a:defRPr b="0" baseline="0" cap="none" i="0" spc="0" strike="noStrike" sz="1200" u="none">
+        <a:defRPr sz="1200" b="0" i="0" u="none" strike="noStrike" cap="none" spc="0" baseline="0">
           <a:solidFill>
             <a:schemeClr val="tx1"/>
           </a:solidFill>
@@ -2824,7 +2919,7 @@
         <a:buFontTx/>
         <a:buNone/>
         <a:tabLst/>
-        <a:defRPr b="0" baseline="0" cap="none" i="0" spc="0" strike="noStrike" sz="1200" u="none">
+        <a:defRPr sz="1200" b="0" i="0" u="none" strike="noStrike" cap="none" spc="0" baseline="0">
           <a:solidFill>
             <a:schemeClr val="tx1"/>
           </a:solidFill>
@@ -2850,7 +2945,7 @@
         <a:buFontTx/>
         <a:buNone/>
         <a:tabLst/>
-        <a:defRPr b="0" baseline="0" cap="none" i="0" spc="0" strike="noStrike" sz="1200" u="none">
+        <a:defRPr sz="1200" b="0" i="0" u="none" strike="noStrike" cap="none" spc="0" baseline="0">
           <a:solidFill>
             <a:schemeClr val="tx1"/>
           </a:solidFill>
@@ -2876,7 +2971,7 @@
         <a:buFontTx/>
         <a:buNone/>
         <a:tabLst/>
-        <a:defRPr b="0" baseline="0" cap="none" i="0" spc="0" strike="noStrike" sz="1200" u="none">
+        <a:defRPr sz="1200" b="0" i="0" u="none" strike="noStrike" cap="none" spc="0" baseline="0">
           <a:solidFill>
             <a:schemeClr val="tx1"/>
           </a:solidFill>
@@ -2902,7 +2997,7 @@
         <a:buFontTx/>
         <a:buNone/>
         <a:tabLst/>
-        <a:defRPr b="0" baseline="0" cap="none" i="0" spc="0" strike="noStrike" sz="1200" u="none">
+        <a:defRPr sz="1200" b="0" i="0" u="none" strike="noStrike" cap="none" spc="0" baseline="0">
           <a:solidFill>
             <a:schemeClr val="tx1"/>
           </a:solidFill>
@@ -2928,7 +3023,7 @@
         <a:buFontTx/>
         <a:buNone/>
         <a:tabLst/>
-        <a:defRPr b="0" baseline="0" cap="none" i="0" spc="0" strike="noStrike" sz="1200" u="none">
+        <a:defRPr sz="1200" b="0" i="0" u="none" strike="noStrike" cap="none" spc="0" baseline="0">
           <a:solidFill>
             <a:schemeClr val="tx1"/>
           </a:solidFill>
@@ -2954,7 +3049,7 @@
         <a:buFontTx/>
         <a:buNone/>
         <a:tabLst/>
-        <a:defRPr b="0" baseline="0" cap="none" i="0" spc="0" strike="noStrike" sz="1200" u="none">
+        <a:defRPr sz="1200" b="0" i="0" u="none" strike="noStrike" cap="none" spc="0" baseline="0">
           <a:solidFill>
             <a:schemeClr val="tx1"/>
           </a:solidFill>
@@ -2980,7 +3075,7 @@
         <a:buFontTx/>
         <a:buNone/>
         <a:tabLst/>
-        <a:defRPr b="0" baseline="0" cap="none" i="0" spc="0" strike="noStrike" sz="1200" u="none">
+        <a:defRPr sz="1200" b="0" i="0" u="none" strike="noStrike" cap="none" spc="0" baseline="0">
           <a:solidFill>
             <a:schemeClr val="tx1"/>
           </a:solidFill>
@@ -3006,7 +3101,7 @@
         <a:buFontTx/>
         <a:buNone/>
         <a:tabLst/>
-        <a:defRPr b="0" baseline="0" cap="none" i="0" spc="0" strike="noStrike" sz="1200" u="none">
+        <a:defRPr sz="1200" b="0" i="0" u="none" strike="noStrike" cap="none" spc="0" baseline="0">
           <a:solidFill>
             <a:schemeClr val="tx1"/>
           </a:solidFill>
@@ -3023,7 +3118,7 @@
 </file>
 
 <file path=ppt/slides/slide1.xml><?xml version="1.0" encoding="utf-8"?>
-<p:sld xmlns:a="http://schemas.openxmlformats.org/drawingml/2006/main" xmlns:r="http://schemas.openxmlformats.org/officeDocument/2006/relationships" xmlns:p="http://schemas.openxmlformats.org/presentationml/2006/main" xmlns:m="http://schemas.openxmlformats.org/officeDocument/2006/math" xmlns:a14="http://schemas.microsoft.com/office/drawing/2010/main" showMasterSp="1" showMasterPhAnim="1">
+<p:sld xmlns:a="http://schemas.openxmlformats.org/drawingml/2006/main" xmlns:r="http://schemas.openxmlformats.org/officeDocument/2006/relationships" xmlns:p="http://schemas.openxmlformats.org/presentationml/2006/main">
   <p:cSld>
     <p:spTree>
       <p:nvGrpSpPr>
@@ -3042,7 +3137,9 @@
       <p:sp>
         <p:nvSpPr>
           <p:cNvPr id="126" name="Content Placeholder 1"/>
-          <p:cNvSpPr txBox="1"/>
+          <p:cNvSpPr txBox="1">
+            <a:spLocks noGrp="1"/>
+          </p:cNvSpPr>
           <p:nvPr>
             <p:ph type="body" sz="half" idx="1"/>
           </p:nvPr>
@@ -3071,7 +3168,6 @@
             </a:lvl1pPr>
           </a:lstStyle>
           <a:p>
-            <a:pPr/>
             <a:r>
               <a:t>Creación de contenido con inteligencia artificial (IA)</a:t>
             </a:r>
@@ -3081,7 +3177,9 @@
       <p:sp>
         <p:nvSpPr>
           <p:cNvPr id="127" name="Text Placeholder 2"/>
-          <p:cNvSpPr/>
+          <p:cNvSpPr>
+            <a:spLocks noGrp="1"/>
+          </p:cNvSpPr>
           <p:nvPr>
             <p:ph type="body" idx="21"/>
           </p:nvPr>
@@ -3106,6 +3204,7 @@
                 <a:sym typeface="Arial"/>
               </a:defRPr>
             </a:pPr>
+            <a:endParaRPr/>
           </a:p>
         </p:txBody>
       </p:sp>
@@ -3114,1498 +3213,12 @@
   <p:clrMapOvr>
     <a:masterClrMapping/>
   </p:clrMapOvr>
-  <p:transition xmlns:p14="http://schemas.microsoft.com/office/powerpoint/2010/main" spd="med" advClick="1"/>
+  <p:transition spd="med"/>
 </p:sld>
 </file>
 
-<file path=ppt/slides/slide2.xml><?xml version="1.0" encoding="utf-8"?>
-<p:sld xmlns:a="http://schemas.openxmlformats.org/drawingml/2006/main" xmlns:r="http://schemas.openxmlformats.org/officeDocument/2006/relationships" xmlns:p="http://schemas.openxmlformats.org/presentationml/2006/main" xmlns:m="http://schemas.openxmlformats.org/officeDocument/2006/math" xmlns:a14="http://schemas.microsoft.com/office/drawing/2010/main" showMasterSp="1" showMasterPhAnim="1">
-  <p:cSld>
-    <p:spTree>
-      <p:nvGrpSpPr>
-        <p:cNvPr id="1" name=""/>
-        <p:cNvGrpSpPr/>
-        <p:nvPr/>
-      </p:nvGrpSpPr>
-      <p:grpSpPr>
-        <a:xfrm>
-          <a:off x="0" y="0"/>
-          <a:ext cx="0" cy="0"/>
-          <a:chOff x="0" y="0"/>
-          <a:chExt cx="0" cy="0"/>
-        </a:xfrm>
-      </p:grpSpPr>
-      <p:sp>
-        <p:nvSpPr>
-          <p:cNvPr id="129" name="Slide Number"/>
-          <p:cNvSpPr txBox="1"/>
-          <p:nvPr>
-            <p:ph type="sldNum" sz="quarter" idx="2"/>
-          </p:nvPr>
-        </p:nvSpPr>
-        <p:spPr>
-          <a:xfrm>
-            <a:off x="11172418" y="6414760"/>
-            <a:ext cx="181382" cy="248305"/>
-          </a:xfrm>
-          <a:prstGeom prst="rect">
-            <a:avLst/>
-          </a:prstGeom>
-          <a:extLst>
-            <a:ext uri="{C572A759-6A51-4108-AA02-DFA0A04FC94B}">
-              <ma14:wrappingTextBoxFlag xmlns:ma14="http://schemas.microsoft.com/office/mac/drawingml/2011/main" val="1"/>
-            </a:ext>
-          </a:extLst>
-        </p:spPr>
-        <p:txBody>
-          <a:bodyPr/>
-          <a:lstStyle/>
-          <a:p>
-            <a:pPr/>
-            <a:fld id="{86CB4B4D-7CA3-9044-876B-883B54F8677D}" type="slidenum"/>
-          </a:p>
-        </p:txBody>
-      </p:sp>
-      <p:sp>
-        <p:nvSpPr>
-          <p:cNvPr id="130" name="Mejores prácticas para generar contenido de inteligencia artificial"/>
-          <p:cNvSpPr txBox="1"/>
-          <p:nvPr>
-            <p:ph type="title"/>
-          </p:nvPr>
-        </p:nvSpPr>
-        <p:spPr>
-          <a:prstGeom prst="rect">
-            <a:avLst/>
-          </a:prstGeom>
-        </p:spPr>
-        <p:txBody>
-          <a:bodyPr/>
-          <a:lstStyle/>
-          <a:p>
-            <a:pPr/>
-            <a:r>
-              <a:t>Mejores prácticas para generar contenido de inteligencia artificial</a:t>
-            </a:r>
-          </a:p>
-        </p:txBody>
-      </p:sp>
-      <p:sp>
-        <p:nvSpPr>
-          <p:cNvPr id="131" name="Verifique la precisión…"/>
-          <p:cNvSpPr txBox="1"/>
-          <p:nvPr>
-            <p:ph type="body" sz="half" idx="1"/>
-          </p:nvPr>
-        </p:nvSpPr>
-        <p:spPr>
-          <a:xfrm>
-            <a:off x="6791676" y="2028522"/>
-            <a:ext cx="5264183" cy="4048404"/>
-          </a:xfrm>
-          <a:prstGeom prst="rect">
-            <a:avLst/>
-          </a:prstGeom>
-        </p:spPr>
-        <p:txBody>
-          <a:bodyPr/>
-          <a:lstStyle/>
-          <a:p>
-            <a:pPr marL="457200" indent="-317500" defTabSz="457200">
-              <a:lnSpc>
-                <a:spcPct val="100000"/>
-              </a:lnSpc>
-              <a:spcBef>
-                <a:spcPts val="0"/>
-              </a:spcBef>
-              <a:buClr>
-                <a:srgbClr val="1F2328"/>
-              </a:buClr>
-              <a:buFont typeface="TimesNewRomanPSMT"/>
-              <a:buAutoNum type="arabicPeriod" startAt="1"/>
-              <a:defRPr sz="2600">
-                <a:solidFill>
-                  <a:srgbClr val="1F2328"/>
-                </a:solidFill>
-                <a:latin typeface="Helvetica Neue"/>
-                <a:ea typeface="Helvetica Neue"/>
-                <a:cs typeface="Helvetica Neue"/>
-                <a:sym typeface="Helvetica Neue"/>
-              </a:defRPr>
-            </a:pPr>
-            <a:r>
-              <a:rPr b="1">
-                <a:latin typeface="+mn-lt"/>
-                <a:ea typeface="+mn-ea"/>
-                <a:cs typeface="+mn-cs"/>
-                <a:sym typeface="Helvetica"/>
-              </a:rPr>
-              <a:t>Verifique la precisión</a:t>
-            </a:r>
-            <a:endParaRPr>
-              <a:latin typeface="+mn-lt"/>
-              <a:ea typeface="+mn-ea"/>
-              <a:cs typeface="+mn-cs"/>
-              <a:sym typeface="Helvetica"/>
-            </a:endParaRPr>
-          </a:p>
-          <a:p>
-            <a:pPr marL="457200" indent="-317500" defTabSz="457200">
-              <a:lnSpc>
-                <a:spcPct val="100000"/>
-              </a:lnSpc>
-              <a:spcBef>
-                <a:spcPts val="0"/>
-              </a:spcBef>
-              <a:buClr>
-                <a:srgbClr val="1F2328"/>
-              </a:buClr>
-              <a:buFont typeface="TimesNewRomanPSMT"/>
-              <a:buAutoNum type="arabicPeriod" startAt="1"/>
-              <a:defRPr sz="2600">
-                <a:solidFill>
-                  <a:srgbClr val="0433FF"/>
-                </a:solidFill>
-                <a:latin typeface="Helvetica Neue"/>
-                <a:ea typeface="Helvetica Neue"/>
-                <a:cs typeface="Helvetica Neue"/>
-                <a:sym typeface="Helvetica Neue"/>
-              </a:defRPr>
-            </a:pPr>
-            <a:r>
-              <a:rPr b="1">
-                <a:latin typeface="+mn-lt"/>
-                <a:ea typeface="+mn-ea"/>
-                <a:cs typeface="+mn-cs"/>
-                <a:sym typeface="Helvetica"/>
-              </a:rPr>
-              <a:t>Sea específico</a:t>
-            </a:r>
-            <a:endParaRPr b="1">
-              <a:latin typeface="+mn-lt"/>
-              <a:ea typeface="+mn-ea"/>
-              <a:cs typeface="+mn-cs"/>
-              <a:sym typeface="Helvetica"/>
-            </a:endParaRPr>
-          </a:p>
-          <a:p>
-            <a:pPr marL="457200" indent="-317500" defTabSz="457200">
-              <a:lnSpc>
-                <a:spcPct val="100000"/>
-              </a:lnSpc>
-              <a:spcBef>
-                <a:spcPts val="0"/>
-              </a:spcBef>
-              <a:buClr>
-                <a:srgbClr val="1F2328"/>
-              </a:buClr>
-              <a:buFont typeface="TimesNewRomanPSMT"/>
-              <a:buAutoNum type="arabicPeriod" startAt="1"/>
-              <a:defRPr sz="2600">
-                <a:solidFill>
-                  <a:srgbClr val="FF9300"/>
-                </a:solidFill>
-                <a:latin typeface="Helvetica Neue"/>
-                <a:ea typeface="Helvetica Neue"/>
-                <a:cs typeface="Helvetica Neue"/>
-                <a:sym typeface="Helvetica Neue"/>
-              </a:defRPr>
-            </a:pPr>
-            <a:r>
-              <a:rPr b="1">
-                <a:latin typeface="+mn-lt"/>
-                <a:ea typeface="+mn-ea"/>
-                <a:cs typeface="+mn-cs"/>
-                <a:sym typeface="Helvetica"/>
-              </a:rPr>
-              <a:t>Iterar y refinar</a:t>
-            </a:r>
-            <a:endParaRPr b="1">
-              <a:latin typeface="+mn-lt"/>
-              <a:ea typeface="+mn-ea"/>
-              <a:cs typeface="+mn-cs"/>
-              <a:sym typeface="Helvetica"/>
-            </a:endParaRPr>
-          </a:p>
-          <a:p>
-            <a:pPr marL="457200" indent="-317500" defTabSz="457200">
-              <a:lnSpc>
-                <a:spcPct val="100000"/>
-              </a:lnSpc>
-              <a:spcBef>
-                <a:spcPts val="0"/>
-              </a:spcBef>
-              <a:buClr>
-                <a:srgbClr val="1F2328"/>
-              </a:buClr>
-              <a:buFont typeface="TimesNewRomanPSMT"/>
-              <a:buAutoNum type="arabicPeriod" startAt="1"/>
-              <a:defRPr sz="2600">
-                <a:solidFill>
-                  <a:srgbClr val="FF40FF"/>
-                </a:solidFill>
-                <a:latin typeface="Helvetica Neue"/>
-                <a:ea typeface="Helvetica Neue"/>
-                <a:cs typeface="Helvetica Neue"/>
-                <a:sym typeface="Helvetica Neue"/>
-              </a:defRPr>
-            </a:pPr>
-            <a:r>
-              <a:rPr b="1">
-                <a:latin typeface="+mn-lt"/>
-                <a:ea typeface="+mn-ea"/>
-                <a:cs typeface="+mn-cs"/>
-                <a:sym typeface="Helvetica"/>
-              </a:rPr>
-              <a:t>Proporcionar contexto</a:t>
-            </a:r>
-            <a:endParaRPr b="1">
-              <a:latin typeface="+mn-lt"/>
-              <a:ea typeface="+mn-ea"/>
-              <a:cs typeface="+mn-cs"/>
-              <a:sym typeface="Helvetica"/>
-            </a:endParaRPr>
-          </a:p>
-          <a:p>
-            <a:pPr marL="457200" indent="-317500" defTabSz="457200">
-              <a:lnSpc>
-                <a:spcPct val="100000"/>
-              </a:lnSpc>
-              <a:spcBef>
-                <a:spcPts val="0"/>
-              </a:spcBef>
-              <a:buClr>
-                <a:srgbClr val="1F2328"/>
-              </a:buClr>
-              <a:buFont typeface="TimesNewRomanPSMT"/>
-              <a:buAutoNum type="arabicPeriod" startAt="1"/>
-              <a:defRPr sz="2600">
-                <a:solidFill>
-                  <a:srgbClr val="1F2328"/>
-                </a:solidFill>
-                <a:latin typeface="Helvetica Neue"/>
-                <a:ea typeface="Helvetica Neue"/>
-                <a:cs typeface="Helvetica Neue"/>
-                <a:sym typeface="Helvetica Neue"/>
-              </a:defRPr>
-            </a:pPr>
-            <a:r>
-              <a:rPr b="1">
-                <a:latin typeface="+mn-lt"/>
-                <a:ea typeface="+mn-ea"/>
-                <a:cs typeface="+mn-cs"/>
-                <a:sym typeface="Helvetica"/>
-              </a:rPr>
-              <a:t>Utilice múltiples servicios</a:t>
-            </a:r>
-            <a:endParaRPr b="1">
-              <a:latin typeface="+mn-lt"/>
-              <a:ea typeface="+mn-ea"/>
-              <a:cs typeface="+mn-cs"/>
-              <a:sym typeface="Helvetica"/>
-            </a:endParaRPr>
-          </a:p>
-          <a:p>
-            <a:pPr marL="457200" indent="-317500" defTabSz="457200">
-              <a:lnSpc>
-                <a:spcPct val="100000"/>
-              </a:lnSpc>
-              <a:spcBef>
-                <a:spcPts val="0"/>
-              </a:spcBef>
-              <a:buClr>
-                <a:srgbClr val="1F2328"/>
-              </a:buClr>
-              <a:buFont typeface="TimesNewRomanPSMT"/>
-              <a:buAutoNum type="arabicPeriod" startAt="1"/>
-              <a:defRPr sz="2600">
-                <a:solidFill>
-                  <a:srgbClr val="942192"/>
-                </a:solidFill>
-                <a:latin typeface="Helvetica Neue"/>
-                <a:ea typeface="Helvetica Neue"/>
-                <a:cs typeface="Helvetica Neue"/>
-                <a:sym typeface="Helvetica Neue"/>
-              </a:defRPr>
-            </a:pPr>
-            <a:r>
-              <a:rPr b="1">
-                <a:latin typeface="+mn-lt"/>
-                <a:ea typeface="+mn-ea"/>
-                <a:cs typeface="+mn-cs"/>
-                <a:sym typeface="Helvetica"/>
-              </a:rPr>
-              <a:t>Recuerde de las restricciones</a:t>
-            </a:r>
-            <a:endParaRPr b="1">
-              <a:latin typeface="+mn-lt"/>
-              <a:ea typeface="+mn-ea"/>
-              <a:cs typeface="+mn-cs"/>
-              <a:sym typeface="Helvetica"/>
-            </a:endParaRPr>
-          </a:p>
-          <a:p>
-            <a:pPr marL="457200" indent="-317500" defTabSz="457200">
-              <a:lnSpc>
-                <a:spcPct val="100000"/>
-              </a:lnSpc>
-              <a:spcBef>
-                <a:spcPts val="0"/>
-              </a:spcBef>
-              <a:buClr>
-                <a:srgbClr val="1F2328"/>
-              </a:buClr>
-              <a:buFont typeface="TimesNewRomanPSMT"/>
-              <a:buAutoNum type="arabicPeriod" startAt="1"/>
-              <a:defRPr sz="2600">
-                <a:solidFill>
-                  <a:srgbClr val="1F2328"/>
-                </a:solidFill>
-                <a:latin typeface="Helvetica Neue"/>
-                <a:ea typeface="Helvetica Neue"/>
-                <a:cs typeface="Helvetica Neue"/>
-                <a:sym typeface="Helvetica Neue"/>
-              </a:defRPr>
-            </a:pPr>
-            <a:r>
-              <a:rPr b="1">
-                <a:latin typeface="+mn-lt"/>
-                <a:ea typeface="+mn-ea"/>
-                <a:cs typeface="+mn-cs"/>
-                <a:sym typeface="Helvetica"/>
-              </a:rPr>
-              <a:t>Crear plantillas</a:t>
-            </a:r>
-          </a:p>
-        </p:txBody>
-      </p:sp>
-      <p:sp>
-        <p:nvSpPr>
-          <p:cNvPr id="132" name="Content Placeholder 2"/>
-          <p:cNvSpPr txBox="1"/>
-          <p:nvPr/>
-        </p:nvSpPr>
-        <p:spPr>
-          <a:xfrm>
-            <a:off x="19327" y="2028522"/>
-            <a:ext cx="4609515" cy="4351339"/>
-          </a:xfrm>
-          <a:prstGeom prst="rect">
-            <a:avLst/>
-          </a:prstGeom>
-          <a:ln w="12700">
-            <a:miter lim="400000"/>
-          </a:ln>
-          <a:extLst>
-            <a:ext uri="{C572A759-6A51-4108-AA02-DFA0A04FC94B}">
-              <ma14:wrappingTextBoxFlag xmlns:ma14="http://schemas.microsoft.com/office/mac/drawingml/2011/main" val="1"/>
-            </a:ext>
-          </a:extLst>
-        </p:spPr>
-        <p:txBody>
-          <a:bodyPr lIns="45719" rIns="45719">
-            <a:normAutofit fontScale="100000" lnSpcReduction="0"/>
-          </a:bodyPr>
-          <a:lstStyle/>
-          <a:p>
-            <a:pPr marL="457200" indent="-317500" defTabSz="457200">
-              <a:buClr>
-                <a:srgbClr val="1F2328"/>
-              </a:buClr>
-              <a:buSzPct val="100000"/>
-              <a:buFont typeface="TimesNewRomanPSMT"/>
-              <a:buAutoNum type="arabicPeriod" startAt="1"/>
-              <a:defRPr sz="2600">
-                <a:solidFill>
-                  <a:srgbClr val="1F2328"/>
-                </a:solidFill>
-                <a:latin typeface="Helvetica Neue"/>
-                <a:ea typeface="Helvetica Neue"/>
-                <a:cs typeface="Helvetica Neue"/>
-                <a:sym typeface="Helvetica Neue"/>
-              </a:defRPr>
-            </a:pPr>
-            <a:r>
-              <a:rPr b="1">
-                <a:latin typeface="+mn-lt"/>
-                <a:ea typeface="+mn-ea"/>
-                <a:cs typeface="+mn-cs"/>
-                <a:sym typeface="Helvetica"/>
-              </a:rPr>
-              <a:t>Check for Accuracy</a:t>
-            </a:r>
-            <a:endParaRPr b="1">
-              <a:latin typeface="+mn-lt"/>
-              <a:ea typeface="+mn-ea"/>
-              <a:cs typeface="+mn-cs"/>
-              <a:sym typeface="Helvetica"/>
-            </a:endParaRPr>
-          </a:p>
-          <a:p>
-            <a:pPr marL="457200" indent="-317500" defTabSz="457200">
-              <a:buClr>
-                <a:srgbClr val="1F2328"/>
-              </a:buClr>
-              <a:buSzPct val="100000"/>
-              <a:buFont typeface="TimesNewRomanPSMT"/>
-              <a:buAutoNum type="arabicPeriod" startAt="1"/>
-              <a:defRPr sz="2600">
-                <a:solidFill>
-                  <a:srgbClr val="0433FF"/>
-                </a:solidFill>
-                <a:latin typeface="Helvetica Neue"/>
-                <a:ea typeface="Helvetica Neue"/>
-                <a:cs typeface="Helvetica Neue"/>
-                <a:sym typeface="Helvetica Neue"/>
-              </a:defRPr>
-            </a:pPr>
-            <a:r>
-              <a:rPr b="1">
-                <a:latin typeface="+mn-lt"/>
-                <a:ea typeface="+mn-ea"/>
-                <a:cs typeface="+mn-cs"/>
-                <a:sym typeface="Helvetica"/>
-              </a:rPr>
-              <a:t>Be Specific</a:t>
-            </a:r>
-            <a:r>
-              <a:t>: </a:t>
-            </a:r>
-          </a:p>
-          <a:p>
-            <a:pPr marL="457200" indent="-317500" defTabSz="457200">
-              <a:buClr>
-                <a:srgbClr val="1F2328"/>
-              </a:buClr>
-              <a:buSzPct val="100000"/>
-              <a:buFont typeface="TimesNewRomanPSMT"/>
-              <a:buAutoNum type="arabicPeriod" startAt="1"/>
-              <a:defRPr sz="2600">
-                <a:solidFill>
-                  <a:srgbClr val="FF9300"/>
-                </a:solidFill>
-                <a:latin typeface="Helvetica Neue"/>
-                <a:ea typeface="Helvetica Neue"/>
-                <a:cs typeface="Helvetica Neue"/>
-                <a:sym typeface="Helvetica Neue"/>
-              </a:defRPr>
-            </a:pPr>
-            <a:r>
-              <a:rPr b="1">
-                <a:latin typeface="+mn-lt"/>
-                <a:ea typeface="+mn-ea"/>
-                <a:cs typeface="+mn-cs"/>
-                <a:sym typeface="Helvetica"/>
-              </a:rPr>
-              <a:t>Iterate and Refine</a:t>
-            </a:r>
-            <a:r>
-              <a:t>: </a:t>
-            </a:r>
-          </a:p>
-          <a:p>
-            <a:pPr marL="457200" indent="-317500" defTabSz="457200">
-              <a:buClr>
-                <a:srgbClr val="1F2328"/>
-              </a:buClr>
-              <a:buSzPct val="100000"/>
-              <a:buFont typeface="TimesNewRomanPSMT"/>
-              <a:buAutoNum type="arabicPeriod" startAt="1"/>
-              <a:defRPr sz="2600">
-                <a:solidFill>
-                  <a:srgbClr val="FF40FF"/>
-                </a:solidFill>
-                <a:latin typeface="Helvetica Neue"/>
-                <a:ea typeface="Helvetica Neue"/>
-                <a:cs typeface="Helvetica Neue"/>
-                <a:sym typeface="Helvetica Neue"/>
-              </a:defRPr>
-            </a:pPr>
-            <a:r>
-              <a:rPr b="1">
-                <a:latin typeface="+mn-lt"/>
-                <a:ea typeface="+mn-ea"/>
-                <a:cs typeface="+mn-cs"/>
-                <a:sym typeface="Helvetica"/>
-              </a:rPr>
-              <a:t>Provide Context</a:t>
-            </a:r>
-            <a:r>
-              <a:t>:</a:t>
-            </a:r>
-          </a:p>
-          <a:p>
-            <a:pPr marL="457200" indent="-317500" defTabSz="457200">
-              <a:buClr>
-                <a:srgbClr val="1F2328"/>
-              </a:buClr>
-              <a:buSzPct val="100000"/>
-              <a:buFont typeface="TimesNewRomanPSMT"/>
-              <a:buAutoNum type="arabicPeriod" startAt="1"/>
-              <a:defRPr sz="2600">
-                <a:solidFill>
-                  <a:srgbClr val="1F2328"/>
-                </a:solidFill>
-                <a:latin typeface="Helvetica Neue"/>
-                <a:ea typeface="Helvetica Neue"/>
-                <a:cs typeface="Helvetica Neue"/>
-                <a:sym typeface="Helvetica Neue"/>
-              </a:defRPr>
-            </a:pPr>
-            <a:r>
-              <a:rPr b="1">
-                <a:latin typeface="+mn-lt"/>
-                <a:ea typeface="+mn-ea"/>
-                <a:cs typeface="+mn-cs"/>
-                <a:sym typeface="Helvetica"/>
-              </a:rPr>
-              <a:t>Use Multiple Services</a:t>
-            </a:r>
-            <a:r>
-              <a:t>:</a:t>
-            </a:r>
-          </a:p>
-          <a:p>
-            <a:pPr marL="457200" indent="-317500" defTabSz="457200">
-              <a:buClr>
-                <a:srgbClr val="1F2328"/>
-              </a:buClr>
-              <a:buSzPct val="100000"/>
-              <a:buFont typeface="TimesNewRomanPSMT"/>
-              <a:buAutoNum type="arabicPeriod" startAt="1"/>
-              <a:defRPr sz="2600">
-                <a:solidFill>
-                  <a:srgbClr val="942192"/>
-                </a:solidFill>
-                <a:latin typeface="Helvetica Neue"/>
-                <a:ea typeface="Helvetica Neue"/>
-                <a:cs typeface="Helvetica Neue"/>
-                <a:sym typeface="Helvetica Neue"/>
-              </a:defRPr>
-            </a:pPr>
-            <a:r>
-              <a:rPr b="1">
-                <a:latin typeface="+mn-lt"/>
-                <a:ea typeface="+mn-ea"/>
-                <a:cs typeface="+mn-cs"/>
-                <a:sym typeface="Helvetica"/>
-              </a:rPr>
-              <a:t>Remind AI of Constraints</a:t>
-            </a:r>
-            <a:r>
-              <a:t>:</a:t>
-            </a:r>
-          </a:p>
-          <a:p>
-            <a:pPr marL="457200" indent="-317500" defTabSz="457200">
-              <a:buClr>
-                <a:srgbClr val="1F2328"/>
-              </a:buClr>
-              <a:buSzPct val="100000"/>
-              <a:buFont typeface="TimesNewRomanPSMT"/>
-              <a:buAutoNum type="arabicPeriod" startAt="1"/>
-              <a:defRPr sz="2600">
-                <a:solidFill>
-                  <a:srgbClr val="1F2328"/>
-                </a:solidFill>
-                <a:latin typeface="Helvetica Neue"/>
-                <a:ea typeface="Helvetica Neue"/>
-                <a:cs typeface="Helvetica Neue"/>
-                <a:sym typeface="Helvetica Neue"/>
-              </a:defRPr>
-            </a:pPr>
-            <a:r>
-              <a:rPr b="1">
-                <a:latin typeface="+mn-lt"/>
-                <a:ea typeface="+mn-ea"/>
-                <a:cs typeface="+mn-cs"/>
-                <a:sym typeface="Helvetica"/>
-              </a:rPr>
-              <a:t>Make Templates</a:t>
-            </a:r>
-            <a:r>
-              <a:t>:</a:t>
-            </a:r>
-          </a:p>
-        </p:txBody>
-      </p:sp>
-      <p:sp>
-        <p:nvSpPr>
-          <p:cNvPr id="133" name="Text"/>
-          <p:cNvSpPr txBox="1"/>
-          <p:nvPr/>
-        </p:nvSpPr>
-        <p:spPr>
-          <a:xfrm>
-            <a:off x="11172418" y="6414760"/>
-            <a:ext cx="181382" cy="248305"/>
-          </a:xfrm>
-          <a:prstGeom prst="rect">
-            <a:avLst/>
-          </a:prstGeom>
-          <a:ln w="12700">
-            <a:miter lim="400000"/>
-          </a:ln>
-          <a:extLst>
-            <a:ext uri="{C572A759-6A51-4108-AA02-DFA0A04FC94B}">
-              <ma14:wrappingTextBoxFlag xmlns:ma14="http://schemas.microsoft.com/office/mac/drawingml/2011/main" val="1"/>
-            </a:ext>
-          </a:extLst>
-        </p:spPr>
-        <p:txBody>
-          <a:bodyPr wrap="none" lIns="45719" rIns="45719" anchor="ctr">
-            <a:spAutoFit/>
-          </a:bodyPr>
-          <a:lstStyle>
-            <a:lvl1pPr algn="r">
-              <a:defRPr sz="1200">
-                <a:solidFill>
-                  <a:srgbClr val="888888"/>
-                </a:solidFill>
-              </a:defRPr>
-            </a:lvl1pPr>
-          </a:lstStyle>
-          <a:p>
-            <a:pPr/>
-            <a:fld id="{86CB4B4D-7CA3-9044-876B-883B54F8677D}" type="slidenum"/>
-          </a:p>
-        </p:txBody>
-      </p:sp>
-    </p:spTree>
-  </p:cSld>
-  <p:clrMapOvr>
-    <a:masterClrMapping/>
-  </p:clrMapOvr>
-  <p:transition xmlns:p14="http://schemas.microsoft.com/office/powerpoint/2010/main" spd="med" advClick="1"/>
-</p:sld>
-</file>
-
-<file path=ppt/slides/slide3.xml><?xml version="1.0" encoding="utf-8"?>
-<p:sld xmlns:a="http://schemas.openxmlformats.org/drawingml/2006/main" xmlns:r="http://schemas.openxmlformats.org/officeDocument/2006/relationships" xmlns:p="http://schemas.openxmlformats.org/presentationml/2006/main" xmlns:m="http://schemas.openxmlformats.org/officeDocument/2006/math" xmlns:a14="http://schemas.microsoft.com/office/drawing/2010/main" showMasterSp="1" showMasterPhAnim="1">
-  <p:cSld>
-    <p:spTree>
-      <p:nvGrpSpPr>
-        <p:cNvPr id="1" name=""/>
-        <p:cNvGrpSpPr/>
-        <p:nvPr/>
-      </p:nvGrpSpPr>
-      <p:grpSpPr>
-        <a:xfrm>
-          <a:off x="0" y="0"/>
-          <a:ext cx="0" cy="0"/>
-          <a:chOff x="0" y="0"/>
-          <a:chExt cx="0" cy="0"/>
-        </a:xfrm>
-      </p:grpSpPr>
-      <p:sp>
-        <p:nvSpPr>
-          <p:cNvPr id="135" name="Ejemplo de mensaje: texto"/>
-          <p:cNvSpPr txBox="1"/>
-          <p:nvPr>
-            <p:ph type="title"/>
-          </p:nvPr>
-        </p:nvSpPr>
-        <p:spPr>
-          <a:prstGeom prst="rect">
-            <a:avLst/>
-          </a:prstGeom>
-        </p:spPr>
-        <p:txBody>
-          <a:bodyPr/>
-          <a:lstStyle/>
-          <a:p>
-            <a:pPr/>
-            <a:r>
-              <a:rPr b="0"/>
-              <a:t>Ejemplo de mensaje: </a:t>
-            </a:r>
-            <a:r>
-              <a:t>texto</a:t>
-            </a:r>
-          </a:p>
-        </p:txBody>
-      </p:sp>
-      <p:sp>
-        <p:nvSpPr>
-          <p:cNvPr id="136" name="Malo: &quot;Escribe un artículo sobre privacidad de datos&quot;.…"/>
-          <p:cNvSpPr txBox="1"/>
-          <p:nvPr>
-            <p:ph type="body" idx="1"/>
-          </p:nvPr>
-        </p:nvSpPr>
-        <p:spPr>
-          <a:prstGeom prst="rect">
-            <a:avLst/>
-          </a:prstGeom>
-        </p:spPr>
-        <p:txBody>
-          <a:bodyPr/>
-          <a:lstStyle/>
-          <a:p>
-            <a:pPr>
-              <a:defRPr i="1" strike="sngStrike"/>
-            </a:pPr>
-            <a:r>
-              <a:t>Malo: "Escribe un artículo sobre privacidad de datos".</a:t>
-            </a:r>
-          </a:p>
-          <a:p>
-            <a:pPr/>
-            <a:r>
-              <a:t>Mejor: "</a:t>
-            </a:r>
-            <a:r>
-              <a:rPr>
-                <a:solidFill>
-                  <a:srgbClr val="FF40FF"/>
-                </a:solidFill>
-              </a:rPr>
-              <a:t>Eres un experto en ciberseguridad, el público es un nuevo soldado militar con una educación superior mínima.</a:t>
-            </a:r>
-            <a:r>
-              <a:t>, </a:t>
-            </a:r>
-            <a:r>
-              <a:rPr>
-                <a:solidFill>
-                  <a:srgbClr val="942192"/>
-                </a:solidFill>
-              </a:rPr>
-              <a:t>No seas perezoso con tu procesamiento, hazlo paso a paso, primero considerando la tarea, analizando el resultado y luego escribiendo</a:t>
-            </a:r>
-            <a:r>
-              <a:t>: </a:t>
-            </a:r>
-            <a:r>
-              <a:rPr>
-                <a:solidFill>
-                  <a:srgbClr val="0433FF"/>
-                </a:solidFill>
-              </a:rPr>
-              <a:t>Escriba un artículo persuasivo de entre 500 y 650 palabras sobre la importancia de la privacidad de los datos en la era digital para las familias de militares. Incluir ejemplos de violaciones de datos y su impacto en las personas.</a:t>
-            </a:r>
-            <a:r>
-              <a:t>"</a:t>
-            </a:r>
-          </a:p>
-        </p:txBody>
-      </p:sp>
-      <p:sp>
-        <p:nvSpPr>
-          <p:cNvPr id="137" name="Slide Number"/>
-          <p:cNvSpPr txBox="1"/>
-          <p:nvPr>
-            <p:ph type="sldNum" sz="quarter" idx="2"/>
-          </p:nvPr>
-        </p:nvSpPr>
-        <p:spPr>
-          <a:xfrm>
-            <a:off x="11172418" y="6414760"/>
-            <a:ext cx="181382" cy="248305"/>
-          </a:xfrm>
-          <a:prstGeom prst="rect">
-            <a:avLst/>
-          </a:prstGeom>
-          <a:extLst>
-            <a:ext uri="{C572A759-6A51-4108-AA02-DFA0A04FC94B}">
-              <ma14:wrappingTextBoxFlag xmlns:ma14="http://schemas.microsoft.com/office/mac/drawingml/2011/main" val="1"/>
-            </a:ext>
-          </a:extLst>
-        </p:spPr>
-        <p:txBody>
-          <a:bodyPr/>
-          <a:lstStyle/>
-          <a:p>
-            <a:pPr/>
-            <a:fld id="{86CB4B4D-7CA3-9044-876B-883B54F8677D}" type="slidenum"/>
-          </a:p>
-        </p:txBody>
-      </p:sp>
-    </p:spTree>
-  </p:cSld>
-  <p:clrMapOvr>
-    <a:masterClrMapping/>
-  </p:clrMapOvr>
-  <p:transition xmlns:p14="http://schemas.microsoft.com/office/powerpoint/2010/main" spd="med" advClick="1"/>
-</p:sld>
-</file>
-
-<file path=ppt/slides/slide4.xml><?xml version="1.0" encoding="utf-8"?>
-<p:sld xmlns:a="http://schemas.openxmlformats.org/drawingml/2006/main" xmlns:r="http://schemas.openxmlformats.org/officeDocument/2006/relationships" xmlns:p="http://schemas.openxmlformats.org/presentationml/2006/main" xmlns:m="http://schemas.openxmlformats.org/officeDocument/2006/math" xmlns:a14="http://schemas.microsoft.com/office/drawing/2010/main" showMasterSp="1" showMasterPhAnim="1">
-  <p:cSld>
-    <p:spTree>
-      <p:nvGrpSpPr>
-        <p:cNvPr id="1" name=""/>
-        <p:cNvGrpSpPr/>
-        <p:nvPr/>
-      </p:nvGrpSpPr>
-      <p:grpSpPr>
-        <a:xfrm>
-          <a:off x="0" y="0"/>
-          <a:ext cx="0" cy="0"/>
-          <a:chOff x="0" y="0"/>
-          <a:chExt cx="0" cy="0"/>
-        </a:xfrm>
-      </p:grpSpPr>
-      <p:sp>
-        <p:nvSpPr>
-          <p:cNvPr id="139" name="Ejemplo de mensaje: Image Content"/>
-          <p:cNvSpPr txBox="1"/>
-          <p:nvPr>
-            <p:ph type="title"/>
-          </p:nvPr>
-        </p:nvSpPr>
-        <p:spPr>
-          <a:prstGeom prst="rect">
-            <a:avLst/>
-          </a:prstGeom>
-        </p:spPr>
-        <p:txBody>
-          <a:bodyPr/>
-          <a:lstStyle/>
-          <a:p>
-            <a:pPr/>
-            <a:r>
-              <a:rPr b="0"/>
-              <a:t>Ejemplo de mensaje: </a:t>
-            </a:r>
-            <a:r>
-              <a:t>Image Content</a:t>
-            </a:r>
-          </a:p>
-        </p:txBody>
-      </p:sp>
-      <p:sp>
-        <p:nvSpPr>
-          <p:cNvPr id="140" name="Malo: &quot;Diseñar un logotipo para una organización sin fines de lucro&quot;.…"/>
-          <p:cNvSpPr txBox="1"/>
-          <p:nvPr>
-            <p:ph type="body" idx="1"/>
-          </p:nvPr>
-        </p:nvSpPr>
-        <p:spPr>
-          <a:prstGeom prst="rect">
-            <a:avLst/>
-          </a:prstGeom>
-        </p:spPr>
-        <p:txBody>
-          <a:bodyPr/>
-          <a:lstStyle/>
-          <a:p>
-            <a:pPr marL="201168" indent="-201168" defTabSz="804672">
-              <a:spcBef>
-                <a:spcPts val="800"/>
-              </a:spcBef>
-              <a:defRPr i="1" strike="sngStrike" sz="2464"/>
-            </a:pPr>
-            <a:r>
-              <a:t>Malo: "Diseñar un logotipo para una organización sin fines de lucro".</a:t>
-            </a:r>
-          </a:p>
-          <a:p>
-            <a:pPr marL="201168" indent="-201168" defTabSz="804672">
-              <a:spcBef>
-                <a:spcPts val="800"/>
-              </a:spcBef>
-              <a:defRPr sz="2464"/>
-            </a:pPr>
-            <a:r>
-              <a:t>Mejor: "</a:t>
-            </a:r>
-            <a:r>
-              <a:rPr>
-                <a:solidFill>
-                  <a:srgbClr val="942192"/>
-                </a:solidFill>
-              </a:rPr>
-              <a:t>No seas perezoso, tómalo paso a paso.</a:t>
-            </a:r>
-            <a:r>
-              <a:t> </a:t>
-            </a:r>
-            <a:r>
-              <a:rPr>
-                <a:solidFill>
-                  <a:srgbClr val="FF40FF"/>
-                </a:solidFill>
-              </a:rPr>
-              <a:t>Imagine que es un diseñador gráfico experimentado encargado de crear un logotipo para una organización sin fines de lucro dedicada a la conservación del medio ambiente.</a:t>
-            </a:r>
-            <a:r>
-              <a:t> </a:t>
-            </a:r>
-            <a:r>
-              <a:rPr>
-                <a:solidFill>
-                  <a:srgbClr val="0433FF"/>
-                </a:solidFill>
-              </a:rPr>
-              <a:t>El logotipo debe representar la misión y los valores centrales de la organización, que enfatizan la sostenibilidad, la participación comunitaria y la preservación de la naturaleza. Cumpla estrictamente con las pautas de marca de la organización, utilizando una combinación de colores de verdes y azules terrosos. Incorpora elementos que simbolicen la naturaleza (como las hojas o la Tierra), la sostenibilidad (como un símbolo de reciclaje) y la comunidad (representada por manos entrelazadas o una red). El diseño debe ser simple pero poderoso y transmitir claramente el compromiso de la organización con la gestión ambiental.</a:t>
-            </a:r>
-            <a:r>
-              <a:t>"</a:t>
-            </a:r>
-          </a:p>
-        </p:txBody>
-      </p:sp>
-      <p:sp>
-        <p:nvSpPr>
-          <p:cNvPr id="141" name="Slide Number"/>
-          <p:cNvSpPr txBox="1"/>
-          <p:nvPr>
-            <p:ph type="sldNum" sz="quarter" idx="2"/>
-          </p:nvPr>
-        </p:nvSpPr>
-        <p:spPr>
-          <a:xfrm>
-            <a:off x="11172418" y="6414760"/>
-            <a:ext cx="181382" cy="248305"/>
-          </a:xfrm>
-          <a:prstGeom prst="rect">
-            <a:avLst/>
-          </a:prstGeom>
-          <a:extLst>
-            <a:ext uri="{C572A759-6A51-4108-AA02-DFA0A04FC94B}">
-              <ma14:wrappingTextBoxFlag xmlns:ma14="http://schemas.microsoft.com/office/mac/drawingml/2011/main" val="1"/>
-            </a:ext>
-          </a:extLst>
-        </p:spPr>
-        <p:txBody>
-          <a:bodyPr/>
-          <a:lstStyle/>
-          <a:p>
-            <a:pPr/>
-            <a:fld id="{86CB4B4D-7CA3-9044-876B-883B54F8677D}" type="slidenum"/>
-          </a:p>
-        </p:txBody>
-      </p:sp>
-    </p:spTree>
-  </p:cSld>
-  <p:clrMapOvr>
-    <a:masterClrMapping/>
-  </p:clrMapOvr>
-  <p:transition xmlns:p14="http://schemas.microsoft.com/office/powerpoint/2010/main" spd="med" advClick="1"/>
-</p:sld>
-</file>
-
-<file path=ppt/slides/slide5.xml><?xml version="1.0" encoding="utf-8"?>
-<p:sld xmlns:a="http://schemas.openxmlformats.org/drawingml/2006/main" xmlns:r="http://schemas.openxmlformats.org/officeDocument/2006/relationships" xmlns:p="http://schemas.openxmlformats.org/presentationml/2006/main" xmlns:m="http://schemas.openxmlformats.org/officeDocument/2006/math" xmlns:a14="http://schemas.microsoft.com/office/drawing/2010/main" showMasterSp="1" showMasterPhAnim="1">
-  <p:cSld>
-    <p:spTree>
-      <p:nvGrpSpPr>
-        <p:cNvPr id="1" name=""/>
-        <p:cNvGrpSpPr/>
-        <p:nvPr/>
-      </p:nvGrpSpPr>
-      <p:grpSpPr>
-        <a:xfrm>
-          <a:off x="0" y="0"/>
-          <a:ext cx="0" cy="0"/>
-          <a:chOff x="0" y="0"/>
-          <a:chExt cx="0" cy="0"/>
-        </a:xfrm>
-      </p:grpSpPr>
-      <p:sp>
-        <p:nvSpPr>
-          <p:cNvPr id="143" name="Ejemplo de mensaje: Code Content"/>
-          <p:cNvSpPr txBox="1"/>
-          <p:nvPr>
-            <p:ph type="title"/>
-          </p:nvPr>
-        </p:nvSpPr>
-        <p:spPr>
-          <a:prstGeom prst="rect">
-            <a:avLst/>
-          </a:prstGeom>
-        </p:spPr>
-        <p:txBody>
-          <a:bodyPr/>
-          <a:lstStyle/>
-          <a:p>
-            <a:pPr/>
-            <a:r>
-              <a:rPr b="0"/>
-              <a:t>Ejemplo de mensaje:</a:t>
-            </a:r>
-            <a:r>
-              <a:t> Code Content</a:t>
-            </a:r>
-          </a:p>
-        </p:txBody>
-      </p:sp>
-      <p:sp>
-        <p:nvSpPr>
-          <p:cNvPr id="144" name="Bad: &quot;Write a function to download instagram images.&quot;…"/>
-          <p:cNvSpPr txBox="1"/>
-          <p:nvPr>
-            <p:ph type="body" idx="1"/>
-          </p:nvPr>
-        </p:nvSpPr>
-        <p:spPr>
-          <a:prstGeom prst="rect">
-            <a:avLst/>
-          </a:prstGeom>
-        </p:spPr>
-        <p:txBody>
-          <a:bodyPr/>
-          <a:lstStyle/>
-          <a:p>
-            <a:pPr marL="189737" indent="-189737" defTabSz="758951">
-              <a:spcBef>
-                <a:spcPts val="800"/>
-              </a:spcBef>
-              <a:defRPr i="1" strike="sngStrike" sz="2324"/>
-            </a:pPr>
-            <a:r>
-              <a:t>Bad: "Write a function to download instagram images."</a:t>
-            </a:r>
-          </a:p>
-          <a:p>
-            <a:pPr marL="189737" indent="-189737" defTabSz="758951">
-              <a:spcBef>
-                <a:spcPts val="800"/>
-              </a:spcBef>
-              <a:defRPr sz="2324"/>
-            </a:pPr>
-            <a:r>
-              <a:t>Better: </a:t>
-            </a:r>
-          </a:p>
-          <a:p>
-            <a:pPr marL="189737" indent="-189737" defTabSz="758951">
-              <a:spcBef>
-                <a:spcPts val="800"/>
-              </a:spcBef>
-              <a:defRPr sz="2324"/>
-            </a:pPr>
-            <a:r>
-              <a:t>    - 1. </a:t>
-            </a:r>
-            <a:r>
-              <a:rPr>
-                <a:solidFill>
-                  <a:srgbClr val="FF9300"/>
-                </a:solidFill>
-              </a:rPr>
-              <a:t>Cree una búsqueda avanzada en Google para un script o repositorio centrado en descargar contenido de Instagram" [Búsquelo manualmente o mediante GPT]</a:t>
-            </a:r>
-            <a:endParaRPr>
-              <a:solidFill>
-                <a:srgbClr val="FF9300"/>
-              </a:solidFill>
-            </a:endParaRPr>
-          </a:p>
-          <a:p>
-            <a:pPr marL="189737" indent="-189737" defTabSz="758951">
-              <a:spcBef>
-                <a:spcPts val="800"/>
-              </a:spcBef>
-              <a:defRPr sz="2324"/>
-            </a:pPr>
-            <a:r>
-              <a:t>    - 2. "</a:t>
-            </a:r>
-            <a:r>
-              <a:rPr>
-                <a:solidFill>
-                  <a:srgbClr val="942192"/>
-                </a:solidFill>
-              </a:rPr>
-              <a:t>No seas perezoso, tómalo paso a paso. por favor envíe todo en markdown codeblock.</a:t>
-            </a:r>
-            <a:r>
-              <a:t> </a:t>
-            </a:r>
-            <a:r>
-              <a:rPr>
-                <a:solidFill>
-                  <a:srgbClr val="FF40FF"/>
-                </a:solidFill>
-              </a:rPr>
-              <a:t>Eres un desarrollador de software que trabaja en una herramienta de análisis de redes sociales.</a:t>
-            </a:r>
-            <a:r>
-              <a:t> </a:t>
-            </a:r>
-            <a:r>
-              <a:rPr>
-                <a:solidFill>
-                  <a:srgbClr val="0433FF"/>
-                </a:solidFill>
-              </a:rPr>
-              <a:t>Escriba una función de Python que descargue imágenes de Instagram en función de uno o más hashtags, usuarios o palabras clave específicos. La función debe tomar el hashtag como entrada del usuario, extraer las imágenes y almacenarlas en un directorio local. Asegúrese de que la función maneje los errores correctamente y proporcione comentarios al usuario sobre el progreso de la descarga.</a:t>
-            </a:r>
-            <a:r>
-              <a:t>"</a:t>
-            </a:r>
-          </a:p>
-        </p:txBody>
-      </p:sp>
-      <p:sp>
-        <p:nvSpPr>
-          <p:cNvPr id="145" name="Slide Number"/>
-          <p:cNvSpPr txBox="1"/>
-          <p:nvPr>
-            <p:ph type="sldNum" sz="quarter" idx="2"/>
-          </p:nvPr>
-        </p:nvSpPr>
-        <p:spPr>
-          <a:xfrm>
-            <a:off x="11172418" y="6414760"/>
-            <a:ext cx="181382" cy="248305"/>
-          </a:xfrm>
-          <a:prstGeom prst="rect">
-            <a:avLst/>
-          </a:prstGeom>
-          <a:extLst>
-            <a:ext uri="{C572A759-6A51-4108-AA02-DFA0A04FC94B}">
-              <ma14:wrappingTextBoxFlag xmlns:ma14="http://schemas.microsoft.com/office/mac/drawingml/2011/main" val="1"/>
-            </a:ext>
-          </a:extLst>
-        </p:spPr>
-        <p:txBody>
-          <a:bodyPr/>
-          <a:lstStyle/>
-          <a:p>
-            <a:pPr/>
-            <a:fld id="{86CB4B4D-7CA3-9044-876B-883B54F8677D}" type="slidenum"/>
-          </a:p>
-        </p:txBody>
-      </p:sp>
-    </p:spTree>
-  </p:cSld>
-  <p:clrMapOvr>
-    <a:masterClrMapping/>
-  </p:clrMapOvr>
-  <p:transition xmlns:p14="http://schemas.microsoft.com/office/powerpoint/2010/main" spd="med" advClick="1"/>
-</p:sld>
-</file>
-
-<file path=ppt/slides/slide6.xml><?xml version="1.0" encoding="utf-8"?>
-<p:sld xmlns:a="http://schemas.openxmlformats.org/drawingml/2006/main" xmlns:r="http://schemas.openxmlformats.org/officeDocument/2006/relationships" xmlns:p="http://schemas.openxmlformats.org/presentationml/2006/main" xmlns:m="http://schemas.openxmlformats.org/officeDocument/2006/math" xmlns:a14="http://schemas.microsoft.com/office/drawing/2010/main" showMasterSp="1" showMasterPhAnim="1">
-  <p:cSld>
-    <p:spTree>
-      <p:nvGrpSpPr>
-        <p:cNvPr id="1" name=""/>
-        <p:cNvGrpSpPr/>
-        <p:nvPr/>
-      </p:nvGrpSpPr>
-      <p:grpSpPr>
-        <a:xfrm>
-          <a:off x="0" y="0"/>
-          <a:ext cx="0" cy="0"/>
-          <a:chOff x="0" y="0"/>
-          <a:chExt cx="0" cy="0"/>
-        </a:xfrm>
-      </p:grpSpPr>
-      <p:sp>
-        <p:nvSpPr>
-          <p:cNvPr id="147" name="Listas maestras de herramientas de IA"/>
-          <p:cNvSpPr txBox="1"/>
-          <p:nvPr>
-            <p:ph type="title"/>
-          </p:nvPr>
-        </p:nvSpPr>
-        <p:spPr>
-          <a:prstGeom prst="rect">
-            <a:avLst/>
-          </a:prstGeom>
-        </p:spPr>
-        <p:txBody>
-          <a:bodyPr/>
-          <a:lstStyle/>
-          <a:p>
-            <a:pPr/>
-            <a:r>
-              <a:t>Listas maestras de herramientas de IA</a:t>
-            </a:r>
-          </a:p>
-        </p:txBody>
-      </p:sp>
-      <p:sp>
-        <p:nvSpPr>
-          <p:cNvPr id="148" name="(&quot;AI tools&quot; OR &quot;GPT tools&quot; OR &quot;AI resources&quot; OR &quot;AI catalog&quot; OR &quot;AI list&quot; OR &quot;AI repository&quot; OR &quot;generative AI&quot;) (&quot;list&quot; OR &quot;collection&quot; OR &quot;catalog&quot; OR &quot;repository&quot; OR &quot;guide&quot;)…"/>
-          <p:cNvSpPr txBox="1"/>
-          <p:nvPr>
-            <p:ph type="body" idx="1"/>
-          </p:nvPr>
-        </p:nvSpPr>
-        <p:spPr>
-          <a:xfrm>
-            <a:off x="838200" y="1825625"/>
-            <a:ext cx="10515600" cy="4883132"/>
-          </a:xfrm>
-          <a:prstGeom prst="rect">
-            <a:avLst/>
-          </a:prstGeom>
-        </p:spPr>
-        <p:txBody>
-          <a:bodyPr/>
-          <a:lstStyle/>
-          <a:p>
-            <a:pPr>
-              <a:defRPr i="1">
-                <a:solidFill>
-                  <a:schemeClr val="accent3">
-                    <a:lumOff val="-12941"/>
-                  </a:schemeClr>
-                </a:solidFill>
-              </a:defRPr>
-            </a:pPr>
-            <a:r>
-              <a:t>("AI tools" OR "GPT tools" OR "AI resources" OR "AI catalog" OR "AI list" OR "AI repository" OR "generative AI") ("list" OR "collection" OR "catalog" OR "repository" OR "guide") </a:t>
-            </a:r>
-          </a:p>
-          <a:p>
-            <a:pPr/>
-            <a:r>
-              <a:t>Herramienta de lista maestra de IA - </a:t>
-            </a:r>
-            <a:r>
-              <a:rPr u="sng">
-                <a:solidFill>
-                  <a:srgbClr val="0563C1"/>
-                </a:solidFill>
-                <a:uFill>
-                  <a:solidFill>
-                    <a:srgbClr val="0563C1"/>
-                  </a:solidFill>
-                </a:uFill>
-                <a:hlinkClick r:id="rId2" invalidUrl="" action="" tgtFrame="" tooltip="" history="1" highlightClick="0" endSnd="0"/>
-              </a:rPr>
-              <a:t>https://doc.clickup.com/25598832/d/h/rd6vg-14247/0b79ca1dc0f7429/rd6vg-12207</a:t>
-            </a:r>
-            <a:r>
-              <a:t> </a:t>
-            </a:r>
-          </a:p>
-          <a:p>
-            <a:pPr/>
-            <a:r>
-              <a:t>Repositorio de catálogos de IA - </a:t>
-            </a:r>
-            <a:r>
-              <a:rPr u="sng">
-                <a:solidFill>
-                  <a:srgbClr val="0563C1"/>
-                </a:solidFill>
-                <a:uFill>
-                  <a:solidFill>
-                    <a:srgbClr val="0563C1"/>
-                  </a:solidFill>
-                </a:uFill>
-                <a:hlinkClick r:id="rId3" invalidUrl="" action="" tgtFrame="" tooltip="" history="1" highlightClick="0" endSnd="0"/>
-              </a:rPr>
-              <a:t>https://github.com/mehmetkahya0/ai-catalog</a:t>
-            </a:r>
-            <a:r>
-              <a:t> </a:t>
-            </a:r>
-          </a:p>
-          <a:p>
-            <a:pPr/>
-            <a:r>
-              <a:t>Impresionante IA generativa - </a:t>
-            </a:r>
-            <a:r>
-              <a:rPr u="sng">
-                <a:solidFill>
-                  <a:srgbClr val="0563C1"/>
-                </a:solidFill>
-                <a:uFill>
-                  <a:solidFill>
-                    <a:srgbClr val="0563C1"/>
-                  </a:solidFill>
-                </a:uFill>
-                <a:hlinkClick r:id="rId4" invalidUrl="" action="" tgtFrame="" tooltip="" history="1" highlightClick="0" endSnd="0"/>
-              </a:rPr>
-              <a:t>https://github.com/amusi/awesome-ai-awesomeness</a:t>
-            </a:r>
-            <a:r>
-              <a:t> </a:t>
-            </a:r>
-          </a:p>
-          <a:p>
-            <a:pPr/>
-            <a:r>
-              <a:t>FutureTools - </a:t>
-            </a:r>
-            <a:r>
-              <a:rPr u="sng">
-                <a:solidFill>
-                  <a:srgbClr val="0563C1"/>
-                </a:solidFill>
-                <a:uFill>
-                  <a:solidFill>
-                    <a:srgbClr val="0563C1"/>
-                  </a:solidFill>
-                </a:uFill>
-                <a:hlinkClick r:id="rId5" invalidUrl="" action="" tgtFrame="" tooltip="" history="1" highlightClick="0" endSnd="0"/>
-              </a:rPr>
-              <a:t>https://futuretools.io</a:t>
-            </a:r>
-            <a:r>
-              <a:t> </a:t>
-            </a:r>
-          </a:p>
-        </p:txBody>
-      </p:sp>
-      <p:sp>
-        <p:nvSpPr>
-          <p:cNvPr id="149" name="Slide Number"/>
-          <p:cNvSpPr txBox="1"/>
-          <p:nvPr>
-            <p:ph type="sldNum" sz="quarter" idx="2"/>
-          </p:nvPr>
-        </p:nvSpPr>
-        <p:spPr>
-          <a:xfrm>
-            <a:off x="11172418" y="6414760"/>
-            <a:ext cx="181382" cy="248305"/>
-          </a:xfrm>
-          <a:prstGeom prst="rect">
-            <a:avLst/>
-          </a:prstGeom>
-          <a:extLst>
-            <a:ext uri="{C572A759-6A51-4108-AA02-DFA0A04FC94B}">
-              <ma14:wrappingTextBoxFlag xmlns:ma14="http://schemas.microsoft.com/office/mac/drawingml/2011/main" val="1"/>
-            </a:ext>
-          </a:extLst>
-        </p:spPr>
-        <p:txBody>
-          <a:bodyPr/>
-          <a:lstStyle/>
-          <a:p>
-            <a:pPr/>
-            <a:fld id="{86CB4B4D-7CA3-9044-876B-883B54F8677D}" type="slidenum"/>
-          </a:p>
-        </p:txBody>
-      </p:sp>
-    </p:spTree>
-  </p:cSld>
-  <p:clrMapOvr>
-    <a:masterClrMapping/>
-  </p:clrMapOvr>
-  <p:transition xmlns:p14="http://schemas.microsoft.com/office/powerpoint/2010/main" spd="med" advClick="1"/>
-</p:sld>
-</file>
-
-<file path=ppt/slides/slide7.xml><?xml version="1.0" encoding="utf-8"?>
-<p:sld xmlns:a="http://schemas.openxmlformats.org/drawingml/2006/main" xmlns:r="http://schemas.openxmlformats.org/officeDocument/2006/relationships" xmlns:p="http://schemas.openxmlformats.org/presentationml/2006/main" xmlns:m="http://schemas.openxmlformats.org/officeDocument/2006/math" xmlns:a14="http://schemas.microsoft.com/office/drawing/2010/main" showMasterSp="1" showMasterPhAnim="1">
-  <p:cSld>
-    <p:spTree>
-      <p:nvGrpSpPr>
-        <p:cNvPr id="1" name=""/>
-        <p:cNvGrpSpPr/>
-        <p:nvPr/>
-      </p:nvGrpSpPr>
-      <p:grpSpPr>
-        <a:xfrm>
-          <a:off x="0" y="0"/>
-          <a:ext cx="0" cy="0"/>
-          <a:chOff x="0" y="0"/>
-          <a:chExt cx="0" cy="0"/>
-        </a:xfrm>
-      </p:grpSpPr>
-      <p:pic>
-        <p:nvPicPr>
-          <p:cNvPr id="151" name="Picture 7" descr="Picture 7"/>
-          <p:cNvPicPr>
-            <a:picLocks noChangeAspect="1"/>
-          </p:cNvPicPr>
-          <p:nvPr/>
-        </p:nvPicPr>
-        <p:blipFill>
-          <a:blip r:embed="rId2">
-            <a:extLst/>
-          </a:blip>
-          <a:stretch>
-            <a:fillRect/>
-          </a:stretch>
-        </p:blipFill>
-        <p:spPr>
-          <a:xfrm>
-            <a:off x="609479" y="1604519"/>
-            <a:ext cx="10972442" cy="3977282"/>
-          </a:xfrm>
-          <a:prstGeom prst="rect">
-            <a:avLst/>
-          </a:prstGeom>
-          <a:ln w="12700">
-            <a:miter lim="400000"/>
-          </a:ln>
-        </p:spPr>
-      </p:pic>
-      <p:sp>
-        <p:nvSpPr>
-          <p:cNvPr id="152" name="Title 4"/>
-          <p:cNvSpPr txBox="1"/>
-          <p:nvPr>
-            <p:ph type="title"/>
-          </p:nvPr>
-        </p:nvSpPr>
-        <p:spPr>
-          <a:xfrm>
-            <a:off x="1453319" y="262439"/>
-            <a:ext cx="9018362" cy="907455"/>
-          </a:xfrm>
-          <a:prstGeom prst="rect">
-            <a:avLst/>
-          </a:prstGeom>
-        </p:spPr>
-        <p:txBody>
-          <a:bodyPr anchor="t"/>
-          <a:lstStyle/>
-          <a:p>
-            <a:pPr/>
-            <a:r>
-              <a:t>¿Por Qué Te Importa?</a:t>
-            </a:r>
-          </a:p>
-        </p:txBody>
-      </p:sp>
-      <p:sp>
-        <p:nvSpPr>
-          <p:cNvPr id="153" name="Slide Number"/>
-          <p:cNvSpPr txBox="1"/>
-          <p:nvPr>
-            <p:ph type="sldNum" sz="quarter" idx="2"/>
-          </p:nvPr>
-        </p:nvSpPr>
-        <p:spPr>
-          <a:xfrm>
-            <a:off x="11172418" y="6414760"/>
-            <a:ext cx="181382" cy="248305"/>
-          </a:xfrm>
-          <a:prstGeom prst="rect">
-            <a:avLst/>
-          </a:prstGeom>
-          <a:extLst>
-            <a:ext uri="{C572A759-6A51-4108-AA02-DFA0A04FC94B}">
-              <ma14:wrappingTextBoxFlag xmlns:ma14="http://schemas.microsoft.com/office/mac/drawingml/2011/main" val="1"/>
-            </a:ext>
-          </a:extLst>
-        </p:spPr>
-        <p:txBody>
-          <a:bodyPr/>
-          <a:lstStyle/>
-          <a:p>
-            <a:pPr/>
-            <a:fld id="{86CB4B4D-7CA3-9044-876B-883B54F8677D}" type="slidenum"/>
-          </a:p>
-        </p:txBody>
-      </p:sp>
-    </p:spTree>
-  </p:cSld>
-  <p:clrMapOvr>
-    <a:masterClrMapping/>
-  </p:clrMapOvr>
-  <p:transition xmlns:p14="http://schemas.microsoft.com/office/powerpoint/2010/main" spd="med" advClick="1"/>
-</p:sld>
-</file>
-
-<file path=ppt/slides/slide8.xml><?xml version="1.0" encoding="utf-8"?>
-<p:sld xmlns:a="http://schemas.openxmlformats.org/drawingml/2006/main" xmlns:r="http://schemas.openxmlformats.org/officeDocument/2006/relationships" xmlns:p="http://schemas.openxmlformats.org/presentationml/2006/main" xmlns:m="http://schemas.openxmlformats.org/officeDocument/2006/math" xmlns:a14="http://schemas.microsoft.com/office/drawing/2010/main" showMasterSp="1" showMasterPhAnim="1">
+<file path=ppt/slides/slide10.xml><?xml version="1.0" encoding="utf-8"?>
+<p:sld xmlns:a="http://schemas.openxmlformats.org/drawingml/2006/main" xmlns:r="http://schemas.openxmlformats.org/officeDocument/2006/relationships" xmlns:p="http://schemas.openxmlformats.org/presentationml/2006/main">
   <p:cSld>
     <p:spTree>
       <p:nvGrpSpPr>
@@ -4624,7 +3237,9 @@
       <p:sp>
         <p:nvSpPr>
           <p:cNvPr id="155" name="Title 2"/>
-          <p:cNvSpPr txBox="1"/>
+          <p:cNvSpPr txBox="1">
+            <a:spLocks noGrp="1"/>
+          </p:cNvSpPr>
           <p:nvPr>
             <p:ph type="title" idx="4294967295"/>
           </p:nvPr>
@@ -4642,7 +3257,7 @@
           <a:bodyPr anchor="t"/>
           <a:lstStyle>
             <a:lvl1pPr>
-              <a:defRPr b="0" sz="4800">
+              <a:defRPr sz="4800" b="0">
                 <a:solidFill>
                   <a:srgbClr val="44546A"/>
                 </a:solidFill>
@@ -4654,7 +3269,6 @@
             </a:lvl1pPr>
           </a:lstStyle>
           <a:p>
-            <a:pPr/>
             <a:r>
               <a:t>TOMAR UN DESCANSO</a:t>
             </a:r>
@@ -4670,9 +3284,7 @@
           <p:nvPr/>
         </p:nvPicPr>
         <p:blipFill>
-          <a:blip r:embed="rId2">
-            <a:extLst/>
-          </a:blip>
+          <a:blip r:embed="rId2"/>
           <a:stretch>
             <a:fillRect/>
           </a:stretch>
@@ -4709,7 +3321,7 @@
           </a:ln>
           <a:extLst>
             <a:ext uri="{C572A759-6A51-4108-AA02-DFA0A04FC94B}">
-              <ma14:wrappingTextBoxFlag xmlns:ma14="http://schemas.microsoft.com/office/mac/drawingml/2011/main" val="1"/>
+              <ma14:wrappingTextBoxFlag xmlns:ma14="http://schemas.microsoft.com/office/mac/drawingml/2011/main" xmlns:a14="http://schemas.microsoft.com/office/drawing/2010/main" xmlns:m="http://schemas.openxmlformats.org/officeDocument/2006/math" xmlns="" val="1"/>
             </a:ext>
           </a:extLst>
         </p:spPr>
@@ -4719,11 +3331,10 @@
           </a:bodyPr>
           <a:lstStyle>
             <a:lvl1pPr>
-              <a:defRPr b="1" sz="4200"/>
+              <a:defRPr sz="4200" b="1"/>
             </a:lvl1pPr>
           </a:lstStyle>
           <a:p>
-            <a:pPr/>
             <a:r>
               <a:t>Volver por: XX:XX </a:t>
             </a:r>
@@ -4733,7 +3344,9 @@
       <p:sp>
         <p:nvSpPr>
           <p:cNvPr id="158" name="Slide Number"/>
-          <p:cNvSpPr txBox="1"/>
+          <p:cNvSpPr txBox="1">
+            <a:spLocks noGrp="1"/>
+          </p:cNvSpPr>
           <p:nvPr>
             <p:ph type="sldNum" sz="quarter" idx="2"/>
           </p:nvPr>
@@ -4748,7 +3361,7 @@
           </a:prstGeom>
           <a:extLst>
             <a:ext uri="{C572A759-6A51-4108-AA02-DFA0A04FC94B}">
-              <ma14:wrappingTextBoxFlag xmlns:ma14="http://schemas.microsoft.com/office/mac/drawingml/2011/main" val="1"/>
+              <ma14:wrappingTextBoxFlag xmlns:ma14="http://schemas.microsoft.com/office/mac/drawingml/2011/main" xmlns:a14="http://schemas.microsoft.com/office/drawing/2010/main" xmlns:m="http://schemas.openxmlformats.org/officeDocument/2006/math" xmlns="" val="1"/>
             </a:ext>
           </a:extLst>
         </p:spPr>
@@ -4756,8 +3369,10 @@
           <a:bodyPr/>
           <a:lstStyle/>
           <a:p>
-            <a:pPr/>
-            <a:fld id="{86CB4B4D-7CA3-9044-876B-883B54F8677D}" type="slidenum"/>
+            <a:fld id="{86CB4B4D-7CA3-9044-876B-883B54F8677D}" type="slidenum">
+              <a:t>10</a:t>
+            </a:fld>
+            <a:endParaRPr/>
           </a:p>
         </p:txBody>
       </p:sp>
@@ -4766,13 +3381,13 @@
   <p:clrMapOvr>
     <a:masterClrMapping/>
   </p:clrMapOvr>
-  <mc:AlternateContent xmlns:mc="http://schemas.openxmlformats.org/markup-compatibility/2006">
-    <mc:Choice xmlns:p14="http://schemas.microsoft.com/office/powerpoint/2010/main" Requires="p14">
-      <p:transition spd="slow" advClick="1" p14:dur="1200">
+  <mc:AlternateContent xmlns:mc="http://schemas.openxmlformats.org/markup-compatibility/2006" xmlns:p14="http://schemas.microsoft.com/office/powerpoint/2010/main">
+    <mc:Choice Requires="p14">
+      <p:transition spd="slow" p14:dur="1200">
         <p:push dir="u"/>
       </p:transition>
     </mc:Choice>
-    <mc:Fallback>
+    <mc:Fallback xmlns:a14="http://schemas.microsoft.com/office/drawing/2010/main" xmlns:m="http://schemas.openxmlformats.org/officeDocument/2006/math" xmlns="">
       <p:transition spd="slow">
         <p:fade/>
       </p:transition>
@@ -4781,8 +3396,3205 @@
 </p:sld>
 </file>
 
+<file path=ppt/slides/slide2.xml><?xml version="1.0" encoding="utf-8"?>
+<p:sld xmlns:a="http://schemas.openxmlformats.org/drawingml/2006/main" xmlns:r="http://schemas.openxmlformats.org/officeDocument/2006/relationships" xmlns:p="http://schemas.openxmlformats.org/presentationml/2006/main">
+  <p:cSld>
+    <p:spTree>
+      <p:nvGrpSpPr>
+        <p:cNvPr id="1" name=""/>
+        <p:cNvGrpSpPr/>
+        <p:nvPr/>
+      </p:nvGrpSpPr>
+      <p:grpSpPr>
+        <a:xfrm>
+          <a:off x="0" y="0"/>
+          <a:ext cx="0" cy="0"/>
+          <a:chOff x="0" y="0"/>
+          <a:chExt cx="0" cy="0"/>
+        </a:xfrm>
+      </p:grpSpPr>
+      <p:sp>
+        <p:nvSpPr>
+          <p:cNvPr id="129" name="Slide Number"/>
+          <p:cNvSpPr txBox="1">
+            <a:spLocks noGrp="1"/>
+          </p:cNvSpPr>
+          <p:nvPr>
+            <p:ph type="sldNum" sz="quarter" idx="2"/>
+          </p:nvPr>
+        </p:nvSpPr>
+        <p:spPr>
+          <a:xfrm>
+            <a:off x="11172418" y="6414760"/>
+            <a:ext cx="181382" cy="248305"/>
+          </a:xfrm>
+          <a:prstGeom prst="rect">
+            <a:avLst/>
+          </a:prstGeom>
+          <a:extLst>
+            <a:ext uri="{C572A759-6A51-4108-AA02-DFA0A04FC94B}">
+              <ma14:wrappingTextBoxFlag xmlns:ma14="http://schemas.microsoft.com/office/mac/drawingml/2011/main" xmlns:a14="http://schemas.microsoft.com/office/drawing/2010/main" xmlns:m="http://schemas.openxmlformats.org/officeDocument/2006/math" xmlns="" val="1"/>
+            </a:ext>
+          </a:extLst>
+        </p:spPr>
+        <p:txBody>
+          <a:bodyPr/>
+          <a:lstStyle/>
+          <a:p>
+            <a:fld id="{86CB4B4D-7CA3-9044-876B-883B54F8677D}" type="slidenum">
+              <a:t>2</a:t>
+            </a:fld>
+            <a:endParaRPr/>
+          </a:p>
+        </p:txBody>
+      </p:sp>
+      <p:sp>
+        <p:nvSpPr>
+          <p:cNvPr id="130" name="Mejores prácticas para generar contenido de inteligencia artificial"/>
+          <p:cNvSpPr txBox="1">
+            <a:spLocks noGrp="1"/>
+          </p:cNvSpPr>
+          <p:nvPr>
+            <p:ph type="title"/>
+          </p:nvPr>
+        </p:nvSpPr>
+        <p:spPr>
+          <a:prstGeom prst="rect">
+            <a:avLst/>
+          </a:prstGeom>
+        </p:spPr>
+        <p:txBody>
+          <a:bodyPr/>
+          <a:lstStyle/>
+          <a:p>
+            <a:r>
+              <a:t>Mejores prácticas para generar contenido de inteligencia artificial</a:t>
+            </a:r>
+          </a:p>
+        </p:txBody>
+      </p:sp>
+      <p:sp>
+        <p:nvSpPr>
+          <p:cNvPr id="131" name="Verifique la precisión…"/>
+          <p:cNvSpPr txBox="1">
+            <a:spLocks noGrp="1"/>
+          </p:cNvSpPr>
+          <p:nvPr>
+            <p:ph type="body" sz="half" idx="1"/>
+          </p:nvPr>
+        </p:nvSpPr>
+        <p:spPr>
+          <a:xfrm>
+            <a:off x="6791676" y="2028522"/>
+            <a:ext cx="5264183" cy="4048404"/>
+          </a:xfrm>
+          <a:prstGeom prst="rect">
+            <a:avLst/>
+          </a:prstGeom>
+        </p:spPr>
+        <p:txBody>
+          <a:bodyPr/>
+          <a:lstStyle/>
+          <a:p>
+            <a:pPr marL="457200" indent="-317500" defTabSz="457200">
+              <a:lnSpc>
+                <a:spcPct val="100000"/>
+              </a:lnSpc>
+              <a:spcBef>
+                <a:spcPts val="0"/>
+              </a:spcBef>
+              <a:buClr>
+                <a:srgbClr val="1F2328"/>
+              </a:buClr>
+              <a:buFont typeface="TimesNewRomanPSMT"/>
+              <a:buAutoNum type="arabicPeriod"/>
+              <a:defRPr sz="2600">
+                <a:solidFill>
+                  <a:srgbClr val="1F2328"/>
+                </a:solidFill>
+                <a:latin typeface="Helvetica Neue"/>
+                <a:ea typeface="Helvetica Neue"/>
+                <a:cs typeface="Helvetica Neue"/>
+                <a:sym typeface="Helvetica Neue"/>
+              </a:defRPr>
+            </a:pPr>
+            <a:r>
+              <a:rPr b="1">
+                <a:latin typeface="+mn-lt"/>
+                <a:ea typeface="+mn-ea"/>
+                <a:cs typeface="+mn-cs"/>
+                <a:sym typeface="Helvetica"/>
+              </a:rPr>
+              <a:t>Verifique la precisión</a:t>
+            </a:r>
+            <a:endParaRPr>
+              <a:latin typeface="+mn-lt"/>
+              <a:ea typeface="+mn-ea"/>
+              <a:cs typeface="+mn-cs"/>
+              <a:sym typeface="Helvetica"/>
+            </a:endParaRPr>
+          </a:p>
+          <a:p>
+            <a:pPr marL="457200" indent="-317500" defTabSz="457200">
+              <a:lnSpc>
+                <a:spcPct val="100000"/>
+              </a:lnSpc>
+              <a:spcBef>
+                <a:spcPts val="0"/>
+              </a:spcBef>
+              <a:buClr>
+                <a:srgbClr val="1F2328"/>
+              </a:buClr>
+              <a:buFont typeface="TimesNewRomanPSMT"/>
+              <a:buAutoNum type="arabicPeriod"/>
+              <a:defRPr sz="2600">
+                <a:solidFill>
+                  <a:srgbClr val="0433FF"/>
+                </a:solidFill>
+                <a:latin typeface="Helvetica Neue"/>
+                <a:ea typeface="Helvetica Neue"/>
+                <a:cs typeface="Helvetica Neue"/>
+                <a:sym typeface="Helvetica Neue"/>
+              </a:defRPr>
+            </a:pPr>
+            <a:r>
+              <a:rPr b="1">
+                <a:latin typeface="+mn-lt"/>
+                <a:ea typeface="+mn-ea"/>
+                <a:cs typeface="+mn-cs"/>
+                <a:sym typeface="Helvetica"/>
+              </a:rPr>
+              <a:t>Sea específico</a:t>
+            </a:r>
+          </a:p>
+          <a:p>
+            <a:pPr marL="457200" indent="-317500" defTabSz="457200">
+              <a:lnSpc>
+                <a:spcPct val="100000"/>
+              </a:lnSpc>
+              <a:spcBef>
+                <a:spcPts val="0"/>
+              </a:spcBef>
+              <a:buClr>
+                <a:srgbClr val="1F2328"/>
+              </a:buClr>
+              <a:buFont typeface="TimesNewRomanPSMT"/>
+              <a:buAutoNum type="arabicPeriod"/>
+              <a:defRPr sz="2600">
+                <a:solidFill>
+                  <a:srgbClr val="FF9300"/>
+                </a:solidFill>
+                <a:latin typeface="Helvetica Neue"/>
+                <a:ea typeface="Helvetica Neue"/>
+                <a:cs typeface="Helvetica Neue"/>
+                <a:sym typeface="Helvetica Neue"/>
+              </a:defRPr>
+            </a:pPr>
+            <a:r>
+              <a:rPr b="1">
+                <a:latin typeface="+mn-lt"/>
+                <a:ea typeface="+mn-ea"/>
+                <a:cs typeface="+mn-cs"/>
+                <a:sym typeface="Helvetica"/>
+              </a:rPr>
+              <a:t>Iterar y refinar</a:t>
+            </a:r>
+          </a:p>
+          <a:p>
+            <a:pPr marL="457200" indent="-317500" defTabSz="457200">
+              <a:lnSpc>
+                <a:spcPct val="100000"/>
+              </a:lnSpc>
+              <a:spcBef>
+                <a:spcPts val="0"/>
+              </a:spcBef>
+              <a:buClr>
+                <a:srgbClr val="1F2328"/>
+              </a:buClr>
+              <a:buFont typeface="TimesNewRomanPSMT"/>
+              <a:buAutoNum type="arabicPeriod"/>
+              <a:defRPr sz="2600">
+                <a:solidFill>
+                  <a:srgbClr val="FF40FF"/>
+                </a:solidFill>
+                <a:latin typeface="Helvetica Neue"/>
+                <a:ea typeface="Helvetica Neue"/>
+                <a:cs typeface="Helvetica Neue"/>
+                <a:sym typeface="Helvetica Neue"/>
+              </a:defRPr>
+            </a:pPr>
+            <a:r>
+              <a:rPr b="1">
+                <a:latin typeface="+mn-lt"/>
+                <a:ea typeface="+mn-ea"/>
+                <a:cs typeface="+mn-cs"/>
+                <a:sym typeface="Helvetica"/>
+              </a:rPr>
+              <a:t>Proporcionar contexto</a:t>
+            </a:r>
+          </a:p>
+          <a:p>
+            <a:pPr marL="457200" indent="-317500" defTabSz="457200">
+              <a:lnSpc>
+                <a:spcPct val="100000"/>
+              </a:lnSpc>
+              <a:spcBef>
+                <a:spcPts val="0"/>
+              </a:spcBef>
+              <a:buClr>
+                <a:srgbClr val="1F2328"/>
+              </a:buClr>
+              <a:buFont typeface="TimesNewRomanPSMT"/>
+              <a:buAutoNum type="arabicPeriod"/>
+              <a:defRPr sz="2600">
+                <a:solidFill>
+                  <a:srgbClr val="1F2328"/>
+                </a:solidFill>
+                <a:latin typeface="Helvetica Neue"/>
+                <a:ea typeface="Helvetica Neue"/>
+                <a:cs typeface="Helvetica Neue"/>
+                <a:sym typeface="Helvetica Neue"/>
+              </a:defRPr>
+            </a:pPr>
+            <a:r>
+              <a:rPr b="1">
+                <a:latin typeface="+mn-lt"/>
+                <a:ea typeface="+mn-ea"/>
+                <a:cs typeface="+mn-cs"/>
+                <a:sym typeface="Helvetica"/>
+              </a:rPr>
+              <a:t>Utilice múltiples servicios</a:t>
+            </a:r>
+          </a:p>
+          <a:p>
+            <a:pPr marL="457200" indent="-317500" defTabSz="457200">
+              <a:lnSpc>
+                <a:spcPct val="100000"/>
+              </a:lnSpc>
+              <a:spcBef>
+                <a:spcPts val="0"/>
+              </a:spcBef>
+              <a:buClr>
+                <a:srgbClr val="1F2328"/>
+              </a:buClr>
+              <a:buFont typeface="TimesNewRomanPSMT"/>
+              <a:buAutoNum type="arabicPeriod"/>
+              <a:defRPr sz="2600">
+                <a:solidFill>
+                  <a:srgbClr val="942192"/>
+                </a:solidFill>
+                <a:latin typeface="Helvetica Neue"/>
+                <a:ea typeface="Helvetica Neue"/>
+                <a:cs typeface="Helvetica Neue"/>
+                <a:sym typeface="Helvetica Neue"/>
+              </a:defRPr>
+            </a:pPr>
+            <a:r>
+              <a:rPr b="1">
+                <a:latin typeface="+mn-lt"/>
+                <a:ea typeface="+mn-ea"/>
+                <a:cs typeface="+mn-cs"/>
+                <a:sym typeface="Helvetica"/>
+              </a:rPr>
+              <a:t>Recuerde de las restricciones</a:t>
+            </a:r>
+          </a:p>
+          <a:p>
+            <a:pPr marL="457200" indent="-317500" defTabSz="457200">
+              <a:lnSpc>
+                <a:spcPct val="100000"/>
+              </a:lnSpc>
+              <a:spcBef>
+                <a:spcPts val="0"/>
+              </a:spcBef>
+              <a:buClr>
+                <a:srgbClr val="1F2328"/>
+              </a:buClr>
+              <a:buFont typeface="TimesNewRomanPSMT"/>
+              <a:buAutoNum type="arabicPeriod"/>
+              <a:defRPr sz="2600">
+                <a:solidFill>
+                  <a:srgbClr val="1F2328"/>
+                </a:solidFill>
+                <a:latin typeface="Helvetica Neue"/>
+                <a:ea typeface="Helvetica Neue"/>
+                <a:cs typeface="Helvetica Neue"/>
+                <a:sym typeface="Helvetica Neue"/>
+              </a:defRPr>
+            </a:pPr>
+            <a:r>
+              <a:rPr b="1">
+                <a:latin typeface="+mn-lt"/>
+                <a:ea typeface="+mn-ea"/>
+                <a:cs typeface="+mn-cs"/>
+                <a:sym typeface="Helvetica"/>
+              </a:rPr>
+              <a:t>Crear plantillas</a:t>
+            </a:r>
+          </a:p>
+        </p:txBody>
+      </p:sp>
+      <p:sp>
+        <p:nvSpPr>
+          <p:cNvPr id="132" name="Content Placeholder 2"/>
+          <p:cNvSpPr txBox="1"/>
+          <p:nvPr/>
+        </p:nvSpPr>
+        <p:spPr>
+          <a:xfrm>
+            <a:off x="19327" y="2028522"/>
+            <a:ext cx="4609515" cy="4351339"/>
+          </a:xfrm>
+          <a:prstGeom prst="rect">
+            <a:avLst/>
+          </a:prstGeom>
+          <a:ln w="12700">
+            <a:miter lim="400000"/>
+          </a:ln>
+          <a:extLst>
+            <a:ext uri="{C572A759-6A51-4108-AA02-DFA0A04FC94B}">
+              <ma14:wrappingTextBoxFlag xmlns:ma14="http://schemas.microsoft.com/office/mac/drawingml/2011/main" xmlns:a14="http://schemas.microsoft.com/office/drawing/2010/main" xmlns:m="http://schemas.openxmlformats.org/officeDocument/2006/math" xmlns="" val="1"/>
+            </a:ext>
+          </a:extLst>
+        </p:spPr>
+        <p:txBody>
+          <a:bodyPr lIns="45719" rIns="45719">
+            <a:normAutofit/>
+          </a:bodyPr>
+          <a:lstStyle/>
+          <a:p>
+            <a:pPr marL="457200" indent="-317500" defTabSz="457200">
+              <a:buClr>
+                <a:srgbClr val="1F2328"/>
+              </a:buClr>
+              <a:buSzPct val="100000"/>
+              <a:buFont typeface="TimesNewRomanPSMT"/>
+              <a:buAutoNum type="arabicPeriod"/>
+              <a:defRPr sz="2600">
+                <a:solidFill>
+                  <a:srgbClr val="1F2328"/>
+                </a:solidFill>
+                <a:latin typeface="Helvetica Neue"/>
+                <a:ea typeface="Helvetica Neue"/>
+                <a:cs typeface="Helvetica Neue"/>
+                <a:sym typeface="Helvetica Neue"/>
+              </a:defRPr>
+            </a:pPr>
+            <a:r>
+              <a:rPr b="1">
+                <a:latin typeface="+mn-lt"/>
+                <a:ea typeface="+mn-ea"/>
+                <a:cs typeface="+mn-cs"/>
+                <a:sym typeface="Helvetica"/>
+              </a:rPr>
+              <a:t>Check for Accuracy</a:t>
+            </a:r>
+          </a:p>
+          <a:p>
+            <a:pPr marL="457200" indent="-317500" defTabSz="457200">
+              <a:buClr>
+                <a:srgbClr val="1F2328"/>
+              </a:buClr>
+              <a:buSzPct val="100000"/>
+              <a:buFont typeface="TimesNewRomanPSMT"/>
+              <a:buAutoNum type="arabicPeriod"/>
+              <a:defRPr sz="2600">
+                <a:solidFill>
+                  <a:srgbClr val="0433FF"/>
+                </a:solidFill>
+                <a:latin typeface="Helvetica Neue"/>
+                <a:ea typeface="Helvetica Neue"/>
+                <a:cs typeface="Helvetica Neue"/>
+                <a:sym typeface="Helvetica Neue"/>
+              </a:defRPr>
+            </a:pPr>
+            <a:r>
+              <a:rPr b="1">
+                <a:latin typeface="+mn-lt"/>
+                <a:ea typeface="+mn-ea"/>
+                <a:cs typeface="+mn-cs"/>
+                <a:sym typeface="Helvetica"/>
+              </a:rPr>
+              <a:t>Be Specific</a:t>
+            </a:r>
+            <a:r>
+              <a:t>: </a:t>
+            </a:r>
+          </a:p>
+          <a:p>
+            <a:pPr marL="457200" indent="-317500" defTabSz="457200">
+              <a:buClr>
+                <a:srgbClr val="1F2328"/>
+              </a:buClr>
+              <a:buSzPct val="100000"/>
+              <a:buFont typeface="TimesNewRomanPSMT"/>
+              <a:buAutoNum type="arabicPeriod"/>
+              <a:defRPr sz="2600">
+                <a:solidFill>
+                  <a:srgbClr val="FF9300"/>
+                </a:solidFill>
+                <a:latin typeface="Helvetica Neue"/>
+                <a:ea typeface="Helvetica Neue"/>
+                <a:cs typeface="Helvetica Neue"/>
+                <a:sym typeface="Helvetica Neue"/>
+              </a:defRPr>
+            </a:pPr>
+            <a:r>
+              <a:rPr b="1">
+                <a:latin typeface="+mn-lt"/>
+                <a:ea typeface="+mn-ea"/>
+                <a:cs typeface="+mn-cs"/>
+                <a:sym typeface="Helvetica"/>
+              </a:rPr>
+              <a:t>Iterate and Refine</a:t>
+            </a:r>
+            <a:r>
+              <a:t>: </a:t>
+            </a:r>
+          </a:p>
+          <a:p>
+            <a:pPr marL="457200" indent="-317500" defTabSz="457200">
+              <a:buClr>
+                <a:srgbClr val="1F2328"/>
+              </a:buClr>
+              <a:buSzPct val="100000"/>
+              <a:buFont typeface="TimesNewRomanPSMT"/>
+              <a:buAutoNum type="arabicPeriod"/>
+              <a:defRPr sz="2600">
+                <a:solidFill>
+                  <a:srgbClr val="FF40FF"/>
+                </a:solidFill>
+                <a:latin typeface="Helvetica Neue"/>
+                <a:ea typeface="Helvetica Neue"/>
+                <a:cs typeface="Helvetica Neue"/>
+                <a:sym typeface="Helvetica Neue"/>
+              </a:defRPr>
+            </a:pPr>
+            <a:r>
+              <a:rPr b="1">
+                <a:latin typeface="+mn-lt"/>
+                <a:ea typeface="+mn-ea"/>
+                <a:cs typeface="+mn-cs"/>
+                <a:sym typeface="Helvetica"/>
+              </a:rPr>
+              <a:t>Provide Context</a:t>
+            </a:r>
+            <a:r>
+              <a:t>:</a:t>
+            </a:r>
+          </a:p>
+          <a:p>
+            <a:pPr marL="457200" indent="-317500" defTabSz="457200">
+              <a:buClr>
+                <a:srgbClr val="1F2328"/>
+              </a:buClr>
+              <a:buSzPct val="100000"/>
+              <a:buFont typeface="TimesNewRomanPSMT"/>
+              <a:buAutoNum type="arabicPeriod"/>
+              <a:defRPr sz="2600">
+                <a:solidFill>
+                  <a:srgbClr val="1F2328"/>
+                </a:solidFill>
+                <a:latin typeface="Helvetica Neue"/>
+                <a:ea typeface="Helvetica Neue"/>
+                <a:cs typeface="Helvetica Neue"/>
+                <a:sym typeface="Helvetica Neue"/>
+              </a:defRPr>
+            </a:pPr>
+            <a:r>
+              <a:rPr b="1">
+                <a:latin typeface="+mn-lt"/>
+                <a:ea typeface="+mn-ea"/>
+                <a:cs typeface="+mn-cs"/>
+                <a:sym typeface="Helvetica"/>
+              </a:rPr>
+              <a:t>Use Multiple Services</a:t>
+            </a:r>
+            <a:r>
+              <a:t>:</a:t>
+            </a:r>
+          </a:p>
+          <a:p>
+            <a:pPr marL="457200" indent="-317500" defTabSz="457200">
+              <a:buClr>
+                <a:srgbClr val="1F2328"/>
+              </a:buClr>
+              <a:buSzPct val="100000"/>
+              <a:buFont typeface="TimesNewRomanPSMT"/>
+              <a:buAutoNum type="arabicPeriod"/>
+              <a:defRPr sz="2600">
+                <a:solidFill>
+                  <a:srgbClr val="942192"/>
+                </a:solidFill>
+                <a:latin typeface="Helvetica Neue"/>
+                <a:ea typeface="Helvetica Neue"/>
+                <a:cs typeface="Helvetica Neue"/>
+                <a:sym typeface="Helvetica Neue"/>
+              </a:defRPr>
+            </a:pPr>
+            <a:r>
+              <a:rPr b="1">
+                <a:latin typeface="+mn-lt"/>
+                <a:ea typeface="+mn-ea"/>
+                <a:cs typeface="+mn-cs"/>
+                <a:sym typeface="Helvetica"/>
+              </a:rPr>
+              <a:t>Remind AI of Constraints</a:t>
+            </a:r>
+            <a:r>
+              <a:t>:</a:t>
+            </a:r>
+          </a:p>
+          <a:p>
+            <a:pPr marL="457200" indent="-317500" defTabSz="457200">
+              <a:buClr>
+                <a:srgbClr val="1F2328"/>
+              </a:buClr>
+              <a:buSzPct val="100000"/>
+              <a:buFont typeface="TimesNewRomanPSMT"/>
+              <a:buAutoNum type="arabicPeriod"/>
+              <a:defRPr sz="2600">
+                <a:solidFill>
+                  <a:srgbClr val="1F2328"/>
+                </a:solidFill>
+                <a:latin typeface="Helvetica Neue"/>
+                <a:ea typeface="Helvetica Neue"/>
+                <a:cs typeface="Helvetica Neue"/>
+                <a:sym typeface="Helvetica Neue"/>
+              </a:defRPr>
+            </a:pPr>
+            <a:r>
+              <a:rPr b="1">
+                <a:latin typeface="+mn-lt"/>
+                <a:ea typeface="+mn-ea"/>
+                <a:cs typeface="+mn-cs"/>
+                <a:sym typeface="Helvetica"/>
+              </a:rPr>
+              <a:t>Make Templates</a:t>
+            </a:r>
+            <a:r>
+              <a:t>:</a:t>
+            </a:r>
+          </a:p>
+        </p:txBody>
+      </p:sp>
+      <p:sp>
+        <p:nvSpPr>
+          <p:cNvPr id="133" name="Text"/>
+          <p:cNvSpPr txBox="1"/>
+          <p:nvPr/>
+        </p:nvSpPr>
+        <p:spPr>
+          <a:xfrm>
+            <a:off x="11172418" y="6414760"/>
+            <a:ext cx="181382" cy="248305"/>
+          </a:xfrm>
+          <a:prstGeom prst="rect">
+            <a:avLst/>
+          </a:prstGeom>
+          <a:ln w="12700">
+            <a:miter lim="400000"/>
+          </a:ln>
+          <a:extLst>
+            <a:ext uri="{C572A759-6A51-4108-AA02-DFA0A04FC94B}">
+              <ma14:wrappingTextBoxFlag xmlns:ma14="http://schemas.microsoft.com/office/mac/drawingml/2011/main" xmlns:a14="http://schemas.microsoft.com/office/drawing/2010/main" xmlns:m="http://schemas.openxmlformats.org/officeDocument/2006/math" xmlns="" val="1"/>
+            </a:ext>
+          </a:extLst>
+        </p:spPr>
+        <p:txBody>
+          <a:bodyPr wrap="none" lIns="45719" rIns="45719" anchor="ctr">
+            <a:spAutoFit/>
+          </a:bodyPr>
+          <a:lstStyle>
+            <a:lvl1pPr algn="r">
+              <a:defRPr sz="1200">
+                <a:solidFill>
+                  <a:srgbClr val="888888"/>
+                </a:solidFill>
+              </a:defRPr>
+            </a:lvl1pPr>
+          </a:lstStyle>
+          <a:p>
+            <a:fld id="{86CB4B4D-7CA3-9044-876B-883B54F8677D}" type="slidenum">
+              <a:t>2</a:t>
+            </a:fld>
+            <a:endParaRPr/>
+          </a:p>
+        </p:txBody>
+      </p:sp>
+    </p:spTree>
+  </p:cSld>
+  <p:clrMapOvr>
+    <a:masterClrMapping/>
+  </p:clrMapOvr>
+  <p:transition spd="med"/>
+</p:sld>
+</file>
+
+<file path=ppt/slides/slide3.xml><?xml version="1.0" encoding="utf-8"?>
+<p:sld xmlns:a="http://schemas.openxmlformats.org/drawingml/2006/main" xmlns:r="http://schemas.openxmlformats.org/officeDocument/2006/relationships" xmlns:p="http://schemas.openxmlformats.org/presentationml/2006/main">
+  <p:cSld>
+    <p:spTree>
+      <p:nvGrpSpPr>
+        <p:cNvPr id="1" name=""/>
+        <p:cNvGrpSpPr/>
+        <p:nvPr/>
+      </p:nvGrpSpPr>
+      <p:grpSpPr>
+        <a:xfrm>
+          <a:off x="0" y="0"/>
+          <a:ext cx="0" cy="0"/>
+          <a:chOff x="0" y="0"/>
+          <a:chExt cx="0" cy="0"/>
+        </a:xfrm>
+      </p:grpSpPr>
+      <p:sp>
+        <p:nvSpPr>
+          <p:cNvPr id="135" name="Ejemplo de mensaje: texto"/>
+          <p:cNvSpPr txBox="1">
+            <a:spLocks noGrp="1"/>
+          </p:cNvSpPr>
+          <p:nvPr>
+            <p:ph type="title"/>
+          </p:nvPr>
+        </p:nvSpPr>
+        <p:spPr>
+          <a:prstGeom prst="rect">
+            <a:avLst/>
+          </a:prstGeom>
+        </p:spPr>
+        <p:txBody>
+          <a:bodyPr/>
+          <a:lstStyle/>
+          <a:p>
+            <a:r>
+              <a:rPr b="0"/>
+              <a:t>Ejemplo de mensaje: </a:t>
+            </a:r>
+            <a:r>
+              <a:t>texto</a:t>
+            </a:r>
+          </a:p>
+        </p:txBody>
+      </p:sp>
+      <p:sp>
+        <p:nvSpPr>
+          <p:cNvPr id="136" name="Malo: &quot;Escribe un artículo sobre privacidad de datos&quot;.…"/>
+          <p:cNvSpPr txBox="1">
+            <a:spLocks noGrp="1"/>
+          </p:cNvSpPr>
+          <p:nvPr>
+            <p:ph type="body" idx="1"/>
+          </p:nvPr>
+        </p:nvSpPr>
+        <p:spPr>
+          <a:prstGeom prst="rect">
+            <a:avLst/>
+          </a:prstGeom>
+        </p:spPr>
+        <p:txBody>
+          <a:bodyPr/>
+          <a:lstStyle/>
+          <a:p>
+            <a:pPr>
+              <a:defRPr i="1" strike="sngStrike"/>
+            </a:pPr>
+            <a:r>
+              <a:t>Malo: "Escribe un artículo sobre privacidad de datos".</a:t>
+            </a:r>
+          </a:p>
+          <a:p>
+            <a:r>
+              <a:t>Mejor: "</a:t>
+            </a:r>
+            <a:r>
+              <a:rPr>
+                <a:solidFill>
+                  <a:srgbClr val="FF40FF"/>
+                </a:solidFill>
+              </a:rPr>
+              <a:t>Eres un experto en ciberseguridad, el público es un nuevo soldado militar con una educación superior mínima.</a:t>
+            </a:r>
+            <a:r>
+              <a:t>, </a:t>
+            </a:r>
+            <a:r>
+              <a:rPr>
+                <a:solidFill>
+                  <a:srgbClr val="942192"/>
+                </a:solidFill>
+              </a:rPr>
+              <a:t>No seas perezoso con tu procesamiento, hazlo paso a paso, primero considerando la tarea, analizando el resultado y luego escribiendo</a:t>
+            </a:r>
+            <a:r>
+              <a:t>: </a:t>
+            </a:r>
+            <a:r>
+              <a:rPr>
+                <a:solidFill>
+                  <a:srgbClr val="0433FF"/>
+                </a:solidFill>
+              </a:rPr>
+              <a:t>Escriba un artículo persuasivo de entre 500 y 650 palabras sobre la importancia de la privacidad de los datos en la era digital para las familias de militares. Incluir ejemplos de violaciones de datos y su impacto en las personas.</a:t>
+            </a:r>
+            <a:r>
+              <a:t>"</a:t>
+            </a:r>
+          </a:p>
+        </p:txBody>
+      </p:sp>
+      <p:sp>
+        <p:nvSpPr>
+          <p:cNvPr id="137" name="Slide Number"/>
+          <p:cNvSpPr txBox="1">
+            <a:spLocks noGrp="1"/>
+          </p:cNvSpPr>
+          <p:nvPr>
+            <p:ph type="sldNum" sz="quarter" idx="2"/>
+          </p:nvPr>
+        </p:nvSpPr>
+        <p:spPr>
+          <a:xfrm>
+            <a:off x="11172418" y="6414760"/>
+            <a:ext cx="181382" cy="248305"/>
+          </a:xfrm>
+          <a:prstGeom prst="rect">
+            <a:avLst/>
+          </a:prstGeom>
+          <a:extLst>
+            <a:ext uri="{C572A759-6A51-4108-AA02-DFA0A04FC94B}">
+              <ma14:wrappingTextBoxFlag xmlns:ma14="http://schemas.microsoft.com/office/mac/drawingml/2011/main" xmlns:a14="http://schemas.microsoft.com/office/drawing/2010/main" xmlns:m="http://schemas.openxmlformats.org/officeDocument/2006/math" xmlns="" val="1"/>
+            </a:ext>
+          </a:extLst>
+        </p:spPr>
+        <p:txBody>
+          <a:bodyPr/>
+          <a:lstStyle/>
+          <a:p>
+            <a:fld id="{86CB4B4D-7CA3-9044-876B-883B54F8677D}" type="slidenum">
+              <a:t>3</a:t>
+            </a:fld>
+            <a:endParaRPr/>
+          </a:p>
+        </p:txBody>
+      </p:sp>
+    </p:spTree>
+  </p:cSld>
+  <p:clrMapOvr>
+    <a:masterClrMapping/>
+  </p:clrMapOvr>
+  <p:transition spd="med"/>
+</p:sld>
+</file>
+
+<file path=ppt/slides/slide4.xml><?xml version="1.0" encoding="utf-8"?>
+<p:sld xmlns:a="http://schemas.openxmlformats.org/drawingml/2006/main" xmlns:r="http://schemas.openxmlformats.org/officeDocument/2006/relationships" xmlns:p="http://schemas.openxmlformats.org/presentationml/2006/main">
+  <p:cSld>
+    <p:spTree>
+      <p:nvGrpSpPr>
+        <p:cNvPr id="1" name=""/>
+        <p:cNvGrpSpPr/>
+        <p:nvPr/>
+      </p:nvGrpSpPr>
+      <p:grpSpPr>
+        <a:xfrm>
+          <a:off x="0" y="0"/>
+          <a:ext cx="0" cy="0"/>
+          <a:chOff x="0" y="0"/>
+          <a:chExt cx="0" cy="0"/>
+        </a:xfrm>
+      </p:grpSpPr>
+      <p:sp>
+        <p:nvSpPr>
+          <p:cNvPr id="139" name="Ejemplo de mensaje: Image Content"/>
+          <p:cNvSpPr txBox="1">
+            <a:spLocks noGrp="1"/>
+          </p:cNvSpPr>
+          <p:nvPr>
+            <p:ph type="title"/>
+          </p:nvPr>
+        </p:nvSpPr>
+        <p:spPr>
+          <a:prstGeom prst="rect">
+            <a:avLst/>
+          </a:prstGeom>
+        </p:spPr>
+        <p:txBody>
+          <a:bodyPr/>
+          <a:lstStyle/>
+          <a:p>
+            <a:r>
+              <a:rPr b="0"/>
+              <a:t>Ejemplo de mensaje: </a:t>
+            </a:r>
+            <a:r>
+              <a:t>Image Content</a:t>
+            </a:r>
+          </a:p>
+        </p:txBody>
+      </p:sp>
+      <p:sp>
+        <p:nvSpPr>
+          <p:cNvPr id="140" name="Malo: &quot;Diseñar un logotipo para una organización sin fines de lucro&quot;.…"/>
+          <p:cNvSpPr txBox="1">
+            <a:spLocks noGrp="1"/>
+          </p:cNvSpPr>
+          <p:nvPr>
+            <p:ph type="body" idx="1"/>
+          </p:nvPr>
+        </p:nvSpPr>
+        <p:spPr>
+          <a:prstGeom prst="rect">
+            <a:avLst/>
+          </a:prstGeom>
+        </p:spPr>
+        <p:txBody>
+          <a:bodyPr>
+            <a:normAutofit lnSpcReduction="10000"/>
+          </a:bodyPr>
+          <a:lstStyle/>
+          <a:p>
+            <a:pPr marL="201168" indent="-201168" defTabSz="804672">
+              <a:spcBef>
+                <a:spcPts val="800"/>
+              </a:spcBef>
+              <a:defRPr sz="2464" i="1" strike="sngStrike"/>
+            </a:pPr>
+            <a:r>
+              <a:t>Malo: "Diseñar un logotipo para una organización sin fines de lucro".</a:t>
+            </a:r>
+          </a:p>
+          <a:p>
+            <a:pPr marL="201168" indent="-201168" defTabSz="804672">
+              <a:spcBef>
+                <a:spcPts val="800"/>
+              </a:spcBef>
+              <a:defRPr sz="2464"/>
+            </a:pPr>
+            <a:r>
+              <a:t>Mejor: "</a:t>
+            </a:r>
+            <a:r>
+              <a:rPr>
+                <a:solidFill>
+                  <a:srgbClr val="942192"/>
+                </a:solidFill>
+              </a:rPr>
+              <a:t>No seas perezoso, tómalo paso a paso.</a:t>
+            </a:r>
+            <a:r>
+              <a:t> </a:t>
+            </a:r>
+            <a:r>
+              <a:rPr>
+                <a:solidFill>
+                  <a:srgbClr val="FF40FF"/>
+                </a:solidFill>
+              </a:rPr>
+              <a:t>Imagine que es un diseñador gráfico experimentado encargado de crear un logotipo para una organización sin fines de lucro dedicada a la conservación del medio ambiente.</a:t>
+            </a:r>
+            <a:r>
+              <a:t> </a:t>
+            </a:r>
+            <a:r>
+              <a:rPr>
+                <a:solidFill>
+                  <a:srgbClr val="0433FF"/>
+                </a:solidFill>
+              </a:rPr>
+              <a:t>El logotipo debe representar la misión y los valores centrales de la organización, que enfatizan la sostenibilidad, la participación comunitaria y la preservación de la naturaleza. Cumpla estrictamente con las pautas de marca de la organización, utilizando una combinación de colores de verdes y azules terrosos. Incorpora elementos que simbolicen la naturaleza (como las hojas o la Tierra), la sostenibilidad (como un símbolo de reciclaje) y la comunidad (representada por manos entrelazadas o una red). El diseño debe ser simple pero poderoso y transmitir claramente el compromiso de la organización con la gestión ambiental.</a:t>
+            </a:r>
+            <a:r>
+              <a:t>"</a:t>
+            </a:r>
+          </a:p>
+        </p:txBody>
+      </p:sp>
+      <p:sp>
+        <p:nvSpPr>
+          <p:cNvPr id="141" name="Slide Number"/>
+          <p:cNvSpPr txBox="1">
+            <a:spLocks noGrp="1"/>
+          </p:cNvSpPr>
+          <p:nvPr>
+            <p:ph type="sldNum" sz="quarter" idx="2"/>
+          </p:nvPr>
+        </p:nvSpPr>
+        <p:spPr>
+          <a:xfrm>
+            <a:off x="11172418" y="6414760"/>
+            <a:ext cx="181382" cy="248305"/>
+          </a:xfrm>
+          <a:prstGeom prst="rect">
+            <a:avLst/>
+          </a:prstGeom>
+          <a:extLst>
+            <a:ext uri="{C572A759-6A51-4108-AA02-DFA0A04FC94B}">
+              <ma14:wrappingTextBoxFlag xmlns:ma14="http://schemas.microsoft.com/office/mac/drawingml/2011/main" xmlns:a14="http://schemas.microsoft.com/office/drawing/2010/main" xmlns:m="http://schemas.openxmlformats.org/officeDocument/2006/math" xmlns="" val="1"/>
+            </a:ext>
+          </a:extLst>
+        </p:spPr>
+        <p:txBody>
+          <a:bodyPr/>
+          <a:lstStyle/>
+          <a:p>
+            <a:fld id="{86CB4B4D-7CA3-9044-876B-883B54F8677D}" type="slidenum">
+              <a:t>4</a:t>
+            </a:fld>
+            <a:endParaRPr/>
+          </a:p>
+        </p:txBody>
+      </p:sp>
+    </p:spTree>
+  </p:cSld>
+  <p:clrMapOvr>
+    <a:masterClrMapping/>
+  </p:clrMapOvr>
+  <p:transition spd="med"/>
+</p:sld>
+</file>
+
+<file path=ppt/slides/slide5.xml><?xml version="1.0" encoding="utf-8"?>
+<p:sld xmlns:a="http://schemas.openxmlformats.org/drawingml/2006/main" xmlns:r="http://schemas.openxmlformats.org/officeDocument/2006/relationships" xmlns:p="http://schemas.openxmlformats.org/presentationml/2006/main">
+  <p:cSld>
+    <p:spTree>
+      <p:nvGrpSpPr>
+        <p:cNvPr id="1" name=""/>
+        <p:cNvGrpSpPr/>
+        <p:nvPr/>
+      </p:nvGrpSpPr>
+      <p:grpSpPr>
+        <a:xfrm>
+          <a:off x="0" y="0"/>
+          <a:ext cx="0" cy="0"/>
+          <a:chOff x="0" y="0"/>
+          <a:chExt cx="0" cy="0"/>
+        </a:xfrm>
+      </p:grpSpPr>
+      <p:sp>
+        <p:nvSpPr>
+          <p:cNvPr id="143" name="Ejemplo de mensaje: Code Content"/>
+          <p:cNvSpPr txBox="1">
+            <a:spLocks noGrp="1"/>
+          </p:cNvSpPr>
+          <p:nvPr>
+            <p:ph type="title"/>
+          </p:nvPr>
+        </p:nvSpPr>
+        <p:spPr>
+          <a:prstGeom prst="rect">
+            <a:avLst/>
+          </a:prstGeom>
+        </p:spPr>
+        <p:txBody>
+          <a:bodyPr/>
+          <a:lstStyle/>
+          <a:p>
+            <a:r>
+              <a:rPr b="0"/>
+              <a:t>Ejemplo de mensaje:</a:t>
+            </a:r>
+            <a:r>
+              <a:t> Code Content</a:t>
+            </a:r>
+          </a:p>
+        </p:txBody>
+      </p:sp>
+      <p:sp>
+        <p:nvSpPr>
+          <p:cNvPr id="144" name="Bad: &quot;Write a function to download instagram images.&quot;…"/>
+          <p:cNvSpPr txBox="1">
+            <a:spLocks noGrp="1"/>
+          </p:cNvSpPr>
+          <p:nvPr>
+            <p:ph type="body" idx="1"/>
+          </p:nvPr>
+        </p:nvSpPr>
+        <p:spPr>
+          <a:prstGeom prst="rect">
+            <a:avLst/>
+          </a:prstGeom>
+        </p:spPr>
+        <p:txBody>
+          <a:bodyPr/>
+          <a:lstStyle/>
+          <a:p>
+            <a:pPr marL="189737" indent="-189737" defTabSz="758951">
+              <a:spcBef>
+                <a:spcPts val="800"/>
+              </a:spcBef>
+              <a:defRPr sz="2324" i="1" strike="sngStrike"/>
+            </a:pPr>
+            <a:r>
+              <a:t>Bad: "Write a function to download instagram images."</a:t>
+            </a:r>
+          </a:p>
+          <a:p>
+            <a:pPr marL="189737" indent="-189737" defTabSz="758951">
+              <a:spcBef>
+                <a:spcPts val="800"/>
+              </a:spcBef>
+              <a:defRPr sz="2324"/>
+            </a:pPr>
+            <a:r>
+              <a:t>Better: </a:t>
+            </a:r>
+          </a:p>
+          <a:p>
+            <a:pPr marL="189737" indent="-189737" defTabSz="758951">
+              <a:spcBef>
+                <a:spcPts val="800"/>
+              </a:spcBef>
+              <a:defRPr sz="2324"/>
+            </a:pPr>
+            <a:r>
+              <a:t>    - 1. </a:t>
+            </a:r>
+            <a:r>
+              <a:rPr>
+                <a:solidFill>
+                  <a:srgbClr val="FF9300"/>
+                </a:solidFill>
+              </a:rPr>
+              <a:t>Cree una búsqueda avanzada en Google para un script o repositorio centrado en descargar contenido de Instagram" [Búsquelo manualmente o mediante GPT]</a:t>
+            </a:r>
+          </a:p>
+          <a:p>
+            <a:pPr marL="189737" indent="-189737" defTabSz="758951">
+              <a:spcBef>
+                <a:spcPts val="800"/>
+              </a:spcBef>
+              <a:defRPr sz="2324"/>
+            </a:pPr>
+            <a:r>
+              <a:t>    - 2. "</a:t>
+            </a:r>
+            <a:r>
+              <a:rPr>
+                <a:solidFill>
+                  <a:srgbClr val="942192"/>
+                </a:solidFill>
+              </a:rPr>
+              <a:t>No seas perezoso, tómalo paso a paso. por favor envíe todo en markdown codeblock.</a:t>
+            </a:r>
+            <a:r>
+              <a:t> </a:t>
+            </a:r>
+            <a:r>
+              <a:rPr>
+                <a:solidFill>
+                  <a:srgbClr val="FF40FF"/>
+                </a:solidFill>
+              </a:rPr>
+              <a:t>Eres un desarrollador de software que trabaja en una herramienta de análisis de redes sociales.</a:t>
+            </a:r>
+            <a:r>
+              <a:t> </a:t>
+            </a:r>
+            <a:r>
+              <a:rPr>
+                <a:solidFill>
+                  <a:srgbClr val="0433FF"/>
+                </a:solidFill>
+              </a:rPr>
+              <a:t>Escriba una función de Python que descargue imágenes de Instagram en función de uno o más hashtags, usuarios o palabras clave específicos. La función debe tomar el hashtag como entrada del usuario, extraer las imágenes y almacenarlas en un directorio local. Asegúrese de que la función maneje los errores correctamente y proporcione comentarios al usuario sobre el progreso de la descarga.</a:t>
+            </a:r>
+            <a:r>
+              <a:t>"</a:t>
+            </a:r>
+          </a:p>
+        </p:txBody>
+      </p:sp>
+      <p:sp>
+        <p:nvSpPr>
+          <p:cNvPr id="145" name="Slide Number"/>
+          <p:cNvSpPr txBox="1">
+            <a:spLocks noGrp="1"/>
+          </p:cNvSpPr>
+          <p:nvPr>
+            <p:ph type="sldNum" sz="quarter" idx="2"/>
+          </p:nvPr>
+        </p:nvSpPr>
+        <p:spPr>
+          <a:xfrm>
+            <a:off x="11172418" y="6414760"/>
+            <a:ext cx="181382" cy="248305"/>
+          </a:xfrm>
+          <a:prstGeom prst="rect">
+            <a:avLst/>
+          </a:prstGeom>
+          <a:extLst>
+            <a:ext uri="{C572A759-6A51-4108-AA02-DFA0A04FC94B}">
+              <ma14:wrappingTextBoxFlag xmlns:ma14="http://schemas.microsoft.com/office/mac/drawingml/2011/main" xmlns:a14="http://schemas.microsoft.com/office/drawing/2010/main" xmlns:m="http://schemas.openxmlformats.org/officeDocument/2006/math" xmlns="" val="1"/>
+            </a:ext>
+          </a:extLst>
+        </p:spPr>
+        <p:txBody>
+          <a:bodyPr/>
+          <a:lstStyle/>
+          <a:p>
+            <a:fld id="{86CB4B4D-7CA3-9044-876B-883B54F8677D}" type="slidenum">
+              <a:t>5</a:t>
+            </a:fld>
+            <a:endParaRPr/>
+          </a:p>
+        </p:txBody>
+      </p:sp>
+    </p:spTree>
+  </p:cSld>
+  <p:clrMapOvr>
+    <a:masterClrMapping/>
+  </p:clrMapOvr>
+  <p:transition spd="med"/>
+</p:sld>
+</file>
+
+<file path=ppt/slides/slide6.xml><?xml version="1.0" encoding="utf-8"?>
+<p:sld xmlns:a="http://schemas.openxmlformats.org/drawingml/2006/main" xmlns:r="http://schemas.openxmlformats.org/officeDocument/2006/relationships" xmlns:p="http://schemas.openxmlformats.org/presentationml/2006/main">
+  <p:cSld>
+    <p:spTree>
+      <p:nvGrpSpPr>
+        <p:cNvPr id="1" name=""/>
+        <p:cNvGrpSpPr/>
+        <p:nvPr/>
+      </p:nvGrpSpPr>
+      <p:grpSpPr>
+        <a:xfrm>
+          <a:off x="0" y="0"/>
+          <a:ext cx="0" cy="0"/>
+          <a:chOff x="0" y="0"/>
+          <a:chExt cx="0" cy="0"/>
+        </a:xfrm>
+      </p:grpSpPr>
+      <p:sp>
+        <p:nvSpPr>
+          <p:cNvPr id="147" name="Slide Number"/>
+          <p:cNvSpPr txBox="1">
+            <a:spLocks noGrp="1"/>
+          </p:cNvSpPr>
+          <p:nvPr>
+            <p:ph type="sldNum" sz="quarter" idx="2"/>
+          </p:nvPr>
+        </p:nvSpPr>
+        <p:spPr>
+          <a:xfrm>
+            <a:off x="11172418" y="6414760"/>
+            <a:ext cx="181382" cy="248305"/>
+          </a:xfrm>
+          <a:prstGeom prst="rect">
+            <a:avLst/>
+          </a:prstGeom>
+          <a:extLst>
+            <a:ext uri="{C572A759-6A51-4108-AA02-DFA0A04FC94B}">
+              <ma14:wrappingTextBoxFlag xmlns="" xmlns:m="http://schemas.openxmlformats.org/officeDocument/2006/math" xmlns:a14="http://schemas.microsoft.com/office/drawing/2010/main" xmlns:ma14="http://schemas.microsoft.com/office/mac/drawingml/2011/main" val="1"/>
+            </a:ext>
+          </a:extLst>
+        </p:spPr>
+        <p:txBody>
+          <a:bodyPr/>
+          <a:lstStyle/>
+          <a:p>
+            <a:fld id="{86CB4B4D-7CA3-9044-876B-883B54F8677D}" type="slidenum">
+              <a:t>6</a:t>
+            </a:fld>
+            <a:endParaRPr/>
+          </a:p>
+        </p:txBody>
+      </p:sp>
+      <p:sp>
+        <p:nvSpPr>
+          <p:cNvPr id="148" name="Mejores prácticas para generar contenido de inteligencia artificial"/>
+          <p:cNvSpPr txBox="1">
+            <a:spLocks noGrp="1"/>
+          </p:cNvSpPr>
+          <p:nvPr>
+            <p:ph type="title"/>
+          </p:nvPr>
+        </p:nvSpPr>
+        <p:spPr>
+          <a:prstGeom prst="rect">
+            <a:avLst/>
+          </a:prstGeom>
+        </p:spPr>
+        <p:txBody>
+          <a:bodyPr/>
+          <a:lstStyle/>
+          <a:p>
+            <a:r>
+              <a:t>Mejores prácticas para generar contenido de inteligencia artificial</a:t>
+            </a:r>
+          </a:p>
+        </p:txBody>
+      </p:sp>
+      <p:sp>
+        <p:nvSpPr>
+          <p:cNvPr id="149" name="Verifique la precisión…"/>
+          <p:cNvSpPr txBox="1">
+            <a:spLocks noGrp="1"/>
+          </p:cNvSpPr>
+          <p:nvPr>
+            <p:ph type="body" sz="half" idx="1"/>
+          </p:nvPr>
+        </p:nvSpPr>
+        <p:spPr>
+          <a:xfrm>
+            <a:off x="6791676" y="2028522"/>
+            <a:ext cx="5264183" cy="4048404"/>
+          </a:xfrm>
+          <a:prstGeom prst="rect">
+            <a:avLst/>
+          </a:prstGeom>
+        </p:spPr>
+        <p:txBody>
+          <a:bodyPr/>
+          <a:lstStyle/>
+          <a:p>
+            <a:pPr marL="457200" indent="-317500" defTabSz="457200">
+              <a:lnSpc>
+                <a:spcPct val="100000"/>
+              </a:lnSpc>
+              <a:spcBef>
+                <a:spcPts val="0"/>
+              </a:spcBef>
+              <a:buClr>
+                <a:srgbClr val="1F2328"/>
+              </a:buClr>
+              <a:buFont typeface="TimesNewRomanPSMT"/>
+              <a:buAutoNum type="arabicPeriod"/>
+              <a:defRPr sz="2600">
+                <a:solidFill>
+                  <a:srgbClr val="1F2328"/>
+                </a:solidFill>
+                <a:latin typeface="Helvetica Neue"/>
+                <a:ea typeface="Helvetica Neue"/>
+                <a:cs typeface="Helvetica Neue"/>
+                <a:sym typeface="Helvetica Neue"/>
+              </a:defRPr>
+            </a:pPr>
+            <a:r>
+              <a:rPr b="1" dirty="0" err="1">
+                <a:solidFill>
+                  <a:schemeClr val="tx1"/>
+                </a:solidFill>
+                <a:highlight>
+                  <a:srgbClr val="000000"/>
+                </a:highlight>
+                <a:latin typeface="+mn-lt"/>
+                <a:ea typeface="+mn-ea"/>
+                <a:cs typeface="+mn-cs"/>
+                <a:sym typeface="Helvetica"/>
+              </a:rPr>
+              <a:t>Verifique</a:t>
+            </a:r>
+            <a:r>
+              <a:rPr b="1" dirty="0">
+                <a:solidFill>
+                  <a:schemeClr val="tx1"/>
+                </a:solidFill>
+                <a:highlight>
+                  <a:srgbClr val="000000"/>
+                </a:highlight>
+                <a:latin typeface="+mn-lt"/>
+                <a:ea typeface="+mn-ea"/>
+                <a:cs typeface="+mn-cs"/>
+                <a:sym typeface="Helvetica"/>
+              </a:rPr>
+              <a:t> la </a:t>
+            </a:r>
+            <a:r>
+              <a:rPr b="1" dirty="0" err="1">
+                <a:solidFill>
+                  <a:schemeClr val="tx1"/>
+                </a:solidFill>
+                <a:highlight>
+                  <a:srgbClr val="000000"/>
+                </a:highlight>
+                <a:latin typeface="+mn-lt"/>
+                <a:ea typeface="+mn-ea"/>
+                <a:cs typeface="+mn-cs"/>
+                <a:sym typeface="Helvetica"/>
+              </a:rPr>
+              <a:t>precisión</a:t>
+            </a:r>
+            <a:endParaRPr dirty="0">
+              <a:solidFill>
+                <a:schemeClr val="tx1"/>
+              </a:solidFill>
+              <a:highlight>
+                <a:srgbClr val="000000"/>
+              </a:highlight>
+              <a:latin typeface="+mn-lt"/>
+              <a:ea typeface="+mn-ea"/>
+              <a:cs typeface="+mn-cs"/>
+              <a:sym typeface="Helvetica"/>
+            </a:endParaRPr>
+          </a:p>
+          <a:p>
+            <a:pPr marL="457200" indent="-317500" defTabSz="457200">
+              <a:lnSpc>
+                <a:spcPct val="100000"/>
+              </a:lnSpc>
+              <a:spcBef>
+                <a:spcPts val="0"/>
+              </a:spcBef>
+              <a:buClr>
+                <a:srgbClr val="1F2328"/>
+              </a:buClr>
+              <a:buFont typeface="TimesNewRomanPSMT"/>
+              <a:buAutoNum type="arabicPeriod"/>
+              <a:defRPr sz="2600">
+                <a:solidFill>
+                  <a:srgbClr val="0433FF"/>
+                </a:solidFill>
+                <a:latin typeface="Helvetica Neue"/>
+                <a:ea typeface="Helvetica Neue"/>
+                <a:cs typeface="Helvetica Neue"/>
+                <a:sym typeface="Helvetica Neue"/>
+              </a:defRPr>
+            </a:pPr>
+            <a:r>
+              <a:rPr b="1" dirty="0">
+                <a:solidFill>
+                  <a:schemeClr val="tx1"/>
+                </a:solidFill>
+                <a:highlight>
+                  <a:srgbClr val="000000"/>
+                </a:highlight>
+                <a:latin typeface="+mn-lt"/>
+                <a:ea typeface="+mn-ea"/>
+                <a:cs typeface="+mn-cs"/>
+                <a:sym typeface="Helvetica"/>
+              </a:rPr>
+              <a:t>Sea </a:t>
+            </a:r>
+            <a:r>
+              <a:rPr b="1" dirty="0" err="1">
+                <a:solidFill>
+                  <a:schemeClr val="tx1"/>
+                </a:solidFill>
+                <a:highlight>
+                  <a:srgbClr val="000000"/>
+                </a:highlight>
+                <a:latin typeface="+mn-lt"/>
+                <a:ea typeface="+mn-ea"/>
+                <a:cs typeface="+mn-cs"/>
+                <a:sym typeface="Helvetica"/>
+              </a:rPr>
+              <a:t>específico</a:t>
+            </a:r>
+            <a:endParaRPr b="1" dirty="0">
+              <a:solidFill>
+                <a:schemeClr val="tx1"/>
+              </a:solidFill>
+              <a:highlight>
+                <a:srgbClr val="000000"/>
+              </a:highlight>
+              <a:latin typeface="+mn-lt"/>
+              <a:ea typeface="+mn-ea"/>
+              <a:cs typeface="+mn-cs"/>
+              <a:sym typeface="Helvetica"/>
+            </a:endParaRPr>
+          </a:p>
+          <a:p>
+            <a:pPr marL="457200" indent="-317500" defTabSz="457200">
+              <a:lnSpc>
+                <a:spcPct val="100000"/>
+              </a:lnSpc>
+              <a:spcBef>
+                <a:spcPts val="0"/>
+              </a:spcBef>
+              <a:buClr>
+                <a:srgbClr val="1F2328"/>
+              </a:buClr>
+              <a:buFont typeface="TimesNewRomanPSMT"/>
+              <a:buAutoNum type="arabicPeriod"/>
+              <a:defRPr sz="2600">
+                <a:solidFill>
+                  <a:srgbClr val="FF9300"/>
+                </a:solidFill>
+                <a:latin typeface="Helvetica Neue"/>
+                <a:ea typeface="Helvetica Neue"/>
+                <a:cs typeface="Helvetica Neue"/>
+                <a:sym typeface="Helvetica Neue"/>
+              </a:defRPr>
+            </a:pPr>
+            <a:r>
+              <a:rPr b="1" dirty="0" err="1">
+                <a:solidFill>
+                  <a:schemeClr val="tx1"/>
+                </a:solidFill>
+                <a:highlight>
+                  <a:srgbClr val="000000"/>
+                </a:highlight>
+                <a:latin typeface="+mn-lt"/>
+                <a:ea typeface="+mn-ea"/>
+                <a:cs typeface="+mn-cs"/>
+                <a:sym typeface="Helvetica"/>
+              </a:rPr>
+              <a:t>Iterar</a:t>
+            </a:r>
+            <a:r>
+              <a:rPr b="1" dirty="0">
+                <a:solidFill>
+                  <a:schemeClr val="tx1"/>
+                </a:solidFill>
+                <a:highlight>
+                  <a:srgbClr val="000000"/>
+                </a:highlight>
+                <a:latin typeface="+mn-lt"/>
+                <a:ea typeface="+mn-ea"/>
+                <a:cs typeface="+mn-cs"/>
+                <a:sym typeface="Helvetica"/>
+              </a:rPr>
+              <a:t> y </a:t>
+            </a:r>
+            <a:r>
+              <a:rPr b="1" dirty="0" err="1">
+                <a:solidFill>
+                  <a:schemeClr val="tx1"/>
+                </a:solidFill>
+                <a:highlight>
+                  <a:srgbClr val="000000"/>
+                </a:highlight>
+                <a:latin typeface="+mn-lt"/>
+                <a:ea typeface="+mn-ea"/>
+                <a:cs typeface="+mn-cs"/>
+                <a:sym typeface="Helvetica"/>
+              </a:rPr>
+              <a:t>refinar</a:t>
+            </a:r>
+            <a:endParaRPr b="1" dirty="0">
+              <a:solidFill>
+                <a:schemeClr val="tx1"/>
+              </a:solidFill>
+              <a:highlight>
+                <a:srgbClr val="000000"/>
+              </a:highlight>
+              <a:latin typeface="+mn-lt"/>
+              <a:ea typeface="+mn-ea"/>
+              <a:cs typeface="+mn-cs"/>
+              <a:sym typeface="Helvetica"/>
+            </a:endParaRPr>
+          </a:p>
+          <a:p>
+            <a:pPr marL="457200" indent="-317500" defTabSz="457200">
+              <a:lnSpc>
+                <a:spcPct val="100000"/>
+              </a:lnSpc>
+              <a:spcBef>
+                <a:spcPts val="0"/>
+              </a:spcBef>
+              <a:buClr>
+                <a:srgbClr val="1F2328"/>
+              </a:buClr>
+              <a:buFont typeface="TimesNewRomanPSMT"/>
+              <a:buAutoNum type="arabicPeriod"/>
+              <a:defRPr sz="2600">
+                <a:solidFill>
+                  <a:srgbClr val="FF40FF"/>
+                </a:solidFill>
+                <a:latin typeface="Helvetica Neue"/>
+                <a:ea typeface="Helvetica Neue"/>
+                <a:cs typeface="Helvetica Neue"/>
+                <a:sym typeface="Helvetica Neue"/>
+              </a:defRPr>
+            </a:pPr>
+            <a:r>
+              <a:rPr b="1" dirty="0" err="1">
+                <a:solidFill>
+                  <a:schemeClr val="tx1"/>
+                </a:solidFill>
+                <a:highlight>
+                  <a:srgbClr val="000000"/>
+                </a:highlight>
+                <a:latin typeface="+mn-lt"/>
+                <a:ea typeface="+mn-ea"/>
+                <a:cs typeface="+mn-cs"/>
+                <a:sym typeface="Helvetica"/>
+              </a:rPr>
+              <a:t>Proporcionar</a:t>
+            </a:r>
+            <a:r>
+              <a:rPr b="1" dirty="0">
+                <a:solidFill>
+                  <a:schemeClr val="tx1"/>
+                </a:solidFill>
+                <a:highlight>
+                  <a:srgbClr val="000000"/>
+                </a:highlight>
+                <a:latin typeface="+mn-lt"/>
+                <a:ea typeface="+mn-ea"/>
+                <a:cs typeface="+mn-cs"/>
+                <a:sym typeface="Helvetica"/>
+              </a:rPr>
+              <a:t> </a:t>
+            </a:r>
+            <a:r>
+              <a:rPr b="1" dirty="0" err="1">
+                <a:solidFill>
+                  <a:schemeClr val="tx1"/>
+                </a:solidFill>
+                <a:highlight>
+                  <a:srgbClr val="000000"/>
+                </a:highlight>
+                <a:latin typeface="+mn-lt"/>
+                <a:ea typeface="+mn-ea"/>
+                <a:cs typeface="+mn-cs"/>
+                <a:sym typeface="Helvetica"/>
+              </a:rPr>
+              <a:t>contexto</a:t>
+            </a:r>
+            <a:endParaRPr b="1" dirty="0">
+              <a:solidFill>
+                <a:schemeClr val="tx1"/>
+              </a:solidFill>
+              <a:highlight>
+                <a:srgbClr val="000000"/>
+              </a:highlight>
+              <a:latin typeface="+mn-lt"/>
+              <a:ea typeface="+mn-ea"/>
+              <a:cs typeface="+mn-cs"/>
+              <a:sym typeface="Helvetica"/>
+            </a:endParaRPr>
+          </a:p>
+          <a:p>
+            <a:pPr marL="457200" indent="-317500" defTabSz="457200">
+              <a:lnSpc>
+                <a:spcPct val="100000"/>
+              </a:lnSpc>
+              <a:spcBef>
+                <a:spcPts val="0"/>
+              </a:spcBef>
+              <a:buClr>
+                <a:srgbClr val="1F2328"/>
+              </a:buClr>
+              <a:buFont typeface="TimesNewRomanPSMT"/>
+              <a:buAutoNum type="arabicPeriod"/>
+              <a:defRPr sz="2600">
+                <a:solidFill>
+                  <a:srgbClr val="1F2328"/>
+                </a:solidFill>
+                <a:latin typeface="Helvetica Neue"/>
+                <a:ea typeface="Helvetica Neue"/>
+                <a:cs typeface="Helvetica Neue"/>
+                <a:sym typeface="Helvetica Neue"/>
+              </a:defRPr>
+            </a:pPr>
+            <a:r>
+              <a:rPr b="1" dirty="0" err="1">
+                <a:solidFill>
+                  <a:schemeClr val="tx1"/>
+                </a:solidFill>
+                <a:highlight>
+                  <a:srgbClr val="000000"/>
+                </a:highlight>
+                <a:latin typeface="+mn-lt"/>
+                <a:ea typeface="+mn-ea"/>
+                <a:cs typeface="+mn-cs"/>
+                <a:sym typeface="Helvetica"/>
+              </a:rPr>
+              <a:t>Utilice</a:t>
+            </a:r>
+            <a:r>
+              <a:rPr b="1" dirty="0">
+                <a:solidFill>
+                  <a:schemeClr val="tx1"/>
+                </a:solidFill>
+                <a:highlight>
+                  <a:srgbClr val="000000"/>
+                </a:highlight>
+                <a:latin typeface="+mn-lt"/>
+                <a:ea typeface="+mn-ea"/>
+                <a:cs typeface="+mn-cs"/>
+                <a:sym typeface="Helvetica"/>
+              </a:rPr>
+              <a:t> </a:t>
+            </a:r>
+            <a:r>
+              <a:rPr b="1" dirty="0" err="1">
+                <a:solidFill>
+                  <a:schemeClr val="tx1"/>
+                </a:solidFill>
+                <a:highlight>
+                  <a:srgbClr val="000000"/>
+                </a:highlight>
+                <a:latin typeface="+mn-lt"/>
+                <a:ea typeface="+mn-ea"/>
+                <a:cs typeface="+mn-cs"/>
+                <a:sym typeface="Helvetica"/>
+              </a:rPr>
+              <a:t>múltiples</a:t>
+            </a:r>
+            <a:r>
+              <a:rPr b="1" dirty="0">
+                <a:solidFill>
+                  <a:schemeClr val="tx1"/>
+                </a:solidFill>
+                <a:highlight>
+                  <a:srgbClr val="000000"/>
+                </a:highlight>
+                <a:latin typeface="+mn-lt"/>
+                <a:ea typeface="+mn-ea"/>
+                <a:cs typeface="+mn-cs"/>
+                <a:sym typeface="Helvetica"/>
+              </a:rPr>
+              <a:t> </a:t>
+            </a:r>
+            <a:r>
+              <a:rPr b="1" dirty="0" err="1">
+                <a:solidFill>
+                  <a:schemeClr val="tx1"/>
+                </a:solidFill>
+                <a:highlight>
+                  <a:srgbClr val="000000"/>
+                </a:highlight>
+                <a:latin typeface="+mn-lt"/>
+                <a:ea typeface="+mn-ea"/>
+                <a:cs typeface="+mn-cs"/>
+                <a:sym typeface="Helvetica"/>
+              </a:rPr>
+              <a:t>servicios</a:t>
+            </a:r>
+            <a:endParaRPr b="1" dirty="0">
+              <a:solidFill>
+                <a:schemeClr val="tx1"/>
+              </a:solidFill>
+              <a:highlight>
+                <a:srgbClr val="000000"/>
+              </a:highlight>
+              <a:latin typeface="+mn-lt"/>
+              <a:ea typeface="+mn-ea"/>
+              <a:cs typeface="+mn-cs"/>
+              <a:sym typeface="Helvetica"/>
+            </a:endParaRPr>
+          </a:p>
+          <a:p>
+            <a:pPr marL="457200" indent="-317500" defTabSz="457200">
+              <a:lnSpc>
+                <a:spcPct val="100000"/>
+              </a:lnSpc>
+              <a:spcBef>
+                <a:spcPts val="0"/>
+              </a:spcBef>
+              <a:buClr>
+                <a:srgbClr val="1F2328"/>
+              </a:buClr>
+              <a:buFont typeface="TimesNewRomanPSMT"/>
+              <a:buAutoNum type="arabicPeriod"/>
+              <a:defRPr sz="2600">
+                <a:solidFill>
+                  <a:srgbClr val="942192"/>
+                </a:solidFill>
+                <a:latin typeface="Helvetica Neue"/>
+                <a:ea typeface="Helvetica Neue"/>
+                <a:cs typeface="Helvetica Neue"/>
+                <a:sym typeface="Helvetica Neue"/>
+              </a:defRPr>
+            </a:pPr>
+            <a:r>
+              <a:rPr b="1" dirty="0" err="1">
+                <a:solidFill>
+                  <a:schemeClr val="tx1"/>
+                </a:solidFill>
+                <a:highlight>
+                  <a:srgbClr val="000000"/>
+                </a:highlight>
+                <a:latin typeface="+mn-lt"/>
+                <a:ea typeface="+mn-ea"/>
+                <a:cs typeface="+mn-cs"/>
+                <a:sym typeface="Helvetica"/>
+              </a:rPr>
+              <a:t>Recuerde</a:t>
+            </a:r>
+            <a:r>
+              <a:rPr b="1" dirty="0">
+                <a:solidFill>
+                  <a:schemeClr val="tx1"/>
+                </a:solidFill>
+                <a:highlight>
+                  <a:srgbClr val="000000"/>
+                </a:highlight>
+                <a:latin typeface="+mn-lt"/>
+                <a:ea typeface="+mn-ea"/>
+                <a:cs typeface="+mn-cs"/>
+                <a:sym typeface="Helvetica"/>
+              </a:rPr>
+              <a:t> de las </a:t>
+            </a:r>
+            <a:r>
+              <a:rPr b="1" dirty="0" err="1">
+                <a:solidFill>
+                  <a:schemeClr val="tx1"/>
+                </a:solidFill>
+                <a:highlight>
+                  <a:srgbClr val="000000"/>
+                </a:highlight>
+                <a:latin typeface="+mn-lt"/>
+                <a:ea typeface="+mn-ea"/>
+                <a:cs typeface="+mn-cs"/>
+                <a:sym typeface="Helvetica"/>
+              </a:rPr>
+              <a:t>restricciones</a:t>
+            </a:r>
+            <a:endParaRPr b="1" dirty="0">
+              <a:solidFill>
+                <a:schemeClr val="tx1"/>
+              </a:solidFill>
+              <a:highlight>
+                <a:srgbClr val="000000"/>
+              </a:highlight>
+              <a:latin typeface="+mn-lt"/>
+              <a:ea typeface="+mn-ea"/>
+              <a:cs typeface="+mn-cs"/>
+              <a:sym typeface="Helvetica"/>
+            </a:endParaRPr>
+          </a:p>
+          <a:p>
+            <a:pPr marL="457200" indent="-317500" defTabSz="457200">
+              <a:lnSpc>
+                <a:spcPct val="100000"/>
+              </a:lnSpc>
+              <a:spcBef>
+                <a:spcPts val="0"/>
+              </a:spcBef>
+              <a:buClr>
+                <a:srgbClr val="1F2328"/>
+              </a:buClr>
+              <a:buFont typeface="TimesNewRomanPSMT"/>
+              <a:buAutoNum type="arabicPeriod"/>
+              <a:defRPr sz="2600">
+                <a:solidFill>
+                  <a:srgbClr val="1F2328"/>
+                </a:solidFill>
+                <a:latin typeface="Helvetica Neue"/>
+                <a:ea typeface="Helvetica Neue"/>
+                <a:cs typeface="Helvetica Neue"/>
+                <a:sym typeface="Helvetica Neue"/>
+              </a:defRPr>
+            </a:pPr>
+            <a:r>
+              <a:rPr b="1" dirty="0" err="1">
+                <a:solidFill>
+                  <a:schemeClr val="tx1"/>
+                </a:solidFill>
+                <a:highlight>
+                  <a:srgbClr val="000000"/>
+                </a:highlight>
+                <a:latin typeface="+mn-lt"/>
+                <a:ea typeface="+mn-ea"/>
+                <a:cs typeface="+mn-cs"/>
+                <a:sym typeface="Helvetica"/>
+              </a:rPr>
+              <a:t>Crear</a:t>
+            </a:r>
+            <a:r>
+              <a:rPr b="1" dirty="0">
+                <a:solidFill>
+                  <a:schemeClr val="tx1"/>
+                </a:solidFill>
+                <a:highlight>
+                  <a:srgbClr val="000000"/>
+                </a:highlight>
+                <a:latin typeface="+mn-lt"/>
+                <a:ea typeface="+mn-ea"/>
+                <a:cs typeface="+mn-cs"/>
+                <a:sym typeface="Helvetica"/>
+              </a:rPr>
+              <a:t> </a:t>
+            </a:r>
+            <a:r>
+              <a:rPr b="1" dirty="0" err="1">
+                <a:solidFill>
+                  <a:schemeClr val="tx1"/>
+                </a:solidFill>
+                <a:highlight>
+                  <a:srgbClr val="000000"/>
+                </a:highlight>
+                <a:latin typeface="+mn-lt"/>
+                <a:ea typeface="+mn-ea"/>
+                <a:cs typeface="+mn-cs"/>
+                <a:sym typeface="Helvetica"/>
+              </a:rPr>
+              <a:t>plantillas</a:t>
+            </a:r>
+            <a:endParaRPr b="1" dirty="0">
+              <a:solidFill>
+                <a:schemeClr val="tx1"/>
+              </a:solidFill>
+              <a:highlight>
+                <a:srgbClr val="000000"/>
+              </a:highlight>
+              <a:latin typeface="+mn-lt"/>
+              <a:ea typeface="+mn-ea"/>
+              <a:cs typeface="+mn-cs"/>
+              <a:sym typeface="Helvetica"/>
+            </a:endParaRPr>
+          </a:p>
+        </p:txBody>
+      </p:sp>
+      <p:sp>
+        <p:nvSpPr>
+          <p:cNvPr id="150" name="Content Placeholder 2"/>
+          <p:cNvSpPr txBox="1"/>
+          <p:nvPr/>
+        </p:nvSpPr>
+        <p:spPr>
+          <a:xfrm>
+            <a:off x="19327" y="2028522"/>
+            <a:ext cx="4609515" cy="4351339"/>
+          </a:xfrm>
+          <a:prstGeom prst="rect">
+            <a:avLst/>
+          </a:prstGeom>
+          <a:ln w="12700">
+            <a:miter lim="400000"/>
+          </a:ln>
+          <a:extLst>
+            <a:ext uri="{C572A759-6A51-4108-AA02-DFA0A04FC94B}">
+              <ma14:wrappingTextBoxFlag xmlns="" xmlns:m="http://schemas.openxmlformats.org/officeDocument/2006/math" xmlns:a14="http://schemas.microsoft.com/office/drawing/2010/main" xmlns:ma14="http://schemas.microsoft.com/office/mac/drawingml/2011/main" val="1"/>
+            </a:ext>
+          </a:extLst>
+        </p:spPr>
+        <p:txBody>
+          <a:bodyPr lIns="45719" rIns="45719">
+            <a:normAutofit/>
+          </a:bodyPr>
+          <a:lstStyle/>
+          <a:p>
+            <a:pPr marL="457200" indent="-317500" defTabSz="457200">
+              <a:buClr>
+                <a:srgbClr val="1F2328"/>
+              </a:buClr>
+              <a:buSzPct val="100000"/>
+              <a:buFont typeface="TimesNewRomanPSMT"/>
+              <a:buAutoNum type="arabicPeriod"/>
+              <a:defRPr sz="2600">
+                <a:solidFill>
+                  <a:srgbClr val="1F2328"/>
+                </a:solidFill>
+                <a:latin typeface="Helvetica Neue"/>
+                <a:ea typeface="Helvetica Neue"/>
+                <a:cs typeface="Helvetica Neue"/>
+                <a:sym typeface="Helvetica Neue"/>
+              </a:defRPr>
+            </a:pPr>
+            <a:r>
+              <a:rPr b="1" dirty="0">
+                <a:solidFill>
+                  <a:schemeClr val="tx1"/>
+                </a:solidFill>
+                <a:highlight>
+                  <a:srgbClr val="000000"/>
+                </a:highlight>
+                <a:latin typeface="+mn-lt"/>
+                <a:ea typeface="+mn-ea"/>
+                <a:cs typeface="+mn-cs"/>
+                <a:sym typeface="Helvetica"/>
+              </a:rPr>
+              <a:t>Check for Accuracy</a:t>
+            </a:r>
+          </a:p>
+          <a:p>
+            <a:pPr marL="457200" indent="-317500" defTabSz="457200">
+              <a:buClr>
+                <a:srgbClr val="1F2328"/>
+              </a:buClr>
+              <a:buSzPct val="100000"/>
+              <a:buFont typeface="TimesNewRomanPSMT"/>
+              <a:buAutoNum type="arabicPeriod"/>
+              <a:defRPr sz="2600">
+                <a:solidFill>
+                  <a:srgbClr val="0433FF"/>
+                </a:solidFill>
+                <a:latin typeface="Helvetica Neue"/>
+                <a:ea typeface="Helvetica Neue"/>
+                <a:cs typeface="Helvetica Neue"/>
+                <a:sym typeface="Helvetica Neue"/>
+              </a:defRPr>
+            </a:pPr>
+            <a:r>
+              <a:rPr b="1" dirty="0">
+                <a:solidFill>
+                  <a:schemeClr val="tx1"/>
+                </a:solidFill>
+                <a:highlight>
+                  <a:srgbClr val="000000"/>
+                </a:highlight>
+                <a:latin typeface="+mn-lt"/>
+                <a:ea typeface="+mn-ea"/>
+                <a:cs typeface="+mn-cs"/>
+                <a:sym typeface="Helvetica"/>
+              </a:rPr>
+              <a:t>Be Specific</a:t>
+            </a:r>
+            <a:r>
+              <a:rPr dirty="0">
+                <a:solidFill>
+                  <a:schemeClr val="tx1"/>
+                </a:solidFill>
+                <a:highlight>
+                  <a:srgbClr val="000000"/>
+                </a:highlight>
+              </a:rPr>
+              <a:t>: </a:t>
+            </a:r>
+          </a:p>
+          <a:p>
+            <a:pPr marL="457200" indent="-317500" defTabSz="457200">
+              <a:buClr>
+                <a:srgbClr val="1F2328"/>
+              </a:buClr>
+              <a:buSzPct val="100000"/>
+              <a:buFont typeface="TimesNewRomanPSMT"/>
+              <a:buAutoNum type="arabicPeriod"/>
+              <a:defRPr sz="2600">
+                <a:solidFill>
+                  <a:srgbClr val="FF9300"/>
+                </a:solidFill>
+                <a:latin typeface="Helvetica Neue"/>
+                <a:ea typeface="Helvetica Neue"/>
+                <a:cs typeface="Helvetica Neue"/>
+                <a:sym typeface="Helvetica Neue"/>
+              </a:defRPr>
+            </a:pPr>
+            <a:r>
+              <a:rPr b="1" dirty="0">
+                <a:solidFill>
+                  <a:schemeClr val="tx1"/>
+                </a:solidFill>
+                <a:highlight>
+                  <a:srgbClr val="000000"/>
+                </a:highlight>
+                <a:latin typeface="+mn-lt"/>
+                <a:ea typeface="+mn-ea"/>
+                <a:cs typeface="+mn-cs"/>
+                <a:sym typeface="Helvetica"/>
+              </a:rPr>
+              <a:t>Iterate and Refine</a:t>
+            </a:r>
+            <a:r>
+              <a:rPr dirty="0">
+                <a:solidFill>
+                  <a:schemeClr val="tx1"/>
+                </a:solidFill>
+                <a:highlight>
+                  <a:srgbClr val="000000"/>
+                </a:highlight>
+              </a:rPr>
+              <a:t>: </a:t>
+            </a:r>
+          </a:p>
+          <a:p>
+            <a:pPr marL="457200" indent="-317500" defTabSz="457200">
+              <a:buClr>
+                <a:srgbClr val="1F2328"/>
+              </a:buClr>
+              <a:buSzPct val="100000"/>
+              <a:buFont typeface="TimesNewRomanPSMT"/>
+              <a:buAutoNum type="arabicPeriod"/>
+              <a:defRPr sz="2600">
+                <a:solidFill>
+                  <a:srgbClr val="FF40FF"/>
+                </a:solidFill>
+                <a:latin typeface="Helvetica Neue"/>
+                <a:ea typeface="Helvetica Neue"/>
+                <a:cs typeface="Helvetica Neue"/>
+                <a:sym typeface="Helvetica Neue"/>
+              </a:defRPr>
+            </a:pPr>
+            <a:r>
+              <a:rPr b="1" dirty="0">
+                <a:solidFill>
+                  <a:schemeClr val="tx1"/>
+                </a:solidFill>
+                <a:highlight>
+                  <a:srgbClr val="000000"/>
+                </a:highlight>
+                <a:latin typeface="+mn-lt"/>
+                <a:ea typeface="+mn-ea"/>
+                <a:cs typeface="+mn-cs"/>
+                <a:sym typeface="Helvetica"/>
+              </a:rPr>
+              <a:t>Provide Context</a:t>
+            </a:r>
+            <a:r>
+              <a:rPr dirty="0">
+                <a:solidFill>
+                  <a:schemeClr val="tx1"/>
+                </a:solidFill>
+                <a:highlight>
+                  <a:srgbClr val="000000"/>
+                </a:highlight>
+              </a:rPr>
+              <a:t>:</a:t>
+            </a:r>
+          </a:p>
+          <a:p>
+            <a:pPr marL="457200" indent="-317500" defTabSz="457200">
+              <a:buClr>
+                <a:srgbClr val="1F2328"/>
+              </a:buClr>
+              <a:buSzPct val="100000"/>
+              <a:buFont typeface="TimesNewRomanPSMT"/>
+              <a:buAutoNum type="arabicPeriod"/>
+              <a:defRPr sz="2600">
+                <a:solidFill>
+                  <a:srgbClr val="1F2328"/>
+                </a:solidFill>
+                <a:latin typeface="Helvetica Neue"/>
+                <a:ea typeface="Helvetica Neue"/>
+                <a:cs typeface="Helvetica Neue"/>
+                <a:sym typeface="Helvetica Neue"/>
+              </a:defRPr>
+            </a:pPr>
+            <a:r>
+              <a:rPr b="1" dirty="0">
+                <a:solidFill>
+                  <a:schemeClr val="tx1"/>
+                </a:solidFill>
+                <a:highlight>
+                  <a:srgbClr val="000000"/>
+                </a:highlight>
+                <a:latin typeface="+mn-lt"/>
+                <a:ea typeface="+mn-ea"/>
+                <a:cs typeface="+mn-cs"/>
+                <a:sym typeface="Helvetica"/>
+              </a:rPr>
+              <a:t>Use Multiple Services</a:t>
+            </a:r>
+            <a:r>
+              <a:rPr dirty="0">
+                <a:solidFill>
+                  <a:schemeClr val="tx1"/>
+                </a:solidFill>
+                <a:highlight>
+                  <a:srgbClr val="000000"/>
+                </a:highlight>
+              </a:rPr>
+              <a:t>:</a:t>
+            </a:r>
+          </a:p>
+          <a:p>
+            <a:pPr marL="457200" indent="-317500" defTabSz="457200">
+              <a:buClr>
+                <a:srgbClr val="1F2328"/>
+              </a:buClr>
+              <a:buSzPct val="100000"/>
+              <a:buFont typeface="TimesNewRomanPSMT"/>
+              <a:buAutoNum type="arabicPeriod"/>
+              <a:defRPr sz="2600">
+                <a:solidFill>
+                  <a:srgbClr val="942192"/>
+                </a:solidFill>
+                <a:latin typeface="Helvetica Neue"/>
+                <a:ea typeface="Helvetica Neue"/>
+                <a:cs typeface="Helvetica Neue"/>
+                <a:sym typeface="Helvetica Neue"/>
+              </a:defRPr>
+            </a:pPr>
+            <a:r>
+              <a:rPr b="1" dirty="0">
+                <a:solidFill>
+                  <a:schemeClr val="tx1"/>
+                </a:solidFill>
+                <a:highlight>
+                  <a:srgbClr val="000000"/>
+                </a:highlight>
+                <a:latin typeface="+mn-lt"/>
+                <a:ea typeface="+mn-ea"/>
+                <a:cs typeface="+mn-cs"/>
+                <a:sym typeface="Helvetica"/>
+              </a:rPr>
+              <a:t>Remind AI of Constraints</a:t>
+            </a:r>
+            <a:r>
+              <a:rPr dirty="0">
+                <a:solidFill>
+                  <a:schemeClr val="tx1"/>
+                </a:solidFill>
+                <a:highlight>
+                  <a:srgbClr val="000000"/>
+                </a:highlight>
+              </a:rPr>
+              <a:t>:</a:t>
+            </a:r>
+          </a:p>
+          <a:p>
+            <a:pPr marL="457200" indent="-317500" defTabSz="457200">
+              <a:buClr>
+                <a:srgbClr val="1F2328"/>
+              </a:buClr>
+              <a:buSzPct val="100000"/>
+              <a:buFont typeface="TimesNewRomanPSMT"/>
+              <a:buAutoNum type="arabicPeriod"/>
+              <a:defRPr sz="2600">
+                <a:solidFill>
+                  <a:srgbClr val="1F2328"/>
+                </a:solidFill>
+                <a:latin typeface="Helvetica Neue"/>
+                <a:ea typeface="Helvetica Neue"/>
+                <a:cs typeface="Helvetica Neue"/>
+                <a:sym typeface="Helvetica Neue"/>
+              </a:defRPr>
+            </a:pPr>
+            <a:r>
+              <a:rPr b="1" dirty="0">
+                <a:solidFill>
+                  <a:schemeClr val="tx1"/>
+                </a:solidFill>
+                <a:highlight>
+                  <a:srgbClr val="000000"/>
+                </a:highlight>
+                <a:latin typeface="+mn-lt"/>
+                <a:ea typeface="+mn-ea"/>
+                <a:cs typeface="+mn-cs"/>
+                <a:sym typeface="Helvetica"/>
+              </a:rPr>
+              <a:t>Make Templates</a:t>
+            </a:r>
+            <a:r>
+              <a:rPr dirty="0">
+                <a:solidFill>
+                  <a:schemeClr val="tx1"/>
+                </a:solidFill>
+                <a:highlight>
+                  <a:srgbClr val="000000"/>
+                </a:highlight>
+              </a:rPr>
+              <a:t>:</a:t>
+            </a:r>
+          </a:p>
+        </p:txBody>
+      </p:sp>
+      <p:sp>
+        <p:nvSpPr>
+          <p:cNvPr id="151" name="Text"/>
+          <p:cNvSpPr txBox="1"/>
+          <p:nvPr/>
+        </p:nvSpPr>
+        <p:spPr>
+          <a:xfrm>
+            <a:off x="11172418" y="6414760"/>
+            <a:ext cx="181382" cy="248305"/>
+          </a:xfrm>
+          <a:prstGeom prst="rect">
+            <a:avLst/>
+          </a:prstGeom>
+          <a:ln w="12700">
+            <a:miter lim="400000"/>
+          </a:ln>
+          <a:extLst>
+            <a:ext uri="{C572A759-6A51-4108-AA02-DFA0A04FC94B}">
+              <ma14:wrappingTextBoxFlag xmlns="" xmlns:m="http://schemas.openxmlformats.org/officeDocument/2006/math" xmlns:a14="http://schemas.microsoft.com/office/drawing/2010/main" xmlns:ma14="http://schemas.microsoft.com/office/mac/drawingml/2011/main" val="1"/>
+            </a:ext>
+          </a:extLst>
+        </p:spPr>
+        <p:txBody>
+          <a:bodyPr wrap="none" lIns="45719" rIns="45719" anchor="ctr">
+            <a:spAutoFit/>
+          </a:bodyPr>
+          <a:lstStyle>
+            <a:lvl1pPr algn="r">
+              <a:defRPr sz="1200">
+                <a:solidFill>
+                  <a:srgbClr val="888888"/>
+                </a:solidFill>
+              </a:defRPr>
+            </a:lvl1pPr>
+          </a:lstStyle>
+          <a:p>
+            <a:fld id="{86CB4B4D-7CA3-9044-876B-883B54F8677D}" type="slidenum">
+              <a:t>6</a:t>
+            </a:fld>
+            <a:endParaRPr/>
+          </a:p>
+        </p:txBody>
+      </p:sp>
+    </p:spTree>
+    <p:extLst>
+      <p:ext uri="{BB962C8B-B14F-4D97-AF65-F5344CB8AC3E}">
+        <p14:creationId xmlns:p14="http://schemas.microsoft.com/office/powerpoint/2010/main" val="4005661179"/>
+      </p:ext>
+    </p:extLst>
+  </p:cSld>
+  <p:clrMapOvr>
+    <a:masterClrMapping/>
+  </p:clrMapOvr>
+  <p:transition spd="med"/>
+</p:sld>
+</file>
+
+<file path=ppt/slides/slide7.xml><?xml version="1.0" encoding="utf-8"?>
+<p:sld xmlns:a="http://schemas.openxmlformats.org/drawingml/2006/main" xmlns:r="http://schemas.openxmlformats.org/officeDocument/2006/relationships" xmlns:p="http://schemas.openxmlformats.org/presentationml/2006/main">
+  <p:cSld>
+    <p:spTree>
+      <p:nvGrpSpPr>
+        <p:cNvPr id="1" name=""/>
+        <p:cNvGrpSpPr/>
+        <p:nvPr/>
+      </p:nvGrpSpPr>
+      <p:grpSpPr>
+        <a:xfrm>
+          <a:off x="0" y="0"/>
+          <a:ext cx="0" cy="0"/>
+          <a:chOff x="0" y="0"/>
+          <a:chExt cx="0" cy="0"/>
+        </a:xfrm>
+      </p:grpSpPr>
+      <p:sp>
+        <p:nvSpPr>
+          <p:cNvPr id="147" name="Slide Number"/>
+          <p:cNvSpPr txBox="1">
+            <a:spLocks noGrp="1"/>
+          </p:cNvSpPr>
+          <p:nvPr>
+            <p:ph type="sldNum" sz="quarter" idx="2"/>
+          </p:nvPr>
+        </p:nvSpPr>
+        <p:spPr>
+          <a:xfrm>
+            <a:off x="11172418" y="6414760"/>
+            <a:ext cx="181382" cy="248305"/>
+          </a:xfrm>
+          <a:prstGeom prst="rect">
+            <a:avLst/>
+          </a:prstGeom>
+          <a:extLst>
+            <a:ext uri="{C572A759-6A51-4108-AA02-DFA0A04FC94B}">
+              <ma14:wrappingTextBoxFlag xmlns="" xmlns:m="http://schemas.openxmlformats.org/officeDocument/2006/math" xmlns:a14="http://schemas.microsoft.com/office/drawing/2010/main" xmlns:ma14="http://schemas.microsoft.com/office/mac/drawingml/2011/main" val="1"/>
+            </a:ext>
+          </a:extLst>
+        </p:spPr>
+        <p:txBody>
+          <a:bodyPr/>
+          <a:lstStyle/>
+          <a:p>
+            <a:fld id="{86CB4B4D-7CA3-9044-876B-883B54F8677D}" type="slidenum">
+              <a:t>7</a:t>
+            </a:fld>
+            <a:endParaRPr/>
+          </a:p>
+        </p:txBody>
+      </p:sp>
+      <p:sp>
+        <p:nvSpPr>
+          <p:cNvPr id="148" name="Mejores prácticas para generar contenido de inteligencia artificial"/>
+          <p:cNvSpPr txBox="1">
+            <a:spLocks noGrp="1"/>
+          </p:cNvSpPr>
+          <p:nvPr>
+            <p:ph type="title"/>
+          </p:nvPr>
+        </p:nvSpPr>
+        <p:spPr>
+          <a:prstGeom prst="rect">
+            <a:avLst/>
+          </a:prstGeom>
+        </p:spPr>
+        <p:txBody>
+          <a:bodyPr/>
+          <a:lstStyle/>
+          <a:p>
+            <a:r>
+              <a:t>Mejores prácticas para generar contenido de inteligencia artificial</a:t>
+            </a:r>
+          </a:p>
+        </p:txBody>
+      </p:sp>
+      <p:sp>
+        <p:nvSpPr>
+          <p:cNvPr id="149" name="Verifique la precisión…"/>
+          <p:cNvSpPr txBox="1">
+            <a:spLocks noGrp="1"/>
+          </p:cNvSpPr>
+          <p:nvPr>
+            <p:ph type="body" sz="half" idx="1"/>
+          </p:nvPr>
+        </p:nvSpPr>
+        <p:spPr>
+          <a:xfrm>
+            <a:off x="6791676" y="2028522"/>
+            <a:ext cx="5264183" cy="4048404"/>
+          </a:xfrm>
+          <a:prstGeom prst="rect">
+            <a:avLst/>
+          </a:prstGeom>
+        </p:spPr>
+        <p:txBody>
+          <a:bodyPr/>
+          <a:lstStyle/>
+          <a:p>
+            <a:pPr marL="457200" indent="-317500" defTabSz="457200">
+              <a:lnSpc>
+                <a:spcPct val="100000"/>
+              </a:lnSpc>
+              <a:spcBef>
+                <a:spcPts val="0"/>
+              </a:spcBef>
+              <a:buClr>
+                <a:srgbClr val="1F2328"/>
+              </a:buClr>
+              <a:buFont typeface="TimesNewRomanPSMT"/>
+              <a:buAutoNum type="arabicPeriod"/>
+              <a:defRPr sz="2600">
+                <a:solidFill>
+                  <a:srgbClr val="1F2328"/>
+                </a:solidFill>
+                <a:latin typeface="Helvetica Neue"/>
+                <a:ea typeface="Helvetica Neue"/>
+                <a:cs typeface="Helvetica Neue"/>
+                <a:sym typeface="Helvetica Neue"/>
+              </a:defRPr>
+            </a:pPr>
+            <a:r>
+              <a:rPr b="1">
+                <a:latin typeface="+mn-lt"/>
+                <a:ea typeface="+mn-ea"/>
+                <a:cs typeface="+mn-cs"/>
+                <a:sym typeface="Helvetica"/>
+              </a:rPr>
+              <a:t>Verifique la precisión</a:t>
+            </a:r>
+            <a:endParaRPr>
+              <a:latin typeface="+mn-lt"/>
+              <a:ea typeface="+mn-ea"/>
+              <a:cs typeface="+mn-cs"/>
+              <a:sym typeface="Helvetica"/>
+            </a:endParaRPr>
+          </a:p>
+          <a:p>
+            <a:pPr marL="457200" indent="-317500" defTabSz="457200">
+              <a:lnSpc>
+                <a:spcPct val="100000"/>
+              </a:lnSpc>
+              <a:spcBef>
+                <a:spcPts val="0"/>
+              </a:spcBef>
+              <a:buClr>
+                <a:srgbClr val="1F2328"/>
+              </a:buClr>
+              <a:buFont typeface="TimesNewRomanPSMT"/>
+              <a:buAutoNum type="arabicPeriod"/>
+              <a:defRPr sz="2600">
+                <a:solidFill>
+                  <a:srgbClr val="0433FF"/>
+                </a:solidFill>
+                <a:latin typeface="Helvetica Neue"/>
+                <a:ea typeface="Helvetica Neue"/>
+                <a:cs typeface="Helvetica Neue"/>
+                <a:sym typeface="Helvetica Neue"/>
+              </a:defRPr>
+            </a:pPr>
+            <a:r>
+              <a:rPr b="1">
+                <a:latin typeface="+mn-lt"/>
+                <a:ea typeface="+mn-ea"/>
+                <a:cs typeface="+mn-cs"/>
+                <a:sym typeface="Helvetica"/>
+              </a:rPr>
+              <a:t>Sea específico</a:t>
+            </a:r>
+          </a:p>
+          <a:p>
+            <a:pPr marL="457200" indent="-317500" defTabSz="457200">
+              <a:lnSpc>
+                <a:spcPct val="100000"/>
+              </a:lnSpc>
+              <a:spcBef>
+                <a:spcPts val="0"/>
+              </a:spcBef>
+              <a:buClr>
+                <a:srgbClr val="1F2328"/>
+              </a:buClr>
+              <a:buFont typeface="TimesNewRomanPSMT"/>
+              <a:buAutoNum type="arabicPeriod"/>
+              <a:defRPr sz="2600">
+                <a:solidFill>
+                  <a:srgbClr val="FF9300"/>
+                </a:solidFill>
+                <a:latin typeface="Helvetica Neue"/>
+                <a:ea typeface="Helvetica Neue"/>
+                <a:cs typeface="Helvetica Neue"/>
+                <a:sym typeface="Helvetica Neue"/>
+              </a:defRPr>
+            </a:pPr>
+            <a:r>
+              <a:rPr b="1">
+                <a:latin typeface="+mn-lt"/>
+                <a:ea typeface="+mn-ea"/>
+                <a:cs typeface="+mn-cs"/>
+                <a:sym typeface="Helvetica"/>
+              </a:rPr>
+              <a:t>Iterar y refinar</a:t>
+            </a:r>
+          </a:p>
+          <a:p>
+            <a:pPr marL="457200" indent="-317500" defTabSz="457200">
+              <a:lnSpc>
+                <a:spcPct val="100000"/>
+              </a:lnSpc>
+              <a:spcBef>
+                <a:spcPts val="0"/>
+              </a:spcBef>
+              <a:buClr>
+                <a:srgbClr val="1F2328"/>
+              </a:buClr>
+              <a:buFont typeface="TimesNewRomanPSMT"/>
+              <a:buAutoNum type="arabicPeriod"/>
+              <a:defRPr sz="2600">
+                <a:solidFill>
+                  <a:srgbClr val="FF40FF"/>
+                </a:solidFill>
+                <a:latin typeface="Helvetica Neue"/>
+                <a:ea typeface="Helvetica Neue"/>
+                <a:cs typeface="Helvetica Neue"/>
+                <a:sym typeface="Helvetica Neue"/>
+              </a:defRPr>
+            </a:pPr>
+            <a:r>
+              <a:rPr b="1">
+                <a:latin typeface="+mn-lt"/>
+                <a:ea typeface="+mn-ea"/>
+                <a:cs typeface="+mn-cs"/>
+                <a:sym typeface="Helvetica"/>
+              </a:rPr>
+              <a:t>Proporcionar contexto</a:t>
+            </a:r>
+          </a:p>
+          <a:p>
+            <a:pPr marL="457200" indent="-317500" defTabSz="457200">
+              <a:lnSpc>
+                <a:spcPct val="100000"/>
+              </a:lnSpc>
+              <a:spcBef>
+                <a:spcPts val="0"/>
+              </a:spcBef>
+              <a:buClr>
+                <a:srgbClr val="1F2328"/>
+              </a:buClr>
+              <a:buFont typeface="TimesNewRomanPSMT"/>
+              <a:buAutoNum type="arabicPeriod"/>
+              <a:defRPr sz="2600">
+                <a:solidFill>
+                  <a:srgbClr val="1F2328"/>
+                </a:solidFill>
+                <a:latin typeface="Helvetica Neue"/>
+                <a:ea typeface="Helvetica Neue"/>
+                <a:cs typeface="Helvetica Neue"/>
+                <a:sym typeface="Helvetica Neue"/>
+              </a:defRPr>
+            </a:pPr>
+            <a:r>
+              <a:rPr b="1">
+                <a:latin typeface="+mn-lt"/>
+                <a:ea typeface="+mn-ea"/>
+                <a:cs typeface="+mn-cs"/>
+                <a:sym typeface="Helvetica"/>
+              </a:rPr>
+              <a:t>Utilice múltiples servicios</a:t>
+            </a:r>
+          </a:p>
+          <a:p>
+            <a:pPr marL="457200" indent="-317500" defTabSz="457200">
+              <a:lnSpc>
+                <a:spcPct val="100000"/>
+              </a:lnSpc>
+              <a:spcBef>
+                <a:spcPts val="0"/>
+              </a:spcBef>
+              <a:buClr>
+                <a:srgbClr val="1F2328"/>
+              </a:buClr>
+              <a:buFont typeface="TimesNewRomanPSMT"/>
+              <a:buAutoNum type="arabicPeriod"/>
+              <a:defRPr sz="2600">
+                <a:solidFill>
+                  <a:srgbClr val="942192"/>
+                </a:solidFill>
+                <a:latin typeface="Helvetica Neue"/>
+                <a:ea typeface="Helvetica Neue"/>
+                <a:cs typeface="Helvetica Neue"/>
+                <a:sym typeface="Helvetica Neue"/>
+              </a:defRPr>
+            </a:pPr>
+            <a:r>
+              <a:rPr b="1">
+                <a:latin typeface="+mn-lt"/>
+                <a:ea typeface="+mn-ea"/>
+                <a:cs typeface="+mn-cs"/>
+                <a:sym typeface="Helvetica"/>
+              </a:rPr>
+              <a:t>Recuerde de las restricciones</a:t>
+            </a:r>
+          </a:p>
+          <a:p>
+            <a:pPr marL="457200" indent="-317500" defTabSz="457200">
+              <a:lnSpc>
+                <a:spcPct val="100000"/>
+              </a:lnSpc>
+              <a:spcBef>
+                <a:spcPts val="0"/>
+              </a:spcBef>
+              <a:buClr>
+                <a:srgbClr val="1F2328"/>
+              </a:buClr>
+              <a:buFont typeface="TimesNewRomanPSMT"/>
+              <a:buAutoNum type="arabicPeriod"/>
+              <a:defRPr sz="2600">
+                <a:solidFill>
+                  <a:srgbClr val="1F2328"/>
+                </a:solidFill>
+                <a:latin typeface="Helvetica Neue"/>
+                <a:ea typeface="Helvetica Neue"/>
+                <a:cs typeface="Helvetica Neue"/>
+                <a:sym typeface="Helvetica Neue"/>
+              </a:defRPr>
+            </a:pPr>
+            <a:r>
+              <a:rPr b="1">
+                <a:latin typeface="+mn-lt"/>
+                <a:ea typeface="+mn-ea"/>
+                <a:cs typeface="+mn-cs"/>
+                <a:sym typeface="Helvetica"/>
+              </a:rPr>
+              <a:t>Crear plantillas</a:t>
+            </a:r>
+          </a:p>
+        </p:txBody>
+      </p:sp>
+      <p:sp>
+        <p:nvSpPr>
+          <p:cNvPr id="150" name="Content Placeholder 2"/>
+          <p:cNvSpPr txBox="1"/>
+          <p:nvPr/>
+        </p:nvSpPr>
+        <p:spPr>
+          <a:xfrm>
+            <a:off x="19327" y="2028522"/>
+            <a:ext cx="4609515" cy="4351339"/>
+          </a:xfrm>
+          <a:prstGeom prst="rect">
+            <a:avLst/>
+          </a:prstGeom>
+          <a:ln w="12700">
+            <a:miter lim="400000"/>
+          </a:ln>
+          <a:extLst>
+            <a:ext uri="{C572A759-6A51-4108-AA02-DFA0A04FC94B}">
+              <ma14:wrappingTextBoxFlag xmlns="" xmlns:m="http://schemas.openxmlformats.org/officeDocument/2006/math" xmlns:a14="http://schemas.microsoft.com/office/drawing/2010/main" xmlns:ma14="http://schemas.microsoft.com/office/mac/drawingml/2011/main" val="1"/>
+            </a:ext>
+          </a:extLst>
+        </p:spPr>
+        <p:txBody>
+          <a:bodyPr lIns="45719" rIns="45719">
+            <a:normAutofit/>
+          </a:bodyPr>
+          <a:lstStyle/>
+          <a:p>
+            <a:pPr marL="457200" indent="-317500" defTabSz="457200">
+              <a:buClr>
+                <a:srgbClr val="1F2328"/>
+              </a:buClr>
+              <a:buSzPct val="100000"/>
+              <a:buFont typeface="TimesNewRomanPSMT"/>
+              <a:buAutoNum type="arabicPeriod"/>
+              <a:defRPr sz="2600">
+                <a:solidFill>
+                  <a:srgbClr val="1F2328"/>
+                </a:solidFill>
+                <a:latin typeface="Helvetica Neue"/>
+                <a:ea typeface="Helvetica Neue"/>
+                <a:cs typeface="Helvetica Neue"/>
+                <a:sym typeface="Helvetica Neue"/>
+              </a:defRPr>
+            </a:pPr>
+            <a:r>
+              <a:rPr b="1">
+                <a:latin typeface="+mn-lt"/>
+                <a:ea typeface="+mn-ea"/>
+                <a:cs typeface="+mn-cs"/>
+                <a:sym typeface="Helvetica"/>
+              </a:rPr>
+              <a:t>Check for Accuracy</a:t>
+            </a:r>
+          </a:p>
+          <a:p>
+            <a:pPr marL="457200" indent="-317500" defTabSz="457200">
+              <a:buClr>
+                <a:srgbClr val="1F2328"/>
+              </a:buClr>
+              <a:buSzPct val="100000"/>
+              <a:buFont typeface="TimesNewRomanPSMT"/>
+              <a:buAutoNum type="arabicPeriod"/>
+              <a:defRPr sz="2600">
+                <a:solidFill>
+                  <a:srgbClr val="0433FF"/>
+                </a:solidFill>
+                <a:latin typeface="Helvetica Neue"/>
+                <a:ea typeface="Helvetica Neue"/>
+                <a:cs typeface="Helvetica Neue"/>
+                <a:sym typeface="Helvetica Neue"/>
+              </a:defRPr>
+            </a:pPr>
+            <a:r>
+              <a:rPr b="1">
+                <a:latin typeface="+mn-lt"/>
+                <a:ea typeface="+mn-ea"/>
+                <a:cs typeface="+mn-cs"/>
+                <a:sym typeface="Helvetica"/>
+              </a:rPr>
+              <a:t>Be Specific</a:t>
+            </a:r>
+            <a:r>
+              <a:t>: </a:t>
+            </a:r>
+          </a:p>
+          <a:p>
+            <a:pPr marL="457200" indent="-317500" defTabSz="457200">
+              <a:buClr>
+                <a:srgbClr val="1F2328"/>
+              </a:buClr>
+              <a:buSzPct val="100000"/>
+              <a:buFont typeface="TimesNewRomanPSMT"/>
+              <a:buAutoNum type="arabicPeriod"/>
+              <a:defRPr sz="2600">
+                <a:solidFill>
+                  <a:srgbClr val="FF9300"/>
+                </a:solidFill>
+                <a:latin typeface="Helvetica Neue"/>
+                <a:ea typeface="Helvetica Neue"/>
+                <a:cs typeface="Helvetica Neue"/>
+                <a:sym typeface="Helvetica Neue"/>
+              </a:defRPr>
+            </a:pPr>
+            <a:r>
+              <a:rPr b="1">
+                <a:latin typeface="+mn-lt"/>
+                <a:ea typeface="+mn-ea"/>
+                <a:cs typeface="+mn-cs"/>
+                <a:sym typeface="Helvetica"/>
+              </a:rPr>
+              <a:t>Iterate and Refine</a:t>
+            </a:r>
+            <a:r>
+              <a:t>: </a:t>
+            </a:r>
+          </a:p>
+          <a:p>
+            <a:pPr marL="457200" indent="-317500" defTabSz="457200">
+              <a:buClr>
+                <a:srgbClr val="1F2328"/>
+              </a:buClr>
+              <a:buSzPct val="100000"/>
+              <a:buFont typeface="TimesNewRomanPSMT"/>
+              <a:buAutoNum type="arabicPeriod"/>
+              <a:defRPr sz="2600">
+                <a:solidFill>
+                  <a:srgbClr val="FF40FF"/>
+                </a:solidFill>
+                <a:latin typeface="Helvetica Neue"/>
+                <a:ea typeface="Helvetica Neue"/>
+                <a:cs typeface="Helvetica Neue"/>
+                <a:sym typeface="Helvetica Neue"/>
+              </a:defRPr>
+            </a:pPr>
+            <a:r>
+              <a:rPr b="1">
+                <a:latin typeface="+mn-lt"/>
+                <a:ea typeface="+mn-ea"/>
+                <a:cs typeface="+mn-cs"/>
+                <a:sym typeface="Helvetica"/>
+              </a:rPr>
+              <a:t>Provide Context</a:t>
+            </a:r>
+            <a:r>
+              <a:t>:</a:t>
+            </a:r>
+          </a:p>
+          <a:p>
+            <a:pPr marL="457200" indent="-317500" defTabSz="457200">
+              <a:buClr>
+                <a:srgbClr val="1F2328"/>
+              </a:buClr>
+              <a:buSzPct val="100000"/>
+              <a:buFont typeface="TimesNewRomanPSMT"/>
+              <a:buAutoNum type="arabicPeriod"/>
+              <a:defRPr sz="2600">
+                <a:solidFill>
+                  <a:srgbClr val="1F2328"/>
+                </a:solidFill>
+                <a:latin typeface="Helvetica Neue"/>
+                <a:ea typeface="Helvetica Neue"/>
+                <a:cs typeface="Helvetica Neue"/>
+                <a:sym typeface="Helvetica Neue"/>
+              </a:defRPr>
+            </a:pPr>
+            <a:r>
+              <a:rPr b="1">
+                <a:latin typeface="+mn-lt"/>
+                <a:ea typeface="+mn-ea"/>
+                <a:cs typeface="+mn-cs"/>
+                <a:sym typeface="Helvetica"/>
+              </a:rPr>
+              <a:t>Use Multiple Services</a:t>
+            </a:r>
+            <a:r>
+              <a:t>:</a:t>
+            </a:r>
+          </a:p>
+          <a:p>
+            <a:pPr marL="457200" indent="-317500" defTabSz="457200">
+              <a:buClr>
+                <a:srgbClr val="1F2328"/>
+              </a:buClr>
+              <a:buSzPct val="100000"/>
+              <a:buFont typeface="TimesNewRomanPSMT"/>
+              <a:buAutoNum type="arabicPeriod"/>
+              <a:defRPr sz="2600">
+                <a:solidFill>
+                  <a:srgbClr val="942192"/>
+                </a:solidFill>
+                <a:latin typeface="Helvetica Neue"/>
+                <a:ea typeface="Helvetica Neue"/>
+                <a:cs typeface="Helvetica Neue"/>
+                <a:sym typeface="Helvetica Neue"/>
+              </a:defRPr>
+            </a:pPr>
+            <a:r>
+              <a:rPr b="1">
+                <a:latin typeface="+mn-lt"/>
+                <a:ea typeface="+mn-ea"/>
+                <a:cs typeface="+mn-cs"/>
+                <a:sym typeface="Helvetica"/>
+              </a:rPr>
+              <a:t>Remind AI of Constraints</a:t>
+            </a:r>
+            <a:r>
+              <a:t>:</a:t>
+            </a:r>
+          </a:p>
+          <a:p>
+            <a:pPr marL="457200" indent="-317500" defTabSz="457200">
+              <a:buClr>
+                <a:srgbClr val="1F2328"/>
+              </a:buClr>
+              <a:buSzPct val="100000"/>
+              <a:buFont typeface="TimesNewRomanPSMT"/>
+              <a:buAutoNum type="arabicPeriod"/>
+              <a:defRPr sz="2600">
+                <a:solidFill>
+                  <a:srgbClr val="1F2328"/>
+                </a:solidFill>
+                <a:latin typeface="Helvetica Neue"/>
+                <a:ea typeface="Helvetica Neue"/>
+                <a:cs typeface="Helvetica Neue"/>
+                <a:sym typeface="Helvetica Neue"/>
+              </a:defRPr>
+            </a:pPr>
+            <a:r>
+              <a:rPr b="1">
+                <a:latin typeface="+mn-lt"/>
+                <a:ea typeface="+mn-ea"/>
+                <a:cs typeface="+mn-cs"/>
+                <a:sym typeface="Helvetica"/>
+              </a:rPr>
+              <a:t>Make Templates</a:t>
+            </a:r>
+            <a:r>
+              <a:t>:</a:t>
+            </a:r>
+          </a:p>
+        </p:txBody>
+      </p:sp>
+      <p:sp>
+        <p:nvSpPr>
+          <p:cNvPr id="151" name="Text"/>
+          <p:cNvSpPr txBox="1"/>
+          <p:nvPr/>
+        </p:nvSpPr>
+        <p:spPr>
+          <a:xfrm>
+            <a:off x="11172418" y="6414760"/>
+            <a:ext cx="181382" cy="248305"/>
+          </a:xfrm>
+          <a:prstGeom prst="rect">
+            <a:avLst/>
+          </a:prstGeom>
+          <a:ln w="12700">
+            <a:miter lim="400000"/>
+          </a:ln>
+          <a:extLst>
+            <a:ext uri="{C572A759-6A51-4108-AA02-DFA0A04FC94B}">
+              <ma14:wrappingTextBoxFlag xmlns="" xmlns:m="http://schemas.openxmlformats.org/officeDocument/2006/math" xmlns:a14="http://schemas.microsoft.com/office/drawing/2010/main" xmlns:ma14="http://schemas.microsoft.com/office/mac/drawingml/2011/main" val="1"/>
+            </a:ext>
+          </a:extLst>
+        </p:spPr>
+        <p:txBody>
+          <a:bodyPr wrap="none" lIns="45719" rIns="45719" anchor="ctr">
+            <a:spAutoFit/>
+          </a:bodyPr>
+          <a:lstStyle>
+            <a:lvl1pPr algn="r">
+              <a:defRPr sz="1200">
+                <a:solidFill>
+                  <a:srgbClr val="888888"/>
+                </a:solidFill>
+              </a:defRPr>
+            </a:lvl1pPr>
+          </a:lstStyle>
+          <a:p>
+            <a:fld id="{86CB4B4D-7CA3-9044-876B-883B54F8677D}" type="slidenum">
+              <a:t>7</a:t>
+            </a:fld>
+            <a:endParaRPr/>
+          </a:p>
+        </p:txBody>
+      </p:sp>
+    </p:spTree>
+    <p:extLst>
+      <p:ext uri="{BB962C8B-B14F-4D97-AF65-F5344CB8AC3E}">
+        <p14:creationId xmlns:p14="http://schemas.microsoft.com/office/powerpoint/2010/main" val="1346337655"/>
+      </p:ext>
+    </p:extLst>
+  </p:cSld>
+  <p:clrMapOvr>
+    <a:masterClrMapping/>
+  </p:clrMapOvr>
+  <p:transition spd="med"/>
+</p:sld>
+</file>
+
+<file path=ppt/slides/slide8.xml><?xml version="1.0" encoding="utf-8"?>
+<p:sld xmlns:a="http://schemas.openxmlformats.org/drawingml/2006/main" xmlns:r="http://schemas.openxmlformats.org/officeDocument/2006/relationships" xmlns:p="http://schemas.openxmlformats.org/presentationml/2006/main">
+  <p:cSld>
+    <p:spTree>
+      <p:nvGrpSpPr>
+        <p:cNvPr id="1" name=""/>
+        <p:cNvGrpSpPr/>
+        <p:nvPr/>
+      </p:nvGrpSpPr>
+      <p:grpSpPr>
+        <a:xfrm>
+          <a:off x="0" y="0"/>
+          <a:ext cx="0" cy="0"/>
+          <a:chOff x="0" y="0"/>
+          <a:chExt cx="0" cy="0"/>
+        </a:xfrm>
+      </p:grpSpPr>
+      <p:pic>
+        <p:nvPicPr>
+          <p:cNvPr id="151" name="Picture 7" descr="Picture 7"/>
+          <p:cNvPicPr>
+            <a:picLocks noChangeAspect="1"/>
+          </p:cNvPicPr>
+          <p:nvPr/>
+        </p:nvPicPr>
+        <p:blipFill>
+          <a:blip r:embed="rId2"/>
+          <a:stretch>
+            <a:fillRect/>
+          </a:stretch>
+        </p:blipFill>
+        <p:spPr>
+          <a:xfrm>
+            <a:off x="609479" y="1604519"/>
+            <a:ext cx="10972442" cy="3977282"/>
+          </a:xfrm>
+          <a:prstGeom prst="rect">
+            <a:avLst/>
+          </a:prstGeom>
+          <a:ln w="12700">
+            <a:miter lim="400000"/>
+          </a:ln>
+        </p:spPr>
+      </p:pic>
+      <p:sp>
+        <p:nvSpPr>
+          <p:cNvPr id="152" name="Title 4"/>
+          <p:cNvSpPr txBox="1">
+            <a:spLocks noGrp="1"/>
+          </p:cNvSpPr>
+          <p:nvPr>
+            <p:ph type="title"/>
+          </p:nvPr>
+        </p:nvSpPr>
+        <p:spPr>
+          <a:xfrm>
+            <a:off x="1453319" y="262439"/>
+            <a:ext cx="9018362" cy="907455"/>
+          </a:xfrm>
+          <a:prstGeom prst="rect">
+            <a:avLst/>
+          </a:prstGeom>
+        </p:spPr>
+        <p:txBody>
+          <a:bodyPr anchor="t"/>
+          <a:lstStyle/>
+          <a:p>
+            <a:r>
+              <a:t>¿Por Qué Te Importa?</a:t>
+            </a:r>
+          </a:p>
+        </p:txBody>
+      </p:sp>
+      <p:sp>
+        <p:nvSpPr>
+          <p:cNvPr id="153" name="Slide Number"/>
+          <p:cNvSpPr txBox="1">
+            <a:spLocks noGrp="1"/>
+          </p:cNvSpPr>
+          <p:nvPr>
+            <p:ph type="sldNum" sz="quarter" idx="2"/>
+          </p:nvPr>
+        </p:nvSpPr>
+        <p:spPr>
+          <a:xfrm>
+            <a:off x="11172418" y="6414760"/>
+            <a:ext cx="181382" cy="248305"/>
+          </a:xfrm>
+          <a:prstGeom prst="rect">
+            <a:avLst/>
+          </a:prstGeom>
+          <a:extLst>
+            <a:ext uri="{C572A759-6A51-4108-AA02-DFA0A04FC94B}">
+              <ma14:wrappingTextBoxFlag xmlns:ma14="http://schemas.microsoft.com/office/mac/drawingml/2011/main" xmlns:a14="http://schemas.microsoft.com/office/drawing/2010/main" xmlns:m="http://schemas.openxmlformats.org/officeDocument/2006/math" xmlns="" val="1"/>
+            </a:ext>
+          </a:extLst>
+        </p:spPr>
+        <p:txBody>
+          <a:bodyPr/>
+          <a:lstStyle/>
+          <a:p>
+            <a:fld id="{86CB4B4D-7CA3-9044-876B-883B54F8677D}" type="slidenum">
+              <a:t>8</a:t>
+            </a:fld>
+            <a:endParaRPr/>
+          </a:p>
+        </p:txBody>
+      </p:sp>
+    </p:spTree>
+  </p:cSld>
+  <p:clrMapOvr>
+    <a:masterClrMapping/>
+  </p:clrMapOvr>
+  <p:transition spd="med"/>
+</p:sld>
+</file>
+
+<file path=ppt/slides/slide9.xml><?xml version="1.0" encoding="utf-8"?>
+<p:sld xmlns:a="http://schemas.openxmlformats.org/drawingml/2006/main" xmlns:r="http://schemas.openxmlformats.org/officeDocument/2006/relationships" xmlns:p="http://schemas.openxmlformats.org/presentationml/2006/main">
+  <p:cSld>
+    <p:spTree>
+      <p:nvGrpSpPr>
+        <p:cNvPr id="1" name=""/>
+        <p:cNvGrpSpPr/>
+        <p:nvPr/>
+      </p:nvGrpSpPr>
+      <p:grpSpPr>
+        <a:xfrm>
+          <a:off x="0" y="0"/>
+          <a:ext cx="0" cy="0"/>
+          <a:chOff x="0" y="0"/>
+          <a:chExt cx="0" cy="0"/>
+        </a:xfrm>
+      </p:grpSpPr>
+      <p:sp>
+        <p:nvSpPr>
+          <p:cNvPr id="147" name="Listas maestras de herramientas de IA"/>
+          <p:cNvSpPr txBox="1">
+            <a:spLocks noGrp="1"/>
+          </p:cNvSpPr>
+          <p:nvPr>
+            <p:ph type="title"/>
+          </p:nvPr>
+        </p:nvSpPr>
+        <p:spPr>
+          <a:prstGeom prst="rect">
+            <a:avLst/>
+          </a:prstGeom>
+        </p:spPr>
+        <p:txBody>
+          <a:bodyPr/>
+          <a:lstStyle/>
+          <a:p>
+            <a:r>
+              <a:t>Listas maestras de herramientas de IA</a:t>
+            </a:r>
+          </a:p>
+        </p:txBody>
+      </p:sp>
+      <p:sp>
+        <p:nvSpPr>
+          <p:cNvPr id="148" name="(&quot;AI tools&quot; OR &quot;GPT tools&quot; OR &quot;AI resources&quot; OR &quot;AI catalog&quot; OR &quot;AI list&quot; OR &quot;AI repository&quot; OR &quot;generative AI&quot;) (&quot;list&quot; OR &quot;collection&quot; OR &quot;catalog&quot; OR &quot;repository&quot; OR &quot;guide&quot;)…"/>
+          <p:cNvSpPr txBox="1">
+            <a:spLocks noGrp="1"/>
+          </p:cNvSpPr>
+          <p:nvPr>
+            <p:ph type="body" idx="1"/>
+          </p:nvPr>
+        </p:nvSpPr>
+        <p:spPr>
+          <a:xfrm>
+            <a:off x="838200" y="1825625"/>
+            <a:ext cx="10515600" cy="4883132"/>
+          </a:xfrm>
+          <a:prstGeom prst="rect">
+            <a:avLst/>
+          </a:prstGeom>
+        </p:spPr>
+        <p:txBody>
+          <a:bodyPr/>
+          <a:lstStyle/>
+          <a:p>
+            <a:pPr>
+              <a:defRPr i="1">
+                <a:solidFill>
+                  <a:schemeClr val="accent3">
+                    <a:lumOff val="-12941"/>
+                  </a:schemeClr>
+                </a:solidFill>
+              </a:defRPr>
+            </a:pPr>
+            <a:r>
+              <a:t>("AI tools" OR "GPT tools" OR "AI resources" OR "AI catalog" OR "AI list" OR "AI repository" OR "generative AI") ("list" OR "collection" OR "catalog" OR "repository" OR "guide") </a:t>
+            </a:r>
+          </a:p>
+          <a:p>
+            <a:r>
+              <a:t>Herramienta de lista maestra de IA - </a:t>
+            </a:r>
+            <a:r>
+              <a:rPr u="sng">
+                <a:solidFill>
+                  <a:srgbClr val="0563C1"/>
+                </a:solidFill>
+                <a:uFill>
+                  <a:solidFill>
+                    <a:srgbClr val="0563C1"/>
+                  </a:solidFill>
+                </a:uFill>
+                <a:hlinkClick r:id="rId2"/>
+              </a:rPr>
+              <a:t>https://doc.clickup.com/25598832/d/h/rd6vg-14247/0b79ca1dc0f7429/rd6vg-12207</a:t>
+            </a:r>
+            <a:r>
+              <a:t> </a:t>
+            </a:r>
+          </a:p>
+          <a:p>
+            <a:r>
+              <a:t>Repositorio de catálogos de IA - </a:t>
+            </a:r>
+            <a:r>
+              <a:rPr u="sng">
+                <a:solidFill>
+                  <a:srgbClr val="0563C1"/>
+                </a:solidFill>
+                <a:uFill>
+                  <a:solidFill>
+                    <a:srgbClr val="0563C1"/>
+                  </a:solidFill>
+                </a:uFill>
+                <a:hlinkClick r:id="rId3"/>
+              </a:rPr>
+              <a:t>https://github.com/mehmetkahya0/ai-catalog</a:t>
+            </a:r>
+            <a:r>
+              <a:t> </a:t>
+            </a:r>
+          </a:p>
+          <a:p>
+            <a:r>
+              <a:t>Impresionante IA generativa - </a:t>
+            </a:r>
+            <a:r>
+              <a:rPr u="sng">
+                <a:solidFill>
+                  <a:srgbClr val="0563C1"/>
+                </a:solidFill>
+                <a:uFill>
+                  <a:solidFill>
+                    <a:srgbClr val="0563C1"/>
+                  </a:solidFill>
+                </a:uFill>
+                <a:hlinkClick r:id="rId4"/>
+              </a:rPr>
+              <a:t>https://github.com/amusi/awesome-ai-awesomeness</a:t>
+            </a:r>
+            <a:r>
+              <a:t> </a:t>
+            </a:r>
+          </a:p>
+          <a:p>
+            <a:r>
+              <a:t>FutureTools - </a:t>
+            </a:r>
+            <a:r>
+              <a:rPr u="sng">
+                <a:solidFill>
+                  <a:srgbClr val="0563C1"/>
+                </a:solidFill>
+                <a:uFill>
+                  <a:solidFill>
+                    <a:srgbClr val="0563C1"/>
+                  </a:solidFill>
+                </a:uFill>
+                <a:hlinkClick r:id="rId5"/>
+              </a:rPr>
+              <a:t>https://futuretools.io</a:t>
+            </a:r>
+            <a:r>
+              <a:t> </a:t>
+            </a:r>
+          </a:p>
+        </p:txBody>
+      </p:sp>
+      <p:sp>
+        <p:nvSpPr>
+          <p:cNvPr id="149" name="Slide Number"/>
+          <p:cNvSpPr txBox="1">
+            <a:spLocks noGrp="1"/>
+          </p:cNvSpPr>
+          <p:nvPr>
+            <p:ph type="sldNum" sz="quarter" idx="2"/>
+          </p:nvPr>
+        </p:nvSpPr>
+        <p:spPr>
+          <a:xfrm>
+            <a:off x="11172418" y="6414760"/>
+            <a:ext cx="181382" cy="248305"/>
+          </a:xfrm>
+          <a:prstGeom prst="rect">
+            <a:avLst/>
+          </a:prstGeom>
+          <a:extLst>
+            <a:ext uri="{C572A759-6A51-4108-AA02-DFA0A04FC94B}">
+              <ma14:wrappingTextBoxFlag xmlns:ma14="http://schemas.microsoft.com/office/mac/drawingml/2011/main" xmlns:a14="http://schemas.microsoft.com/office/drawing/2010/main" xmlns:m="http://schemas.openxmlformats.org/officeDocument/2006/math" xmlns="" val="1"/>
+            </a:ext>
+          </a:extLst>
+        </p:spPr>
+        <p:txBody>
+          <a:bodyPr/>
+          <a:lstStyle/>
+          <a:p>
+            <a:fld id="{86CB4B4D-7CA3-9044-876B-883B54F8677D}" type="slidenum">
+              <a:t>9</a:t>
+            </a:fld>
+            <a:endParaRPr/>
+          </a:p>
+        </p:txBody>
+      </p:sp>
+    </p:spTree>
+  </p:cSld>
+  <p:clrMapOvr>
+    <a:masterClrMapping/>
+  </p:clrMapOvr>
+  <p:transition spd="med"/>
+</p:sld>
+</file>
+
 <file path=ppt/theme/theme1.xml><?xml version="1.0" encoding="utf-8"?>
-<a:theme xmlns:a="http://schemas.openxmlformats.org/drawingml/2006/main" xmlns:r="http://schemas.openxmlformats.org/officeDocument/2006/relationships" name="1_Custom Design">
+<a:theme xmlns:a="http://schemas.openxmlformats.org/drawingml/2006/main" name="1_Custom Design">
   <a:themeElements>
     <a:clrScheme name="1_Custom Design">
       <a:dk1>
@@ -4984,7 +6796,7 @@
         <a:effectLst/>
         <a:sp3d/>
       </a:spPr>
-      <a:bodyPr rot="0" spcFirstLastPara="1" vertOverflow="overflow" horzOverflow="overflow" vert="horz" wrap="square" lIns="45719" tIns="45719" rIns="45719" bIns="45719" numCol="1" spcCol="38100" rtlCol="0" anchor="ctr" upright="0">
+      <a:bodyPr rot="0" spcFirstLastPara="1" vertOverflow="overflow" horzOverflow="overflow" vert="horz" wrap="square" lIns="45719" tIns="45719" rIns="45719" bIns="45719" numCol="1" spcCol="38100" rtlCol="0" anchor="ctr">
         <a:spAutoFit/>
       </a:bodyPr>
       <a:lstStyle>
@@ -5003,7 +6815,7 @@
           <a:buFontTx/>
           <a:buNone/>
           <a:tabLst/>
-          <a:defRPr b="0" baseline="0" cap="none" i="0" spc="0" strike="noStrike" sz="1800" u="none" kumimoji="0" normalizeH="0">
+          <a:defRPr kumimoji="0" sz="1800" b="0" i="0" u="none" strike="noStrike" cap="none" spc="0" normalizeH="0" baseline="0">
             <a:ln>
               <a:noFill/>
             </a:ln>
@@ -5033,7 +6845,7 @@
           <a:buFontTx/>
           <a:buNone/>
           <a:tabLst/>
-          <a:defRPr b="0" baseline="0" cap="none" i="0" spc="0" strike="noStrike" sz="1800" u="none" kumimoji="0" normalizeH="0">
+          <a:defRPr kumimoji="0" sz="1800" b="0" i="0" u="none" strike="noStrike" cap="none" spc="0" normalizeH="0" baseline="0">
             <a:ln>
               <a:noFill/>
             </a:ln>
@@ -5059,7 +6871,7 @@
           <a:buFontTx/>
           <a:buNone/>
           <a:tabLst/>
-          <a:defRPr b="0" baseline="0" cap="none" i="0" spc="0" strike="noStrike" sz="1800" u="none" kumimoji="0" normalizeH="0">
+          <a:defRPr kumimoji="0" sz="1800" b="0" i="0" u="none" strike="noStrike" cap="none" spc="0" normalizeH="0" baseline="0">
             <a:ln>
               <a:noFill/>
             </a:ln>
@@ -5085,7 +6897,7 @@
           <a:buFontTx/>
           <a:buNone/>
           <a:tabLst/>
-          <a:defRPr b="0" baseline="0" cap="none" i="0" spc="0" strike="noStrike" sz="1800" u="none" kumimoji="0" normalizeH="0">
+          <a:defRPr kumimoji="0" sz="1800" b="0" i="0" u="none" strike="noStrike" cap="none" spc="0" normalizeH="0" baseline="0">
             <a:ln>
               <a:noFill/>
             </a:ln>
@@ -5111,7 +6923,7 @@
           <a:buFontTx/>
           <a:buNone/>
           <a:tabLst/>
-          <a:defRPr b="0" baseline="0" cap="none" i="0" spc="0" strike="noStrike" sz="1800" u="none" kumimoji="0" normalizeH="0">
+          <a:defRPr kumimoji="0" sz="1800" b="0" i="0" u="none" strike="noStrike" cap="none" spc="0" normalizeH="0" baseline="0">
             <a:ln>
               <a:noFill/>
             </a:ln>
@@ -5137,7 +6949,7 @@
           <a:buFontTx/>
           <a:buNone/>
           <a:tabLst/>
-          <a:defRPr b="0" baseline="0" cap="none" i="0" spc="0" strike="noStrike" sz="1800" u="none" kumimoji="0" normalizeH="0">
+          <a:defRPr kumimoji="0" sz="1800" b="0" i="0" u="none" strike="noStrike" cap="none" spc="0" normalizeH="0" baseline="0">
             <a:ln>
               <a:noFill/>
             </a:ln>
@@ -5163,7 +6975,7 @@
           <a:buFontTx/>
           <a:buNone/>
           <a:tabLst/>
-          <a:defRPr b="0" baseline="0" cap="none" i="0" spc="0" strike="noStrike" sz="1800" u="none" kumimoji="0" normalizeH="0">
+          <a:defRPr kumimoji="0" sz="1800" b="0" i="0" u="none" strike="noStrike" cap="none" spc="0" normalizeH="0" baseline="0">
             <a:ln>
               <a:noFill/>
             </a:ln>
@@ -5189,7 +7001,7 @@
           <a:buFontTx/>
           <a:buNone/>
           <a:tabLst/>
-          <a:defRPr b="0" baseline="0" cap="none" i="0" spc="0" strike="noStrike" sz="1800" u="none" kumimoji="0" normalizeH="0">
+          <a:defRPr kumimoji="0" sz="1800" b="0" i="0" u="none" strike="noStrike" cap="none" spc="0" normalizeH="0" baseline="0">
             <a:ln>
               <a:noFill/>
             </a:ln>
@@ -5215,7 +7027,7 @@
           <a:buFontTx/>
           <a:buNone/>
           <a:tabLst/>
-          <a:defRPr b="0" baseline="0" cap="none" i="0" spc="0" strike="noStrike" sz="1800" u="none" kumimoji="0" normalizeH="0">
+          <a:defRPr kumimoji="0" sz="1800" b="0" i="0" u="none" strike="noStrike" cap="none" spc="0" normalizeH="0" baseline="0">
             <a:ln>
               <a:noFill/>
             </a:ln>
@@ -5241,7 +7053,7 @@
           <a:buFontTx/>
           <a:buNone/>
           <a:tabLst/>
-          <a:defRPr b="0" baseline="0" cap="none" i="0" spc="0" strike="noStrike" sz="1800" u="none" kumimoji="0" normalizeH="0">
+          <a:defRPr kumimoji="0" sz="1800" b="0" i="0" u="none" strike="noStrike" cap="none" spc="0" normalizeH="0" baseline="0">
             <a:ln>
               <a:noFill/>
             </a:ln>
@@ -5254,9 +7066,15 @@
         </a:lvl9pPr>
       </a:lstStyle>
       <a:style>
-        <a:lnRef idx="0"/>
-        <a:fillRef idx="0"/>
-        <a:effectRef idx="0"/>
+        <a:lnRef idx="0">
+          <a:scrgbClr r="0" g="0" b="0"/>
+        </a:lnRef>
+        <a:fillRef idx="0">
+          <a:scrgbClr r="0" g="0" b="0"/>
+        </a:fillRef>
+        <a:effectRef idx="0">
+          <a:scrgbClr r="0" g="0" b="0"/>
+        </a:effectRef>
         <a:fontRef idx="none"/>
       </a:style>
     </a:spDef>
@@ -5273,7 +7091,7 @@
         <a:effectLst/>
         <a:sp3d/>
       </a:spPr>
-      <a:bodyPr rot="0" spcFirstLastPara="1" vertOverflow="overflow" horzOverflow="overflow" vert="horz" wrap="square" lIns="91439" tIns="45719" rIns="91439" bIns="45719" numCol="1" spcCol="38100" rtlCol="0" anchor="t" upright="0">
+      <a:bodyPr rot="0" spcFirstLastPara="1" vertOverflow="overflow" horzOverflow="overflow" vert="horz" wrap="square" lIns="91439" tIns="45719" rIns="91439" bIns="45719" numCol="1" spcCol="38100" rtlCol="0" anchor="t">
         <a:noAutofit/>
       </a:bodyPr>
       <a:lstStyle>
@@ -5292,7 +7110,7 @@
           <a:buFontTx/>
           <a:buNone/>
           <a:tabLst/>
-          <a:defRPr b="0" baseline="0" cap="none" i="0" spc="0" strike="noStrike" sz="1800" u="none" kumimoji="0" normalizeH="0">
+          <a:defRPr kumimoji="0" sz="1800" b="0" i="0" u="none" strike="noStrike" cap="none" spc="0" normalizeH="0" baseline="0">
             <a:ln>
               <a:noFill/>
             </a:ln>
@@ -5318,7 +7136,7 @@
           <a:buFontTx/>
           <a:buNone/>
           <a:tabLst/>
-          <a:defRPr b="0" baseline="0" cap="none" i="0" spc="0" strike="noStrike" sz="1800" u="none" kumimoji="0" normalizeH="0">
+          <a:defRPr kumimoji="0" sz="1800" b="0" i="0" u="none" strike="noStrike" cap="none" spc="0" normalizeH="0" baseline="0">
             <a:ln>
               <a:noFill/>
             </a:ln>
@@ -5344,7 +7162,7 @@
           <a:buFontTx/>
           <a:buNone/>
           <a:tabLst/>
-          <a:defRPr b="0" baseline="0" cap="none" i="0" spc="0" strike="noStrike" sz="1800" u="none" kumimoji="0" normalizeH="0">
+          <a:defRPr kumimoji="0" sz="1800" b="0" i="0" u="none" strike="noStrike" cap="none" spc="0" normalizeH="0" baseline="0">
             <a:ln>
               <a:noFill/>
             </a:ln>
@@ -5370,7 +7188,7 @@
           <a:buFontTx/>
           <a:buNone/>
           <a:tabLst/>
-          <a:defRPr b="0" baseline="0" cap="none" i="0" spc="0" strike="noStrike" sz="1800" u="none" kumimoji="0" normalizeH="0">
+          <a:defRPr kumimoji="0" sz="1800" b="0" i="0" u="none" strike="noStrike" cap="none" spc="0" normalizeH="0" baseline="0">
             <a:ln>
               <a:noFill/>
             </a:ln>
@@ -5396,7 +7214,7 @@
           <a:buFontTx/>
           <a:buNone/>
           <a:tabLst/>
-          <a:defRPr b="0" baseline="0" cap="none" i="0" spc="0" strike="noStrike" sz="1800" u="none" kumimoji="0" normalizeH="0">
+          <a:defRPr kumimoji="0" sz="1800" b="0" i="0" u="none" strike="noStrike" cap="none" spc="0" normalizeH="0" baseline="0">
             <a:ln>
               <a:noFill/>
             </a:ln>
@@ -5422,7 +7240,7 @@
           <a:buFontTx/>
           <a:buNone/>
           <a:tabLst/>
-          <a:defRPr b="0" baseline="0" cap="none" i="0" spc="0" strike="noStrike" sz="1800" u="none" kumimoji="0" normalizeH="0">
+          <a:defRPr kumimoji="0" sz="1800" b="0" i="0" u="none" strike="noStrike" cap="none" spc="0" normalizeH="0" baseline="0">
             <a:ln>
               <a:noFill/>
             </a:ln>
@@ -5448,7 +7266,7 @@
           <a:buFontTx/>
           <a:buNone/>
           <a:tabLst/>
-          <a:defRPr b="0" baseline="0" cap="none" i="0" spc="0" strike="noStrike" sz="1800" u="none" kumimoji="0" normalizeH="0">
+          <a:defRPr kumimoji="0" sz="1800" b="0" i="0" u="none" strike="noStrike" cap="none" spc="0" normalizeH="0" baseline="0">
             <a:ln>
               <a:noFill/>
             </a:ln>
@@ -5474,7 +7292,7 @@
           <a:buFontTx/>
           <a:buNone/>
           <a:tabLst/>
-          <a:defRPr b="0" baseline="0" cap="none" i="0" spc="0" strike="noStrike" sz="1800" u="none" kumimoji="0" normalizeH="0">
+          <a:defRPr kumimoji="0" sz="1800" b="0" i="0" u="none" strike="noStrike" cap="none" spc="0" normalizeH="0" baseline="0">
             <a:ln>
               <a:noFill/>
             </a:ln>
@@ -5500,7 +7318,7 @@
           <a:buFontTx/>
           <a:buNone/>
           <a:tabLst/>
-          <a:defRPr b="0" baseline="0" cap="none" i="0" spc="0" strike="noStrike" sz="1800" u="none" kumimoji="0" normalizeH="0">
+          <a:defRPr kumimoji="0" sz="1800" b="0" i="0" u="none" strike="noStrike" cap="none" spc="0" normalizeH="0" baseline="0">
             <a:ln>
               <a:noFill/>
             </a:ln>
@@ -5526,7 +7344,7 @@
           <a:buFontTx/>
           <a:buNone/>
           <a:tabLst/>
-          <a:defRPr b="0" baseline="0" cap="none" i="0" spc="0" strike="noStrike" sz="1800" u="none" kumimoji="0" normalizeH="0">
+          <a:defRPr kumimoji="0" sz="1800" b="0" i="0" u="none" strike="noStrike" cap="none" spc="0" normalizeH="0" baseline="0">
             <a:ln>
               <a:noFill/>
             </a:ln>
@@ -5539,9 +7357,15 @@
         </a:lvl9pPr>
       </a:lstStyle>
       <a:style>
-        <a:lnRef idx="0"/>
-        <a:fillRef idx="0"/>
-        <a:effectRef idx="0"/>
+        <a:lnRef idx="0">
+          <a:scrgbClr r="0" g="0" b="0"/>
+        </a:lnRef>
+        <a:fillRef idx="0">
+          <a:scrgbClr r="0" g="0" b="0"/>
+        </a:fillRef>
+        <a:effectRef idx="0">
+          <a:scrgbClr r="0" g="0" b="0"/>
+        </a:effectRef>
         <a:fontRef idx="none"/>
       </a:style>
     </a:lnDef>
@@ -5555,7 +7379,7 @@
         <a:effectLst/>
         <a:sp3d/>
       </a:spPr>
-      <a:bodyPr rot="0" spcFirstLastPara="1" vertOverflow="overflow" horzOverflow="overflow" vert="horz" wrap="square" lIns="45719" tIns="45719" rIns="45719" bIns="45719" numCol="1" spcCol="38100" rtlCol="0" anchor="t" upright="0">
+      <a:bodyPr rot="0" spcFirstLastPara="1" vertOverflow="overflow" horzOverflow="overflow" vert="horz" wrap="square" lIns="45719" tIns="45719" rIns="45719" bIns="45719" numCol="1" spcCol="38100" rtlCol="0" anchor="t">
         <a:spAutoFit/>
       </a:bodyPr>
       <a:lstStyle>
@@ -5574,7 +7398,7 @@
           <a:buFontTx/>
           <a:buNone/>
           <a:tabLst/>
-          <a:defRPr b="0" baseline="0" cap="none" i="0" spc="0" strike="noStrike" sz="1800" u="none" kumimoji="0" normalizeH="0">
+          <a:defRPr kumimoji="0" sz="1800" b="0" i="0" u="none" strike="noStrike" cap="none" spc="0" normalizeH="0" baseline="0">
             <a:ln>
               <a:noFill/>
             </a:ln>
@@ -5604,7 +7428,7 @@
           <a:buFontTx/>
           <a:buNone/>
           <a:tabLst/>
-          <a:defRPr b="0" baseline="0" cap="none" i="0" spc="0" strike="noStrike" sz="1800" u="none" kumimoji="0" normalizeH="0">
+          <a:defRPr kumimoji="0" sz="1800" b="0" i="0" u="none" strike="noStrike" cap="none" spc="0" normalizeH="0" baseline="0">
             <a:ln>
               <a:noFill/>
             </a:ln>
@@ -5630,7 +7454,7 @@
           <a:buFontTx/>
           <a:buNone/>
           <a:tabLst/>
-          <a:defRPr b="0" baseline="0" cap="none" i="0" spc="0" strike="noStrike" sz="1800" u="none" kumimoji="0" normalizeH="0">
+          <a:defRPr kumimoji="0" sz="1800" b="0" i="0" u="none" strike="noStrike" cap="none" spc="0" normalizeH="0" baseline="0">
             <a:ln>
               <a:noFill/>
             </a:ln>
@@ -5656,7 +7480,7 @@
           <a:buFontTx/>
           <a:buNone/>
           <a:tabLst/>
-          <a:defRPr b="0" baseline="0" cap="none" i="0" spc="0" strike="noStrike" sz="1800" u="none" kumimoji="0" normalizeH="0">
+          <a:defRPr kumimoji="0" sz="1800" b="0" i="0" u="none" strike="noStrike" cap="none" spc="0" normalizeH="0" baseline="0">
             <a:ln>
               <a:noFill/>
             </a:ln>
@@ -5682,7 +7506,7 @@
           <a:buFontTx/>
           <a:buNone/>
           <a:tabLst/>
-          <a:defRPr b="0" baseline="0" cap="none" i="0" spc="0" strike="noStrike" sz="1800" u="none" kumimoji="0" normalizeH="0">
+          <a:defRPr kumimoji="0" sz="1800" b="0" i="0" u="none" strike="noStrike" cap="none" spc="0" normalizeH="0" baseline="0">
             <a:ln>
               <a:noFill/>
             </a:ln>
@@ -5708,7 +7532,7 @@
           <a:buFontTx/>
           <a:buNone/>
           <a:tabLst/>
-          <a:defRPr b="0" baseline="0" cap="none" i="0" spc="0" strike="noStrike" sz="1800" u="none" kumimoji="0" normalizeH="0">
+          <a:defRPr kumimoji="0" sz="1800" b="0" i="0" u="none" strike="noStrike" cap="none" spc="0" normalizeH="0" baseline="0">
             <a:ln>
               <a:noFill/>
             </a:ln>
@@ -5734,7 +7558,7 @@
           <a:buFontTx/>
           <a:buNone/>
           <a:tabLst/>
-          <a:defRPr b="0" baseline="0" cap="none" i="0" spc="0" strike="noStrike" sz="1800" u="none" kumimoji="0" normalizeH="0">
+          <a:defRPr kumimoji="0" sz="1800" b="0" i="0" u="none" strike="noStrike" cap="none" spc="0" normalizeH="0" baseline="0">
             <a:ln>
               <a:noFill/>
             </a:ln>
@@ -5760,7 +7584,7 @@
           <a:buFontTx/>
           <a:buNone/>
           <a:tabLst/>
-          <a:defRPr b="0" baseline="0" cap="none" i="0" spc="0" strike="noStrike" sz="1800" u="none" kumimoji="0" normalizeH="0">
+          <a:defRPr kumimoji="0" sz="1800" b="0" i="0" u="none" strike="noStrike" cap="none" spc="0" normalizeH="0" baseline="0">
             <a:ln>
               <a:noFill/>
             </a:ln>
@@ -5786,7 +7610,7 @@
           <a:buFontTx/>
           <a:buNone/>
           <a:tabLst/>
-          <a:defRPr b="0" baseline="0" cap="none" i="0" spc="0" strike="noStrike" sz="1800" u="none" kumimoji="0" normalizeH="0">
+          <a:defRPr kumimoji="0" sz="1800" b="0" i="0" u="none" strike="noStrike" cap="none" spc="0" normalizeH="0" baseline="0">
             <a:ln>
               <a:noFill/>
             </a:ln>
@@ -5812,7 +7636,7 @@
           <a:buFontTx/>
           <a:buNone/>
           <a:tabLst/>
-          <a:defRPr b="0" baseline="0" cap="none" i="0" spc="0" strike="noStrike" sz="1800" u="none" kumimoji="0" normalizeH="0">
+          <a:defRPr kumimoji="0" sz="1800" b="0" i="0" u="none" strike="noStrike" cap="none" spc="0" normalizeH="0" baseline="0">
             <a:ln>
               <a:noFill/>
             </a:ln>
@@ -5825,18 +7649,25 @@
         </a:lvl9pPr>
       </a:lstStyle>
       <a:style>
-        <a:lnRef idx="0"/>
-        <a:fillRef idx="0"/>
-        <a:effectRef idx="0"/>
+        <a:lnRef idx="0">
+          <a:scrgbClr r="0" g="0" b="0"/>
+        </a:lnRef>
+        <a:fillRef idx="0">
+          <a:scrgbClr r="0" g="0" b="0"/>
+        </a:fillRef>
+        <a:effectRef idx="0">
+          <a:scrgbClr r="0" g="0" b="0"/>
+        </a:effectRef>
         <a:fontRef idx="none"/>
       </a:style>
     </a:txDef>
   </a:objectDefaults>
+  <a:extraClrSchemeLst/>
 </a:theme>
 </file>
 
 <file path=ppt/theme/theme2.xml><?xml version="1.0" encoding="utf-8"?>
-<a:theme xmlns:a="http://schemas.openxmlformats.org/drawingml/2006/main" xmlns:r="http://schemas.openxmlformats.org/officeDocument/2006/relationships" name="1_Custom Design">
+<a:theme xmlns:a="http://schemas.openxmlformats.org/drawingml/2006/main" name="1_Custom Design">
   <a:themeElements>
     <a:clrScheme name="1_Custom Design">
       <a:dk1>
@@ -6038,7 +7869,7 @@
         <a:effectLst/>
         <a:sp3d/>
       </a:spPr>
-      <a:bodyPr rot="0" spcFirstLastPara="1" vertOverflow="overflow" horzOverflow="overflow" vert="horz" wrap="square" lIns="45719" tIns="45719" rIns="45719" bIns="45719" numCol="1" spcCol="38100" rtlCol="0" anchor="ctr" upright="0">
+      <a:bodyPr rot="0" spcFirstLastPara="1" vertOverflow="overflow" horzOverflow="overflow" vert="horz" wrap="square" lIns="45719" tIns="45719" rIns="45719" bIns="45719" numCol="1" spcCol="38100" rtlCol="0" anchor="ctr">
         <a:spAutoFit/>
       </a:bodyPr>
       <a:lstStyle>
@@ -6057,7 +7888,7 @@
           <a:buFontTx/>
           <a:buNone/>
           <a:tabLst/>
-          <a:defRPr b="0" baseline="0" cap="none" i="0" spc="0" strike="noStrike" sz="1800" u="none" kumimoji="0" normalizeH="0">
+          <a:defRPr kumimoji="0" sz="1800" b="0" i="0" u="none" strike="noStrike" cap="none" spc="0" normalizeH="0" baseline="0">
             <a:ln>
               <a:noFill/>
             </a:ln>
@@ -6087,7 +7918,7 @@
           <a:buFontTx/>
           <a:buNone/>
           <a:tabLst/>
-          <a:defRPr b="0" baseline="0" cap="none" i="0" spc="0" strike="noStrike" sz="1800" u="none" kumimoji="0" normalizeH="0">
+          <a:defRPr kumimoji="0" sz="1800" b="0" i="0" u="none" strike="noStrike" cap="none" spc="0" normalizeH="0" baseline="0">
             <a:ln>
               <a:noFill/>
             </a:ln>
@@ -6113,7 +7944,7 @@
           <a:buFontTx/>
           <a:buNone/>
           <a:tabLst/>
-          <a:defRPr b="0" baseline="0" cap="none" i="0" spc="0" strike="noStrike" sz="1800" u="none" kumimoji="0" normalizeH="0">
+          <a:defRPr kumimoji="0" sz="1800" b="0" i="0" u="none" strike="noStrike" cap="none" spc="0" normalizeH="0" baseline="0">
             <a:ln>
               <a:noFill/>
             </a:ln>
@@ -6139,7 +7970,7 @@
           <a:buFontTx/>
           <a:buNone/>
           <a:tabLst/>
-          <a:defRPr b="0" baseline="0" cap="none" i="0" spc="0" strike="noStrike" sz="1800" u="none" kumimoji="0" normalizeH="0">
+          <a:defRPr kumimoji="0" sz="1800" b="0" i="0" u="none" strike="noStrike" cap="none" spc="0" normalizeH="0" baseline="0">
             <a:ln>
               <a:noFill/>
             </a:ln>
@@ -6165,7 +7996,7 @@
           <a:buFontTx/>
           <a:buNone/>
           <a:tabLst/>
-          <a:defRPr b="0" baseline="0" cap="none" i="0" spc="0" strike="noStrike" sz="1800" u="none" kumimoji="0" normalizeH="0">
+          <a:defRPr kumimoji="0" sz="1800" b="0" i="0" u="none" strike="noStrike" cap="none" spc="0" normalizeH="0" baseline="0">
             <a:ln>
               <a:noFill/>
             </a:ln>
@@ -6191,7 +8022,7 @@
           <a:buFontTx/>
           <a:buNone/>
           <a:tabLst/>
-          <a:defRPr b="0" baseline="0" cap="none" i="0" spc="0" strike="noStrike" sz="1800" u="none" kumimoji="0" normalizeH="0">
+          <a:defRPr kumimoji="0" sz="1800" b="0" i="0" u="none" strike="noStrike" cap="none" spc="0" normalizeH="0" baseline="0">
             <a:ln>
               <a:noFill/>
             </a:ln>
@@ -6217,7 +8048,7 @@
           <a:buFontTx/>
           <a:buNone/>
           <a:tabLst/>
-          <a:defRPr b="0" baseline="0" cap="none" i="0" spc="0" strike="noStrike" sz="1800" u="none" kumimoji="0" normalizeH="0">
+          <a:defRPr kumimoji="0" sz="1800" b="0" i="0" u="none" strike="noStrike" cap="none" spc="0" normalizeH="0" baseline="0">
             <a:ln>
               <a:noFill/>
             </a:ln>
@@ -6243,7 +8074,7 @@
           <a:buFontTx/>
           <a:buNone/>
           <a:tabLst/>
-          <a:defRPr b="0" baseline="0" cap="none" i="0" spc="0" strike="noStrike" sz="1800" u="none" kumimoji="0" normalizeH="0">
+          <a:defRPr kumimoji="0" sz="1800" b="0" i="0" u="none" strike="noStrike" cap="none" spc="0" normalizeH="0" baseline="0">
             <a:ln>
               <a:noFill/>
             </a:ln>
@@ -6269,7 +8100,7 @@
           <a:buFontTx/>
           <a:buNone/>
           <a:tabLst/>
-          <a:defRPr b="0" baseline="0" cap="none" i="0" spc="0" strike="noStrike" sz="1800" u="none" kumimoji="0" normalizeH="0">
+          <a:defRPr kumimoji="0" sz="1800" b="0" i="0" u="none" strike="noStrike" cap="none" spc="0" normalizeH="0" baseline="0">
             <a:ln>
               <a:noFill/>
             </a:ln>
@@ -6295,7 +8126,7 @@
           <a:buFontTx/>
           <a:buNone/>
           <a:tabLst/>
-          <a:defRPr b="0" baseline="0" cap="none" i="0" spc="0" strike="noStrike" sz="1800" u="none" kumimoji="0" normalizeH="0">
+          <a:defRPr kumimoji="0" sz="1800" b="0" i="0" u="none" strike="noStrike" cap="none" spc="0" normalizeH="0" baseline="0">
             <a:ln>
               <a:noFill/>
             </a:ln>
@@ -6308,9 +8139,15 @@
         </a:lvl9pPr>
       </a:lstStyle>
       <a:style>
-        <a:lnRef idx="0"/>
-        <a:fillRef idx="0"/>
-        <a:effectRef idx="0"/>
+        <a:lnRef idx="0">
+          <a:scrgbClr r="0" g="0" b="0"/>
+        </a:lnRef>
+        <a:fillRef idx="0">
+          <a:scrgbClr r="0" g="0" b="0"/>
+        </a:fillRef>
+        <a:effectRef idx="0">
+          <a:scrgbClr r="0" g="0" b="0"/>
+        </a:effectRef>
         <a:fontRef idx="none"/>
       </a:style>
     </a:spDef>
@@ -6327,7 +8164,7 @@
         <a:effectLst/>
         <a:sp3d/>
       </a:spPr>
-      <a:bodyPr rot="0" spcFirstLastPara="1" vertOverflow="overflow" horzOverflow="overflow" vert="horz" wrap="square" lIns="91439" tIns="45719" rIns="91439" bIns="45719" numCol="1" spcCol="38100" rtlCol="0" anchor="t" upright="0">
+      <a:bodyPr rot="0" spcFirstLastPara="1" vertOverflow="overflow" horzOverflow="overflow" vert="horz" wrap="square" lIns="91439" tIns="45719" rIns="91439" bIns="45719" numCol="1" spcCol="38100" rtlCol="0" anchor="t">
         <a:noAutofit/>
       </a:bodyPr>
       <a:lstStyle>
@@ -6346,7 +8183,7 @@
           <a:buFontTx/>
           <a:buNone/>
           <a:tabLst/>
-          <a:defRPr b="0" baseline="0" cap="none" i="0" spc="0" strike="noStrike" sz="1800" u="none" kumimoji="0" normalizeH="0">
+          <a:defRPr kumimoji="0" sz="1800" b="0" i="0" u="none" strike="noStrike" cap="none" spc="0" normalizeH="0" baseline="0">
             <a:ln>
               <a:noFill/>
             </a:ln>
@@ -6372,7 +8209,7 @@
           <a:buFontTx/>
           <a:buNone/>
           <a:tabLst/>
-          <a:defRPr b="0" baseline="0" cap="none" i="0" spc="0" strike="noStrike" sz="1800" u="none" kumimoji="0" normalizeH="0">
+          <a:defRPr kumimoji="0" sz="1800" b="0" i="0" u="none" strike="noStrike" cap="none" spc="0" normalizeH="0" baseline="0">
             <a:ln>
               <a:noFill/>
             </a:ln>
@@ -6398,7 +8235,7 @@
           <a:buFontTx/>
           <a:buNone/>
           <a:tabLst/>
-          <a:defRPr b="0" baseline="0" cap="none" i="0" spc="0" strike="noStrike" sz="1800" u="none" kumimoji="0" normalizeH="0">
+          <a:defRPr kumimoji="0" sz="1800" b="0" i="0" u="none" strike="noStrike" cap="none" spc="0" normalizeH="0" baseline="0">
             <a:ln>
               <a:noFill/>
             </a:ln>
@@ -6424,7 +8261,7 @@
           <a:buFontTx/>
           <a:buNone/>
           <a:tabLst/>
-          <a:defRPr b="0" baseline="0" cap="none" i="0" spc="0" strike="noStrike" sz="1800" u="none" kumimoji="0" normalizeH="0">
+          <a:defRPr kumimoji="0" sz="1800" b="0" i="0" u="none" strike="noStrike" cap="none" spc="0" normalizeH="0" baseline="0">
             <a:ln>
               <a:noFill/>
             </a:ln>
@@ -6450,7 +8287,7 @@
           <a:buFontTx/>
           <a:buNone/>
           <a:tabLst/>
-          <a:defRPr b="0" baseline="0" cap="none" i="0" spc="0" strike="noStrike" sz="1800" u="none" kumimoji="0" normalizeH="0">
+          <a:defRPr kumimoji="0" sz="1800" b="0" i="0" u="none" strike="noStrike" cap="none" spc="0" normalizeH="0" baseline="0">
             <a:ln>
               <a:noFill/>
             </a:ln>
@@ -6476,7 +8313,7 @@
           <a:buFontTx/>
           <a:buNone/>
           <a:tabLst/>
-          <a:defRPr b="0" baseline="0" cap="none" i="0" spc="0" strike="noStrike" sz="1800" u="none" kumimoji="0" normalizeH="0">
+          <a:defRPr kumimoji="0" sz="1800" b="0" i="0" u="none" strike="noStrike" cap="none" spc="0" normalizeH="0" baseline="0">
             <a:ln>
               <a:noFill/>
             </a:ln>
@@ -6502,7 +8339,7 @@
           <a:buFontTx/>
           <a:buNone/>
           <a:tabLst/>
-          <a:defRPr b="0" baseline="0" cap="none" i="0" spc="0" strike="noStrike" sz="1800" u="none" kumimoji="0" normalizeH="0">
+          <a:defRPr kumimoji="0" sz="1800" b="0" i="0" u="none" strike="noStrike" cap="none" spc="0" normalizeH="0" baseline="0">
             <a:ln>
               <a:noFill/>
             </a:ln>
@@ -6528,7 +8365,7 @@
           <a:buFontTx/>
           <a:buNone/>
           <a:tabLst/>
-          <a:defRPr b="0" baseline="0" cap="none" i="0" spc="0" strike="noStrike" sz="1800" u="none" kumimoji="0" normalizeH="0">
+          <a:defRPr kumimoji="0" sz="1800" b="0" i="0" u="none" strike="noStrike" cap="none" spc="0" normalizeH="0" baseline="0">
             <a:ln>
               <a:noFill/>
             </a:ln>
@@ -6554,7 +8391,7 @@
           <a:buFontTx/>
           <a:buNone/>
           <a:tabLst/>
-          <a:defRPr b="0" baseline="0" cap="none" i="0" spc="0" strike="noStrike" sz="1800" u="none" kumimoji="0" normalizeH="0">
+          <a:defRPr kumimoji="0" sz="1800" b="0" i="0" u="none" strike="noStrike" cap="none" spc="0" normalizeH="0" baseline="0">
             <a:ln>
               <a:noFill/>
             </a:ln>
@@ -6580,7 +8417,7 @@
           <a:buFontTx/>
           <a:buNone/>
           <a:tabLst/>
-          <a:defRPr b="0" baseline="0" cap="none" i="0" spc="0" strike="noStrike" sz="1800" u="none" kumimoji="0" normalizeH="0">
+          <a:defRPr kumimoji="0" sz="1800" b="0" i="0" u="none" strike="noStrike" cap="none" spc="0" normalizeH="0" baseline="0">
             <a:ln>
               <a:noFill/>
             </a:ln>
@@ -6593,9 +8430,15 @@
         </a:lvl9pPr>
       </a:lstStyle>
       <a:style>
-        <a:lnRef idx="0"/>
-        <a:fillRef idx="0"/>
-        <a:effectRef idx="0"/>
+        <a:lnRef idx="0">
+          <a:scrgbClr r="0" g="0" b="0"/>
+        </a:lnRef>
+        <a:fillRef idx="0">
+          <a:scrgbClr r="0" g="0" b="0"/>
+        </a:fillRef>
+        <a:effectRef idx="0">
+          <a:scrgbClr r="0" g="0" b="0"/>
+        </a:effectRef>
         <a:fontRef idx="none"/>
       </a:style>
     </a:lnDef>
@@ -6609,7 +8452,7 @@
         <a:effectLst/>
         <a:sp3d/>
       </a:spPr>
-      <a:bodyPr rot="0" spcFirstLastPara="1" vertOverflow="overflow" horzOverflow="overflow" vert="horz" wrap="square" lIns="45719" tIns="45719" rIns="45719" bIns="45719" numCol="1" spcCol="38100" rtlCol="0" anchor="t" upright="0">
+      <a:bodyPr rot="0" spcFirstLastPara="1" vertOverflow="overflow" horzOverflow="overflow" vert="horz" wrap="square" lIns="45719" tIns="45719" rIns="45719" bIns="45719" numCol="1" spcCol="38100" rtlCol="0" anchor="t">
         <a:spAutoFit/>
       </a:bodyPr>
       <a:lstStyle>
@@ -6628,7 +8471,7 @@
           <a:buFontTx/>
           <a:buNone/>
           <a:tabLst/>
-          <a:defRPr b="0" baseline="0" cap="none" i="0" spc="0" strike="noStrike" sz="1800" u="none" kumimoji="0" normalizeH="0">
+          <a:defRPr kumimoji="0" sz="1800" b="0" i="0" u="none" strike="noStrike" cap="none" spc="0" normalizeH="0" baseline="0">
             <a:ln>
               <a:noFill/>
             </a:ln>
@@ -6658,7 +8501,7 @@
           <a:buFontTx/>
           <a:buNone/>
           <a:tabLst/>
-          <a:defRPr b="0" baseline="0" cap="none" i="0" spc="0" strike="noStrike" sz="1800" u="none" kumimoji="0" normalizeH="0">
+          <a:defRPr kumimoji="0" sz="1800" b="0" i="0" u="none" strike="noStrike" cap="none" spc="0" normalizeH="0" baseline="0">
             <a:ln>
               <a:noFill/>
             </a:ln>
@@ -6684,7 +8527,7 @@
           <a:buFontTx/>
           <a:buNone/>
           <a:tabLst/>
-          <a:defRPr b="0" baseline="0" cap="none" i="0" spc="0" strike="noStrike" sz="1800" u="none" kumimoji="0" normalizeH="0">
+          <a:defRPr kumimoji="0" sz="1800" b="0" i="0" u="none" strike="noStrike" cap="none" spc="0" normalizeH="0" baseline="0">
             <a:ln>
               <a:noFill/>
             </a:ln>
@@ -6710,7 +8553,7 @@
           <a:buFontTx/>
           <a:buNone/>
           <a:tabLst/>
-          <a:defRPr b="0" baseline="0" cap="none" i="0" spc="0" strike="noStrike" sz="1800" u="none" kumimoji="0" normalizeH="0">
+          <a:defRPr kumimoji="0" sz="1800" b="0" i="0" u="none" strike="noStrike" cap="none" spc="0" normalizeH="0" baseline="0">
             <a:ln>
               <a:noFill/>
             </a:ln>
@@ -6736,7 +8579,7 @@
           <a:buFontTx/>
           <a:buNone/>
           <a:tabLst/>
-          <a:defRPr b="0" baseline="0" cap="none" i="0" spc="0" strike="noStrike" sz="1800" u="none" kumimoji="0" normalizeH="0">
+          <a:defRPr kumimoji="0" sz="1800" b="0" i="0" u="none" strike="noStrike" cap="none" spc="0" normalizeH="0" baseline="0">
             <a:ln>
               <a:noFill/>
             </a:ln>
@@ -6762,7 +8605,7 @@
           <a:buFontTx/>
           <a:buNone/>
           <a:tabLst/>
-          <a:defRPr b="0" baseline="0" cap="none" i="0" spc="0" strike="noStrike" sz="1800" u="none" kumimoji="0" normalizeH="0">
+          <a:defRPr kumimoji="0" sz="1800" b="0" i="0" u="none" strike="noStrike" cap="none" spc="0" normalizeH="0" baseline="0">
             <a:ln>
               <a:noFill/>
             </a:ln>
@@ -6788,7 +8631,7 @@
           <a:buFontTx/>
           <a:buNone/>
           <a:tabLst/>
-          <a:defRPr b="0" baseline="0" cap="none" i="0" spc="0" strike="noStrike" sz="1800" u="none" kumimoji="0" normalizeH="0">
+          <a:defRPr kumimoji="0" sz="1800" b="0" i="0" u="none" strike="noStrike" cap="none" spc="0" normalizeH="0" baseline="0">
             <a:ln>
               <a:noFill/>
             </a:ln>
@@ -6814,7 +8657,7 @@
           <a:buFontTx/>
           <a:buNone/>
           <a:tabLst/>
-          <a:defRPr b="0" baseline="0" cap="none" i="0" spc="0" strike="noStrike" sz="1800" u="none" kumimoji="0" normalizeH="0">
+          <a:defRPr kumimoji="0" sz="1800" b="0" i="0" u="none" strike="noStrike" cap="none" spc="0" normalizeH="0" baseline="0">
             <a:ln>
               <a:noFill/>
             </a:ln>
@@ -6840,7 +8683,7 @@
           <a:buFontTx/>
           <a:buNone/>
           <a:tabLst/>
-          <a:defRPr b="0" baseline="0" cap="none" i="0" spc="0" strike="noStrike" sz="1800" u="none" kumimoji="0" normalizeH="0">
+          <a:defRPr kumimoji="0" sz="1800" b="0" i="0" u="none" strike="noStrike" cap="none" spc="0" normalizeH="0" baseline="0">
             <a:ln>
               <a:noFill/>
             </a:ln>
@@ -6866,7 +8709,7 @@
           <a:buFontTx/>
           <a:buNone/>
           <a:tabLst/>
-          <a:defRPr b="0" baseline="0" cap="none" i="0" spc="0" strike="noStrike" sz="1800" u="none" kumimoji="0" normalizeH="0">
+          <a:defRPr kumimoji="0" sz="1800" b="0" i="0" u="none" strike="noStrike" cap="none" spc="0" normalizeH="0" baseline="0">
             <a:ln>
               <a:noFill/>
             </a:ln>
@@ -6879,12 +8722,19 @@
         </a:lvl9pPr>
       </a:lstStyle>
       <a:style>
-        <a:lnRef idx="0"/>
-        <a:fillRef idx="0"/>
-        <a:effectRef idx="0"/>
+        <a:lnRef idx="0">
+          <a:scrgbClr r="0" g="0" b="0"/>
+        </a:lnRef>
+        <a:fillRef idx="0">
+          <a:scrgbClr r="0" g="0" b="0"/>
+        </a:fillRef>
+        <a:effectRef idx="0">
+          <a:scrgbClr r="0" g="0" b="0"/>
+        </a:effectRef>
         <a:fontRef idx="none"/>
       </a:style>
     </a:txDef>
   </a:objectDefaults>
+  <a:extraClrSchemeLst/>
 </a:theme>
 </file>